--- a/ppt/PythonMath07-NumpyMatrix.pptx
+++ b/ppt/PythonMath07-NumpyMatrix.pptx
@@ -5,10 +5,10 @@
     <p:sldMasterId id="2147483653" r:id="rId1"/>
   </p:sldMasterIdLst>
   <p:notesMasterIdLst>
-    <p:notesMasterId r:id="rId14"/>
+    <p:notesMasterId r:id="rId16"/>
   </p:notesMasterIdLst>
   <p:handoutMasterIdLst>
-    <p:handoutMasterId r:id="rId15"/>
+    <p:handoutMasterId r:id="rId17"/>
   </p:handoutMasterIdLst>
   <p:sldIdLst>
     <p:sldId id="264" r:id="rId2"/>
@@ -21,8 +21,10 @@
     <p:sldId id="284" r:id="rId9"/>
     <p:sldId id="277" r:id="rId10"/>
     <p:sldId id="288" r:id="rId11"/>
-    <p:sldId id="289" r:id="rId12"/>
-    <p:sldId id="290" r:id="rId13"/>
+    <p:sldId id="291" r:id="rId12"/>
+    <p:sldId id="289" r:id="rId13"/>
+    <p:sldId id="292" r:id="rId14"/>
+    <p:sldId id="290" r:id="rId15"/>
   </p:sldIdLst>
   <p:sldSz cx="9144000" cy="6858000" type="screen4x3"/>
   <p:notesSz cx="6648450" cy="9782175"/>
@@ -3917,7 +3919,7 @@
           <a:p>
             <a:r>
               <a:rPr lang="fr-FR" dirty="0" smtClean="0"/>
-              <a:t>Cubes</a:t>
+              <a:t>Les filtres</a:t>
             </a:r>
             <a:endParaRPr lang="fr-FR" dirty="0"/>
           </a:p>
@@ -3939,6 +3941,177 @@
           <a:lstStyle/>
           <a:p>
             <a:r>
+              <a:rPr lang="fr-FR" dirty="0" smtClean="0"/>
+              <a:t>Les filtres </a:t>
+            </a:r>
+            <a:r>
+              <a:rPr lang="fr-FR" dirty="0" err="1" smtClean="0"/>
+              <a:t>numpy</a:t>
+            </a:r>
+            <a:r>
+              <a:rPr lang="fr-FR" dirty="0" smtClean="0"/>
+              <a:t> sont les filtres Python</a:t>
+            </a:r>
+          </a:p>
+          <a:p>
+            <a:r>
+              <a:rPr lang="fr-FR" dirty="0" smtClean="0"/>
+              <a:t>[</a:t>
+            </a:r>
+            <a:r>
+              <a:rPr lang="fr-FR" dirty="0" err="1" smtClean="0"/>
+              <a:t>x:y</a:t>
+            </a:r>
+            <a:r>
+              <a:rPr lang="fr-FR" dirty="0" smtClean="0"/>
+              <a:t>] filtre les lignes de x à y-1</a:t>
+            </a:r>
+          </a:p>
+          <a:p>
+            <a:r>
+              <a:rPr lang="fr-FR" dirty="0" smtClean="0"/>
+              <a:t>[:y] filtre les lignes de 0 à y-1</a:t>
+            </a:r>
+          </a:p>
+          <a:p>
+            <a:r>
+              <a:rPr lang="fr-FR" dirty="0" smtClean="0"/>
+              <a:t>[x:] filtre les lignes de x à la fin</a:t>
+            </a:r>
+          </a:p>
+          <a:p>
+            <a:r>
+              <a:rPr lang="fr-FR" dirty="0" smtClean="0"/>
+              <a:t>[</a:t>
+            </a:r>
+            <a:r>
+              <a:rPr lang="fr-FR" dirty="0" err="1" smtClean="0"/>
+              <a:t>a:b</a:t>
+            </a:r>
+            <a:r>
+              <a:rPr lang="fr-FR" dirty="0" smtClean="0"/>
+              <a:t>, x:y] filtrer les lignes et les colonnes de x à y-1</a:t>
+            </a:r>
+            <a:endParaRPr lang="fr-FR" dirty="0"/>
+          </a:p>
+          <a:p>
+            <a:r>
+              <a:rPr lang="fr-FR" dirty="0" smtClean="0"/>
+              <a:t>[:,</a:t>
+            </a:r>
+            <a:r>
+              <a:rPr lang="fr-FR" dirty="0" err="1" smtClean="0"/>
+              <a:t>x,y</a:t>
+            </a:r>
+            <a:r>
+              <a:rPr lang="fr-FR" dirty="0" smtClean="0"/>
+              <a:t>] filtre uniquement les colonnes</a:t>
+            </a:r>
+          </a:p>
+          <a:p>
+            <a:r>
+              <a:rPr lang="fr-FR" dirty="0" smtClean="0"/>
+              <a:t>[[</a:t>
+            </a:r>
+            <a:r>
+              <a:rPr lang="fr-FR" dirty="0" err="1" smtClean="0"/>
+              <a:t>True</a:t>
+            </a:r>
+            <a:r>
+              <a:rPr lang="fr-FR" dirty="0" smtClean="0"/>
+              <a:t>, False, </a:t>
+            </a:r>
+            <a:r>
+              <a:rPr lang="fr-FR" dirty="0" err="1" smtClean="0"/>
+              <a:t>True</a:t>
+            </a:r>
+            <a:r>
+              <a:rPr lang="fr-FR" dirty="0" smtClean="0"/>
+              <a:t>]] : filtre l’indice 0 et 2</a:t>
+            </a:r>
+          </a:p>
+          <a:p>
+            <a:r>
+              <a:rPr lang="fr-FR" dirty="0" smtClean="0"/>
+              <a:t>[x &lt; y] : Renvoie un tableau </a:t>
+            </a:r>
+            <a:r>
+              <a:rPr lang="fr-FR" smtClean="0"/>
+              <a:t>de booléen</a:t>
+            </a:r>
+            <a:endParaRPr lang="fr-FR" dirty="0"/>
+          </a:p>
+        </p:txBody>
+      </p:sp>
+    </p:spTree>
+    <p:extLst>
+      <p:ext uri="{BB962C8B-B14F-4D97-AF65-F5344CB8AC3E}">
+        <p14:creationId xmlns:p14="http://schemas.microsoft.com/office/powerpoint/2010/main" val="1149557826"/>
+      </p:ext>
+    </p:extLst>
+  </p:cSld>
+  <p:clrMapOvr>
+    <a:masterClrMapping/>
+  </p:clrMapOvr>
+</p:sld>
+</file>
+
+<file path=ppt/slides/slide12.xml><?xml version="1.0" encoding="utf-8"?>
+<p:sld xmlns:a="http://schemas.openxmlformats.org/drawingml/2006/main" xmlns:r="http://schemas.openxmlformats.org/officeDocument/2006/relationships" xmlns:p="http://schemas.openxmlformats.org/presentationml/2006/main">
+  <p:cSld>
+    <p:spTree>
+      <p:nvGrpSpPr>
+        <p:cNvPr id="1" name=""/>
+        <p:cNvGrpSpPr/>
+        <p:nvPr/>
+      </p:nvGrpSpPr>
+      <p:grpSpPr>
+        <a:xfrm>
+          <a:off x="0" y="0"/>
+          <a:ext cx="0" cy="0"/>
+          <a:chOff x="0" y="0"/>
+          <a:chExt cx="0" cy="0"/>
+        </a:xfrm>
+      </p:grpSpPr>
+      <p:sp>
+        <p:nvSpPr>
+          <p:cNvPr id="2" name="Titre 1"/>
+          <p:cNvSpPr>
+            <a:spLocks noGrp="1"/>
+          </p:cNvSpPr>
+          <p:nvPr>
+            <p:ph type="title"/>
+          </p:nvPr>
+        </p:nvSpPr>
+        <p:spPr/>
+        <p:txBody>
+          <a:bodyPr/>
+          <a:lstStyle/>
+          <a:p>
+            <a:r>
+              <a:rPr lang="fr-FR" dirty="0" smtClean="0"/>
+              <a:t>Cubes</a:t>
+            </a:r>
+            <a:endParaRPr lang="fr-FR" dirty="0"/>
+          </a:p>
+        </p:txBody>
+      </p:sp>
+      <p:sp>
+        <p:nvSpPr>
+          <p:cNvPr id="3" name="Espace réservé du contenu 2"/>
+          <p:cNvSpPr>
+            <a:spLocks noGrp="1"/>
+          </p:cNvSpPr>
+          <p:nvPr>
+            <p:ph idx="1"/>
+          </p:nvPr>
+        </p:nvSpPr>
+        <p:spPr/>
+        <p:txBody>
+          <a:bodyPr/>
+          <a:lstStyle/>
+          <a:p>
+            <a:r>
               <a:rPr lang="fr-FR" dirty="0" err="1" smtClean="0"/>
               <a:t>np.ndarray</a:t>
             </a:r>
@@ -4018,7 +4191,104 @@
 </p:sld>
 </file>
 
-<file path=ppt/slides/slide12.xml><?xml version="1.0" encoding="utf-8"?>
+<file path=ppt/slides/slide13.xml><?xml version="1.0" encoding="utf-8"?>
+<p:sld xmlns:a="http://schemas.openxmlformats.org/drawingml/2006/main" xmlns:r="http://schemas.openxmlformats.org/officeDocument/2006/relationships" xmlns:p="http://schemas.openxmlformats.org/presentationml/2006/main">
+  <p:cSld>
+    <p:spTree>
+      <p:nvGrpSpPr>
+        <p:cNvPr id="1" name=""/>
+        <p:cNvGrpSpPr/>
+        <p:nvPr/>
+      </p:nvGrpSpPr>
+      <p:grpSpPr>
+        <a:xfrm>
+          <a:off x="0" y="0"/>
+          <a:ext cx="0" cy="0"/>
+          <a:chOff x="0" y="0"/>
+          <a:chExt cx="0" cy="0"/>
+        </a:xfrm>
+      </p:grpSpPr>
+      <p:sp>
+        <p:nvSpPr>
+          <p:cNvPr id="2" name="Titre 1"/>
+          <p:cNvSpPr>
+            <a:spLocks noGrp="1"/>
+          </p:cNvSpPr>
+          <p:nvPr>
+            <p:ph type="title"/>
+          </p:nvPr>
+        </p:nvSpPr>
+        <p:spPr/>
+        <p:txBody>
+          <a:bodyPr/>
+          <a:lstStyle/>
+          <a:p>
+            <a:r>
+              <a:rPr lang="fr-FR" dirty="0" smtClean="0"/>
+              <a:t>Les filtres</a:t>
+            </a:r>
+            <a:endParaRPr lang="fr-FR" dirty="0"/>
+          </a:p>
+        </p:txBody>
+      </p:sp>
+      <p:sp>
+        <p:nvSpPr>
+          <p:cNvPr id="3" name="Espace réservé du contenu 2"/>
+          <p:cNvSpPr>
+            <a:spLocks noGrp="1"/>
+          </p:cNvSpPr>
+          <p:nvPr>
+            <p:ph idx="1"/>
+          </p:nvPr>
+        </p:nvSpPr>
+        <p:spPr/>
+        <p:txBody>
+          <a:bodyPr/>
+          <a:lstStyle/>
+          <a:p>
+            <a:r>
+              <a:rPr lang="fr-FR" dirty="0" smtClean="0"/>
+              <a:t>Les cubes peuvent être filtrés</a:t>
+            </a:r>
+          </a:p>
+          <a:p>
+            <a:r>
+              <a:rPr lang="fr-FR" dirty="0" smtClean="0"/>
+              <a:t>[:,:,</a:t>
+            </a:r>
+            <a:r>
+              <a:rPr lang="fr-FR" dirty="0" err="1" smtClean="0"/>
+              <a:t>x:y</a:t>
+            </a:r>
+            <a:r>
+              <a:rPr lang="fr-FR" dirty="0" smtClean="0"/>
+              <a:t>] filtre la 3</a:t>
+            </a:r>
+            <a:r>
+              <a:rPr lang="fr-FR" baseline="30000" dirty="0" smtClean="0"/>
+              <a:t>ème</a:t>
+            </a:r>
+            <a:r>
+              <a:rPr lang="fr-FR" dirty="0" smtClean="0"/>
+              <a:t> dimension</a:t>
+            </a:r>
+          </a:p>
+        </p:txBody>
+      </p:sp>
+    </p:spTree>
+    <p:extLst>
+      <p:ext uri="{BB962C8B-B14F-4D97-AF65-F5344CB8AC3E}">
+        <p14:creationId xmlns:p14="http://schemas.microsoft.com/office/powerpoint/2010/main" val="2422904387"/>
+      </p:ext>
+    </p:extLst>
+  </p:cSld>
+  <p:clrMapOvr>
+    <a:masterClrMapping/>
+  </p:clrMapOvr>
+</p:sld>
+</file>
+
+<file path=ppt/slides/slide14.xml><?xml version="1.0" encoding="utf-8"?>
 <p:sld xmlns:a="http://schemas.openxmlformats.org/drawingml/2006/main" xmlns:r="http://schemas.openxmlformats.org/officeDocument/2006/relationships" xmlns:p="http://schemas.openxmlformats.org/presentationml/2006/main">
   <p:cSld>
     <p:spTree>

--- a/ppt/PythonMath07-NumpyMatrix.pptx
+++ b/ppt/PythonMath07-NumpyMatrix.pptx
@@ -5,26 +5,32 @@
     <p:sldMasterId id="2147483653" r:id="rId1"/>
   </p:sldMasterIdLst>
   <p:notesMasterIdLst>
-    <p:notesMasterId r:id="rId16"/>
+    <p:notesMasterId r:id="rId22"/>
   </p:notesMasterIdLst>
   <p:handoutMasterIdLst>
-    <p:handoutMasterId r:id="rId17"/>
+    <p:handoutMasterId r:id="rId23"/>
   </p:handoutMasterIdLst>
   <p:sldIdLst>
     <p:sldId id="264" r:id="rId2"/>
-    <p:sldId id="267" r:id="rId3"/>
-    <p:sldId id="268" r:id="rId4"/>
-    <p:sldId id="286" r:id="rId5"/>
-    <p:sldId id="285" r:id="rId6"/>
-    <p:sldId id="274" r:id="rId7"/>
-    <p:sldId id="283" r:id="rId8"/>
-    <p:sldId id="284" r:id="rId9"/>
-    <p:sldId id="277" r:id="rId10"/>
-    <p:sldId id="288" r:id="rId11"/>
-    <p:sldId id="291" r:id="rId12"/>
-    <p:sldId id="289" r:id="rId13"/>
-    <p:sldId id="292" r:id="rId14"/>
-    <p:sldId id="290" r:id="rId15"/>
+    <p:sldId id="293" r:id="rId3"/>
+    <p:sldId id="294" r:id="rId4"/>
+    <p:sldId id="267" r:id="rId5"/>
+    <p:sldId id="268" r:id="rId6"/>
+    <p:sldId id="286" r:id="rId7"/>
+    <p:sldId id="296" r:id="rId8"/>
+    <p:sldId id="285" r:id="rId9"/>
+    <p:sldId id="283" r:id="rId10"/>
+    <p:sldId id="274" r:id="rId11"/>
+    <p:sldId id="284" r:id="rId12"/>
+    <p:sldId id="288" r:id="rId13"/>
+    <p:sldId id="291" r:id="rId14"/>
+    <p:sldId id="297" r:id="rId15"/>
+    <p:sldId id="298" r:id="rId16"/>
+    <p:sldId id="299" r:id="rId17"/>
+    <p:sldId id="289" r:id="rId18"/>
+    <p:sldId id="292" r:id="rId19"/>
+    <p:sldId id="290" r:id="rId20"/>
+    <p:sldId id="295" r:id="rId21"/>
   </p:sldIdLst>
   <p:sldSz cx="9144000" cy="6858000" type="screen4x3"/>
   <p:notesSz cx="6648450" cy="9782175"/>
@@ -3829,59 +3835,119 @@
           <a:p>
             <a:r>
               <a:rPr lang="fr-FR" dirty="0" err="1" smtClean="0"/>
-              <a:t>Matplotlib</a:t>
+              <a:t>Random</a:t>
             </a:r>
             <a:endParaRPr lang="fr-FR" dirty="0"/>
           </a:p>
         </p:txBody>
       </p:sp>
-      <p:sp>
-        <p:nvSpPr>
-          <p:cNvPr id="3" name="Espace réservé du contenu 2"/>
-          <p:cNvSpPr>
-            <a:spLocks noGrp="1"/>
-          </p:cNvSpPr>
-          <p:nvPr>
-            <p:ph idx="1"/>
-          </p:nvPr>
-        </p:nvSpPr>
-        <p:spPr/>
-        <p:txBody>
-          <a:bodyPr/>
+      <p:pic>
+        <p:nvPicPr>
+          <p:cNvPr id="4" name="Image 3"/>
+          <p:cNvPicPr>
+            <a:picLocks noChangeAspect="1"/>
+          </p:cNvPicPr>
+          <p:nvPr/>
+        </p:nvPicPr>
+        <p:blipFill>
+          <a:blip r:embed="rId2"/>
+          <a:stretch>
+            <a:fillRect/>
+          </a:stretch>
+        </p:blipFill>
+        <p:spPr>
+          <a:xfrm>
+            <a:off x="827584" y="1156209"/>
+            <a:ext cx="7466207" cy="3744416"/>
+          </a:xfrm>
+          <a:prstGeom prst="rect">
+            <a:avLst/>
+          </a:prstGeom>
+        </p:spPr>
+      </p:pic>
+      <p:pic>
+        <p:nvPicPr>
+          <p:cNvPr id="5" name="Image 4"/>
+          <p:cNvPicPr>
+            <a:picLocks noChangeAspect="1"/>
+          </p:cNvPicPr>
+          <p:nvPr/>
+        </p:nvPicPr>
+        <p:blipFill>
+          <a:blip r:embed="rId3"/>
+          <a:stretch>
+            <a:fillRect/>
+          </a:stretch>
+        </p:blipFill>
+        <p:spPr>
+          <a:xfrm>
+            <a:off x="987797" y="4925348"/>
+            <a:ext cx="4130270" cy="720080"/>
+          </a:xfrm>
+          <a:prstGeom prst="rect">
+            <a:avLst/>
+          </a:prstGeom>
+        </p:spPr>
+      </p:pic>
+      <p:sp>
+        <p:nvSpPr>
+          <p:cNvPr id="6" name="ZoneTexte 5"/>
+          <p:cNvSpPr txBox="1"/>
+          <p:nvPr/>
+        </p:nvSpPr>
+        <p:spPr>
+          <a:xfrm>
+            <a:off x="5533099" y="4968542"/>
+            <a:ext cx="3643946" cy="1015663"/>
+          </a:xfrm>
+          <a:prstGeom prst="rect">
+            <a:avLst/>
+          </a:prstGeom>
+          <a:noFill/>
+        </p:spPr>
+        <p:txBody>
+          <a:bodyPr wrap="none" rtlCol="0">
+            <a:spAutoFit/>
+          </a:bodyPr>
           <a:lstStyle/>
           <a:p>
             <a:r>
-              <a:rPr lang="fr-FR" dirty="0" err="1" smtClean="0"/>
-              <a:t>Matplotlib</a:t>
-            </a:r>
-            <a:r>
-              <a:rPr lang="fr-FR" dirty="0" smtClean="0"/>
-              <a:t> est complètement compatible avec les matrices</a:t>
-            </a:r>
-          </a:p>
-          <a:p>
-            <a:pPr lvl="1"/>
-            <a:r>
-              <a:rPr lang="fr-FR" dirty="0" smtClean="0"/>
-              <a:t>Soit un seul paramètre au lieu de 2</a:t>
-            </a:r>
-            <a:endParaRPr lang="fr-FR" dirty="0"/>
-          </a:p>
-          <a:p>
-            <a:endParaRPr lang="fr-FR" dirty="0"/>
+              <a:rPr lang="fr-FR" sz="2000" dirty="0" smtClean="0"/>
+              <a:t>0 veut dire par ligne</a:t>
+            </a:r>
+          </a:p>
+          <a:p>
+            <a:r>
+              <a:rPr lang="fr-FR" sz="2000" dirty="0" smtClean="0"/>
+              <a:t>1 veut dire par colonne</a:t>
+            </a:r>
+          </a:p>
+          <a:p>
+            <a:r>
+              <a:rPr lang="fr-FR" sz="2000" dirty="0" smtClean="0"/>
+              <a:t>Absent veut dire somme totale</a:t>
+            </a:r>
+            <a:endParaRPr lang="fr-FR" sz="2000" dirty="0"/>
           </a:p>
         </p:txBody>
       </p:sp>
     </p:spTree>
     <p:extLst>
       <p:ext uri="{BB962C8B-B14F-4D97-AF65-F5344CB8AC3E}">
-        <p14:creationId xmlns:p14="http://schemas.microsoft.com/office/powerpoint/2010/main" val="1642682028"/>
+        <p14:creationId xmlns:p14="http://schemas.microsoft.com/office/powerpoint/2010/main" val="2677605873"/>
       </p:ext>
     </p:extLst>
   </p:cSld>
   <p:clrMapOvr>
     <a:masterClrMapping/>
   </p:clrMapOvr>
+  <p:timing>
+    <p:tnLst>
+      <p:par>
+        <p:cTn id="1" dur="indefinite" restart="never" nodeType="tmRoot"/>
+      </p:par>
+    </p:tnLst>
+  </p:timing>
 </p:sld>
 </file>
 
@@ -3919,7 +3985,7 @@
           <a:p>
             <a:r>
               <a:rPr lang="fr-FR" dirty="0" smtClean="0"/>
-              <a:t>Les filtres</a:t>
+              <a:t>Produit scalaire</a:t>
             </a:r>
             <a:endParaRPr lang="fr-FR" dirty="0"/>
           </a:p>
@@ -3942,62 +4008,7 @@
           <a:p>
             <a:r>
               <a:rPr lang="fr-FR" dirty="0" smtClean="0"/>
-              <a:t>Les filtres </a:t>
-            </a:r>
-            <a:r>
-              <a:rPr lang="fr-FR" dirty="0" err="1" smtClean="0"/>
-              <a:t>numpy</a:t>
-            </a:r>
-            <a:r>
-              <a:rPr lang="fr-FR" dirty="0" smtClean="0"/>
-              <a:t> sont les filtres Python</a:t>
-            </a:r>
-          </a:p>
-          <a:p>
-            <a:r>
-              <a:rPr lang="fr-FR" dirty="0" smtClean="0"/>
-              <a:t>[</a:t>
-            </a:r>
-            <a:r>
-              <a:rPr lang="fr-FR" dirty="0" err="1" smtClean="0"/>
-              <a:t>x:y</a:t>
-            </a:r>
-            <a:r>
-              <a:rPr lang="fr-FR" dirty="0" smtClean="0"/>
-              <a:t>] filtre les lignes de x à y-1</a:t>
-            </a:r>
-          </a:p>
-          <a:p>
-            <a:r>
-              <a:rPr lang="fr-FR" dirty="0" smtClean="0"/>
-              <a:t>[:y] filtre les lignes de 0 à y-1</a:t>
-            </a:r>
-          </a:p>
-          <a:p>
-            <a:r>
-              <a:rPr lang="fr-FR" dirty="0" smtClean="0"/>
-              <a:t>[x:] filtre les lignes de x à la fin</a:t>
-            </a:r>
-          </a:p>
-          <a:p>
-            <a:r>
-              <a:rPr lang="fr-FR" dirty="0" smtClean="0"/>
-              <a:t>[</a:t>
-            </a:r>
-            <a:r>
-              <a:rPr lang="fr-FR" dirty="0" err="1" smtClean="0"/>
-              <a:t>a:b</a:t>
-            </a:r>
-            <a:r>
-              <a:rPr lang="fr-FR" dirty="0" smtClean="0"/>
-              <a:t>, x:y] filtrer les lignes et les colonnes de x à y-1</a:t>
-            </a:r>
-            <a:endParaRPr lang="fr-FR" dirty="0"/>
-          </a:p>
-          <a:p>
-            <a:r>
-              <a:rPr lang="fr-FR" dirty="0" smtClean="0"/>
-              <a:t>[:,</a:t>
+              <a:t>np.dot(</a:t>
             </a:r>
             <a:r>
               <a:rPr lang="fr-FR" dirty="0" err="1" smtClean="0"/>
@@ -4005,39 +4016,32 @@
             </a:r>
             <a:r>
               <a:rPr lang="fr-FR" dirty="0" smtClean="0"/>
-              <a:t>] filtre uniquement les colonnes</a:t>
-            </a:r>
-          </a:p>
-          <a:p>
-            <a:r>
-              <a:rPr lang="fr-FR" dirty="0" smtClean="0"/>
-              <a:t>[[</a:t>
-            </a:r>
-            <a:r>
-              <a:rPr lang="fr-FR" dirty="0" err="1" smtClean="0"/>
-              <a:t>True</a:t>
-            </a:r>
-            <a:r>
-              <a:rPr lang="fr-FR" dirty="0" smtClean="0"/>
-              <a:t>, False, </a:t>
-            </a:r>
-            <a:r>
-              <a:rPr lang="fr-FR" dirty="0" err="1" smtClean="0"/>
-              <a:t>True</a:t>
-            </a:r>
-            <a:r>
-              <a:rPr lang="fr-FR" dirty="0" smtClean="0"/>
-              <a:t>]] : filtre l’indice 0 et 2</a:t>
-            </a:r>
-          </a:p>
-          <a:p>
-            <a:r>
-              <a:rPr lang="fr-FR" dirty="0" smtClean="0"/>
-              <a:t>[x &lt; y] : Renvoie un tableau </a:t>
-            </a:r>
-            <a:r>
-              <a:rPr lang="fr-FR" smtClean="0"/>
-              <a:t>de booléen</a:t>
+              <a:t>)</a:t>
+            </a:r>
+          </a:p>
+          <a:p>
+            <a:pPr lvl="1"/>
+            <a:r>
+              <a:rPr lang="fr-FR" dirty="0" smtClean="0"/>
+              <a:t>Multiplication scalaire de 2 matrices</a:t>
+            </a:r>
+            <a:endParaRPr lang="fr-FR" dirty="0"/>
+          </a:p>
+          <a:p>
+            <a:r>
+              <a:rPr lang="fr-FR" dirty="0"/>
+              <a:t>x</a:t>
+            </a:r>
+            <a:r>
+              <a:rPr lang="fr-FR" dirty="0" smtClean="0"/>
+              <a:t>.dot(y)</a:t>
+            </a:r>
+          </a:p>
+          <a:p>
+            <a:pPr lvl="1"/>
+            <a:r>
+              <a:rPr lang="fr-FR" dirty="0" smtClean="0"/>
+              <a:t>Ecriture OO</a:t>
             </a:r>
             <a:endParaRPr lang="fr-FR" dirty="0"/>
           </a:p>
@@ -4046,13 +4050,20 @@
     </p:spTree>
     <p:extLst>
       <p:ext uri="{BB962C8B-B14F-4D97-AF65-F5344CB8AC3E}">
-        <p14:creationId xmlns:p14="http://schemas.microsoft.com/office/powerpoint/2010/main" val="1149557826"/>
+        <p14:creationId xmlns:p14="http://schemas.microsoft.com/office/powerpoint/2010/main" val="2976583856"/>
       </p:ext>
     </p:extLst>
   </p:cSld>
   <p:clrMapOvr>
     <a:masterClrMapping/>
   </p:clrMapOvr>
+  <p:timing>
+    <p:tnLst>
+      <p:par>
+        <p:cTn id="1" dur="indefinite" restart="never" nodeType="tmRoot"/>
+      </p:par>
+    </p:tnLst>
+  </p:timing>
 </p:sld>
 </file>
 
@@ -4089,8 +4100,8 @@
           <a:lstStyle/>
           <a:p>
             <a:r>
-              <a:rPr lang="fr-FR" dirty="0" smtClean="0"/>
-              <a:t>Cubes</a:t>
+              <a:rPr lang="fr-FR" dirty="0" err="1" smtClean="0"/>
+              <a:t>Matplotlib</a:t>
             </a:r>
             <a:endParaRPr lang="fr-FR" dirty="0"/>
           </a:p>
@@ -4113,67 +4124,22 @@
           <a:p>
             <a:r>
               <a:rPr lang="fr-FR" dirty="0" err="1" smtClean="0"/>
-              <a:t>np.ndarray</a:t>
-            </a:r>
-            <a:endParaRPr lang="fr-FR" dirty="0" smtClean="0"/>
+              <a:t>Matplotlib</a:t>
+            </a:r>
+            <a:r>
+              <a:rPr lang="fr-FR" dirty="0" smtClean="0"/>
+              <a:t> est complètement compatible avec les matrices</a:t>
+            </a:r>
           </a:p>
           <a:p>
             <a:pPr lvl="1"/>
             <a:r>
               <a:rPr lang="fr-FR" dirty="0" smtClean="0"/>
-              <a:t>Les </a:t>
-            </a:r>
-            <a:r>
-              <a:rPr lang="fr-FR" dirty="0" err="1" smtClean="0"/>
-              <a:t>np.aaray</a:t>
-            </a:r>
-            <a:r>
-              <a:rPr lang="fr-FR" dirty="0" smtClean="0"/>
-              <a:t> sont en fait des </a:t>
-            </a:r>
-            <a:r>
-              <a:rPr lang="fr-FR" dirty="0" err="1" smtClean="0"/>
-              <a:t>np.ndarray</a:t>
-            </a:r>
-            <a:r>
-              <a:rPr lang="fr-FR" dirty="0" smtClean="0"/>
-              <a:t> soit des matrice de dimension n (cubes)</a:t>
-            </a:r>
-          </a:p>
-          <a:p>
-            <a:pPr lvl="1"/>
-            <a:r>
-              <a:rPr lang="fr-FR" dirty="0" smtClean="0"/>
-              <a:t>Les axes peuvent être supérieurs à 1</a:t>
-            </a:r>
-          </a:p>
-          <a:p>
-            <a:pPr lvl="1"/>
-            <a:r>
-              <a:rPr lang="fr-FR" dirty="0" smtClean="0"/>
-              <a:t>Les </a:t>
-            </a:r>
-            <a:r>
-              <a:rPr lang="fr-FR" dirty="0" err="1" smtClean="0"/>
-              <a:t>shapes</a:t>
-            </a:r>
-            <a:r>
-              <a:rPr lang="fr-FR" dirty="0" smtClean="0"/>
-              <a:t> peuvent être des </a:t>
-            </a:r>
-            <a:r>
-              <a:rPr lang="fr-FR" dirty="0" err="1" smtClean="0"/>
-              <a:t>tuples</a:t>
-            </a:r>
-            <a:r>
-              <a:rPr lang="fr-FR" dirty="0" smtClean="0"/>
-              <a:t> de taille infinis</a:t>
-            </a:r>
-          </a:p>
-          <a:p>
-            <a:pPr marL="0" indent="0">
-              <a:buNone/>
-            </a:pPr>
+              <a:t>Soit un seul paramètre au lieu de 2</a:t>
+            </a:r>
+            <a:endParaRPr lang="fr-FR" dirty="0"/>
+          </a:p>
+          <a:p>
             <a:endParaRPr lang="fr-FR" dirty="0"/>
           </a:p>
         </p:txBody>
@@ -4181,7 +4147,7 @@
     </p:spTree>
     <p:extLst>
       <p:ext uri="{BB962C8B-B14F-4D97-AF65-F5344CB8AC3E}">
-        <p14:creationId xmlns:p14="http://schemas.microsoft.com/office/powerpoint/2010/main" val="1177207037"/>
+        <p14:creationId xmlns:p14="http://schemas.microsoft.com/office/powerpoint/2010/main" val="1642682028"/>
       </p:ext>
     </p:extLst>
   </p:cSld>
@@ -4248,13 +4214,21 @@
           <a:p>
             <a:r>
               <a:rPr lang="fr-FR" dirty="0" smtClean="0"/>
-              <a:t>Les cubes peuvent être filtrés</a:t>
-            </a:r>
-          </a:p>
-          <a:p>
-            <a:r>
-              <a:rPr lang="fr-FR" dirty="0" smtClean="0"/>
-              <a:t>[:,:,</a:t>
+              <a:t>Les filtres </a:t>
+            </a:r>
+            <a:r>
+              <a:rPr lang="fr-FR" dirty="0" err="1" smtClean="0"/>
+              <a:t>numpy</a:t>
+            </a:r>
+            <a:r>
+              <a:rPr lang="fr-FR" dirty="0" smtClean="0"/>
+              <a:t> sont les filtres Python</a:t>
+            </a:r>
+          </a:p>
+          <a:p>
+            <a:r>
+              <a:rPr lang="fr-FR" dirty="0" smtClean="0"/>
+              <a:t>[</a:t>
             </a:r>
             <a:r>
               <a:rPr lang="fr-FR" dirty="0" err="1" smtClean="0"/>
@@ -4262,23 +4236,89 @@
             </a:r>
             <a:r>
               <a:rPr lang="fr-FR" dirty="0" smtClean="0"/>
-              <a:t>] filtre la 3</a:t>
-            </a:r>
-            <a:r>
-              <a:rPr lang="fr-FR" baseline="30000" dirty="0" smtClean="0"/>
-              <a:t>ème</a:t>
-            </a:r>
-            <a:r>
-              <a:rPr lang="fr-FR" dirty="0" smtClean="0"/>
-              <a:t> dimension</a:t>
-            </a:r>
+              <a:t>] filtre les lignes de x à y-1</a:t>
+            </a:r>
+          </a:p>
+          <a:p>
+            <a:r>
+              <a:rPr lang="fr-FR" dirty="0" smtClean="0"/>
+              <a:t>[:y] filtre les lignes de 0 à y-1</a:t>
+            </a:r>
+          </a:p>
+          <a:p>
+            <a:r>
+              <a:rPr lang="fr-FR" dirty="0" smtClean="0"/>
+              <a:t>[x:] filtre les lignes de x à la fin</a:t>
+            </a:r>
+          </a:p>
+          <a:p>
+            <a:r>
+              <a:rPr lang="fr-FR" dirty="0" smtClean="0"/>
+              <a:t>[</a:t>
+            </a:r>
+            <a:r>
+              <a:rPr lang="fr-FR" dirty="0" err="1" smtClean="0"/>
+              <a:t>a:b</a:t>
+            </a:r>
+            <a:r>
+              <a:rPr lang="fr-FR" dirty="0" smtClean="0"/>
+              <a:t>, x:y] filtrer les lignes et les colonnes de x à y-1</a:t>
+            </a:r>
+            <a:endParaRPr lang="fr-FR" dirty="0"/>
+          </a:p>
+          <a:p>
+            <a:r>
+              <a:rPr lang="fr-FR" dirty="0" smtClean="0"/>
+              <a:t>[:,</a:t>
+            </a:r>
+            <a:r>
+              <a:rPr lang="fr-FR" dirty="0" err="1" smtClean="0"/>
+              <a:t>x,y</a:t>
+            </a:r>
+            <a:r>
+              <a:rPr lang="fr-FR" dirty="0" smtClean="0"/>
+              <a:t>] filtre uniquement les colonnes</a:t>
+            </a:r>
+          </a:p>
+          <a:p>
+            <a:r>
+              <a:rPr lang="fr-FR" dirty="0" smtClean="0"/>
+              <a:t>[[</a:t>
+            </a:r>
+            <a:r>
+              <a:rPr lang="fr-FR" dirty="0" err="1" smtClean="0"/>
+              <a:t>True</a:t>
+            </a:r>
+            <a:r>
+              <a:rPr lang="fr-FR" dirty="0" smtClean="0"/>
+              <a:t>, False, </a:t>
+            </a:r>
+            <a:r>
+              <a:rPr lang="fr-FR" dirty="0" err="1" smtClean="0"/>
+              <a:t>True</a:t>
+            </a:r>
+            <a:r>
+              <a:rPr lang="fr-FR" dirty="0" smtClean="0"/>
+              <a:t>]] : filtre l’indice 0 et 2</a:t>
+            </a:r>
+          </a:p>
+          <a:p>
+            <a:r>
+              <a:rPr lang="fr-FR" dirty="0" smtClean="0"/>
+              <a:t>[x &lt; y] : Renvoie un tableau </a:t>
+            </a:r>
+            <a:r>
+              <a:rPr lang="fr-FR" smtClean="0"/>
+              <a:t>de booléen</a:t>
+            </a:r>
+            <a:endParaRPr lang="fr-FR" dirty="0"/>
           </a:p>
         </p:txBody>
       </p:sp>
     </p:spTree>
     <p:extLst>
       <p:ext uri="{BB962C8B-B14F-4D97-AF65-F5344CB8AC3E}">
-        <p14:creationId xmlns:p14="http://schemas.microsoft.com/office/powerpoint/2010/main" val="2422904387"/>
+        <p14:creationId xmlns:p14="http://schemas.microsoft.com/office/powerpoint/2010/main" val="1149557826"/>
       </p:ext>
     </p:extLst>
   </p:cSld>
@@ -4307,6 +4347,750 @@
       </p:grpSpPr>
       <p:sp>
         <p:nvSpPr>
+          <p:cNvPr id="2" name="Title 1">
+            <a:extLst>
+              <a:ext uri="{FF2B5EF4-FFF2-40B4-BE49-F238E27FC236}">
+                <a16:creationId xmlns:a16="http://schemas.microsoft.com/office/drawing/2014/main" id="{359829A8-3687-423E-8E54-A142B03D0B1D}"/>
+              </a:ext>
+            </a:extLst>
+          </p:cNvPr>
+          <p:cNvSpPr>
+            <a:spLocks noGrp="1"/>
+          </p:cNvSpPr>
+          <p:nvPr>
+            <p:ph type="title"/>
+          </p:nvPr>
+        </p:nvSpPr>
+        <p:spPr/>
+        <p:txBody>
+          <a:bodyPr/>
+          <a:lstStyle/>
+          <a:p>
+            <a:r>
+              <a:rPr lang="en-US" dirty="0"/>
+              <a:t>Indexing</a:t>
+            </a:r>
+          </a:p>
+        </p:txBody>
+      </p:sp>
+      <p:sp>
+        <p:nvSpPr>
+          <p:cNvPr id="3" name="Content Placeholder 2">
+            <a:extLst>
+              <a:ext uri="{FF2B5EF4-FFF2-40B4-BE49-F238E27FC236}">
+                <a16:creationId xmlns:a16="http://schemas.microsoft.com/office/drawing/2014/main" id="{F1A9F7A8-CCA5-49A9-8B3C-99C2259F06B9}"/>
+              </a:ext>
+            </a:extLst>
+          </p:cNvPr>
+          <p:cNvSpPr>
+            <a:spLocks noGrp="1"/>
+          </p:cNvSpPr>
+          <p:nvPr>
+            <p:ph idx="1"/>
+          </p:nvPr>
+        </p:nvSpPr>
+        <p:spPr/>
+        <p:txBody>
+          <a:bodyPr>
+            <a:normAutofit/>
+          </a:bodyPr>
+          <a:lstStyle/>
+          <a:p>
+            <a:pPr marL="0" indent="0">
+              <a:buNone/>
+            </a:pPr>
+            <a:r>
+              <a:rPr lang="en-US" sz="1950" dirty="0">
+                <a:latin typeface="Courier New" panose="02070309020205020404" pitchFamily="49" charset="0"/>
+                <a:cs typeface="Courier New" panose="02070309020205020404" pitchFamily="49" charset="0"/>
+              </a:rPr>
+              <a:t>x[0,0]  	# top-left element</a:t>
+            </a:r>
+          </a:p>
+          <a:p>
+            <a:pPr marL="0" indent="0">
+              <a:buNone/>
+            </a:pPr>
+            <a:r>
+              <a:rPr lang="en-US" sz="1950" dirty="0">
+                <a:latin typeface="Courier New" panose="02070309020205020404" pitchFamily="49" charset="0"/>
+                <a:cs typeface="Courier New" panose="02070309020205020404" pitchFamily="49" charset="0"/>
+              </a:rPr>
+              <a:t>x[0,-1] 	# first row, last column</a:t>
+            </a:r>
+          </a:p>
+          <a:p>
+            <a:pPr marL="0" indent="0">
+              <a:buNone/>
+            </a:pPr>
+            <a:r>
+              <a:rPr lang="en-US" sz="1950" dirty="0">
+                <a:latin typeface="Courier New" panose="02070309020205020404" pitchFamily="49" charset="0"/>
+                <a:cs typeface="Courier New" panose="02070309020205020404" pitchFamily="49" charset="0"/>
+              </a:rPr>
+              <a:t>x[0,:]	# first row (many entries)</a:t>
+            </a:r>
+          </a:p>
+          <a:p>
+            <a:pPr marL="0" indent="0">
+              <a:buNone/>
+            </a:pPr>
+            <a:r>
+              <a:rPr lang="en-US" sz="1950" dirty="0">
+                <a:latin typeface="Courier New" panose="02070309020205020404" pitchFamily="49" charset="0"/>
+                <a:cs typeface="Courier New" panose="02070309020205020404" pitchFamily="49" charset="0"/>
+              </a:rPr>
+              <a:t>x[:,0]	# first column (many entries)</a:t>
+            </a:r>
+            <a:endParaRPr lang="en-US" dirty="0"/>
+          </a:p>
+          <a:p>
+            <a:pPr marL="0" indent="0">
+              <a:buNone/>
+            </a:pPr>
+            <a:r>
+              <a:rPr lang="en-US" dirty="0"/>
+              <a:t>Notes:</a:t>
+            </a:r>
+          </a:p>
+          <a:p>
+            <a:pPr lvl="1"/>
+            <a:r>
+              <a:rPr lang="en-US" dirty="0"/>
+              <a:t>Zero-indexing</a:t>
+            </a:r>
+          </a:p>
+          <a:p>
+            <a:pPr lvl="1"/>
+            <a:r>
+              <a:rPr lang="en-US" dirty="0"/>
+              <a:t>Multi-dimensional indices are comma-separated (i.e., a tuple)</a:t>
+            </a:r>
+          </a:p>
+        </p:txBody>
+      </p:sp>
+      <p:sp>
+        <p:nvSpPr>
+          <p:cNvPr id="4" name="Slide Number Placeholder 3">
+            <a:extLst>
+              <a:ext uri="{FF2B5EF4-FFF2-40B4-BE49-F238E27FC236}">
+                <a16:creationId xmlns:a16="http://schemas.microsoft.com/office/drawing/2014/main" id="{A74BC654-7FE9-4E8A-BAFB-E8869D3BC241}"/>
+              </a:ext>
+            </a:extLst>
+          </p:cNvPr>
+          <p:cNvSpPr>
+            <a:spLocks noGrp="1"/>
+          </p:cNvSpPr>
+          <p:nvPr>
+            <p:ph type="sldNum" sz="quarter" idx="4294967295"/>
+          </p:nvPr>
+        </p:nvSpPr>
+        <p:spPr/>
+        <p:txBody>
+          <a:bodyPr>
+            <a:normAutofit fontScale="25000" lnSpcReduction="20000"/>
+          </a:bodyPr>
+          <a:lstStyle/>
+          <a:p>
+            <a:fld id="{4FAB73BC-B049-4115-A692-8D63A059BFB8}" type="slidenum">
+              <a:rPr lang="en-US" smtClean="0"/>
+              <a:t>14</a:t>
+            </a:fld>
+            <a:endParaRPr lang="en-US" dirty="0"/>
+          </a:p>
+        </p:txBody>
+      </p:sp>
+    </p:spTree>
+    <p:extLst>
+      <p:ext uri="{BB962C8B-B14F-4D97-AF65-F5344CB8AC3E}">
+        <p14:creationId xmlns:p14="http://schemas.microsoft.com/office/powerpoint/2010/main" val="4272857110"/>
+      </p:ext>
+    </p:extLst>
+  </p:cSld>
+  <p:clrMapOvr>
+    <a:masterClrMapping/>
+  </p:clrMapOvr>
+</p:sld>
+</file>
+
+<file path=ppt/slides/slide15.xml><?xml version="1.0" encoding="utf-8"?>
+<p:sld xmlns:a="http://schemas.openxmlformats.org/drawingml/2006/main" xmlns:r="http://schemas.openxmlformats.org/officeDocument/2006/relationships" xmlns:p="http://schemas.openxmlformats.org/presentationml/2006/main">
+  <p:cSld>
+    <p:spTree>
+      <p:nvGrpSpPr>
+        <p:cNvPr id="1" name=""/>
+        <p:cNvGrpSpPr/>
+        <p:nvPr/>
+      </p:nvGrpSpPr>
+      <p:grpSpPr>
+        <a:xfrm>
+          <a:off x="0" y="0"/>
+          <a:ext cx="0" cy="0"/>
+          <a:chOff x="0" y="0"/>
+          <a:chExt cx="0" cy="0"/>
+        </a:xfrm>
+      </p:grpSpPr>
+      <p:sp>
+        <p:nvSpPr>
+          <p:cNvPr id="2" name="Title 1">
+            <a:extLst>
+              <a:ext uri="{FF2B5EF4-FFF2-40B4-BE49-F238E27FC236}">
+                <a16:creationId xmlns:a16="http://schemas.microsoft.com/office/drawing/2014/main" id="{119E4807-290B-4611-A3D4-F318CE40FDDE}"/>
+              </a:ext>
+            </a:extLst>
+          </p:cNvPr>
+          <p:cNvSpPr>
+            <a:spLocks noGrp="1"/>
+          </p:cNvSpPr>
+          <p:nvPr>
+            <p:ph type="title"/>
+          </p:nvPr>
+        </p:nvSpPr>
+        <p:spPr/>
+        <p:txBody>
+          <a:bodyPr/>
+          <a:lstStyle/>
+          <a:p>
+            <a:r>
+              <a:rPr lang="en-US" dirty="0"/>
+              <a:t>Python Slicing</a:t>
+            </a:r>
+          </a:p>
+        </p:txBody>
+      </p:sp>
+      <p:sp>
+        <p:nvSpPr>
+          <p:cNvPr id="3" name="Content Placeholder 2">
+            <a:extLst>
+              <a:ext uri="{FF2B5EF4-FFF2-40B4-BE49-F238E27FC236}">
+                <a16:creationId xmlns:a16="http://schemas.microsoft.com/office/drawing/2014/main" id="{745D63D1-B938-4081-939F-07E76E716115}"/>
+              </a:ext>
+            </a:extLst>
+          </p:cNvPr>
+          <p:cNvSpPr>
+            <a:spLocks noGrp="1"/>
+          </p:cNvSpPr>
+          <p:nvPr>
+            <p:ph idx="1"/>
+          </p:nvPr>
+        </p:nvSpPr>
+        <p:spPr>
+          <a:xfrm>
+            <a:off x="946404" y="2228850"/>
+            <a:ext cx="7139657" cy="3263503"/>
+          </a:xfrm>
+        </p:spPr>
+        <p:txBody>
+          <a:bodyPr/>
+          <a:lstStyle/>
+          <a:p>
+            <a:pPr marL="0" indent="0">
+              <a:buNone/>
+            </a:pPr>
+            <a:r>
+              <a:rPr lang="en-US" dirty="0"/>
+              <a:t>Syntax: </a:t>
+            </a:r>
+            <a:r>
+              <a:rPr lang="en-US" dirty="0" err="1"/>
+              <a:t>start:stop:step</a:t>
+            </a:r>
+            <a:endParaRPr lang="en-US" dirty="0"/>
+          </a:p>
+          <a:p>
+            <a:pPr marL="0" indent="0">
+              <a:buNone/>
+            </a:pPr>
+            <a:r>
+              <a:rPr lang="en-US" sz="1800" dirty="0">
+                <a:latin typeface="Courier New" panose="02070309020205020404" pitchFamily="49" charset="0"/>
+                <a:cs typeface="Courier New" panose="02070309020205020404" pitchFamily="49" charset="0"/>
+              </a:rPr>
+              <a:t>a = list(range(10)) </a:t>
+            </a:r>
+          </a:p>
+          <a:p>
+            <a:pPr marL="0" indent="0">
+              <a:buNone/>
+            </a:pPr>
+            <a:r>
+              <a:rPr lang="en-US" sz="1800" dirty="0">
+                <a:latin typeface="Courier New" panose="02070309020205020404" pitchFamily="49" charset="0"/>
+                <a:cs typeface="Courier New" panose="02070309020205020404" pitchFamily="49" charset="0"/>
+              </a:rPr>
+              <a:t>a[:3] # indices 0, 1, 2 </a:t>
+            </a:r>
+          </a:p>
+          <a:p>
+            <a:pPr marL="0" indent="0">
+              <a:buNone/>
+            </a:pPr>
+            <a:r>
+              <a:rPr lang="en-US" sz="1800" dirty="0">
+                <a:latin typeface="Courier New" panose="02070309020205020404" pitchFamily="49" charset="0"/>
+                <a:cs typeface="Courier New" panose="02070309020205020404" pitchFamily="49" charset="0"/>
+              </a:rPr>
+              <a:t>a[-3:] # indices 7, 8, 9 </a:t>
+            </a:r>
+          </a:p>
+          <a:p>
+            <a:pPr marL="0" indent="0">
+              <a:buNone/>
+            </a:pPr>
+            <a:r>
+              <a:rPr lang="en-US" sz="1800" dirty="0">
+                <a:latin typeface="Courier New" panose="02070309020205020404" pitchFamily="49" charset="0"/>
+                <a:cs typeface="Courier New" panose="02070309020205020404" pitchFamily="49" charset="0"/>
+              </a:rPr>
+              <a:t>a[3:8:2] # indices 3, 5, 7 </a:t>
+            </a:r>
+          </a:p>
+          <a:p>
+            <a:pPr marL="0" indent="0">
+              <a:buNone/>
+            </a:pPr>
+            <a:r>
+              <a:rPr lang="en-US" sz="1800" dirty="0">
+                <a:latin typeface="Courier New" panose="02070309020205020404" pitchFamily="49" charset="0"/>
+                <a:cs typeface="Courier New" panose="02070309020205020404" pitchFamily="49" charset="0"/>
+              </a:rPr>
+              <a:t>a[4:1:-1] # indices 4, 3, 2 (this one is tricky)</a:t>
+            </a:r>
+          </a:p>
+        </p:txBody>
+      </p:sp>
+      <p:sp>
+        <p:nvSpPr>
+          <p:cNvPr id="4" name="Slide Number Placeholder 3">
+            <a:extLst>
+              <a:ext uri="{FF2B5EF4-FFF2-40B4-BE49-F238E27FC236}">
+                <a16:creationId xmlns:a16="http://schemas.microsoft.com/office/drawing/2014/main" id="{A961B666-6E37-4E9E-9A65-B416B9EE2D8F}"/>
+              </a:ext>
+            </a:extLst>
+          </p:cNvPr>
+          <p:cNvSpPr>
+            <a:spLocks noGrp="1"/>
+          </p:cNvSpPr>
+          <p:nvPr>
+            <p:ph type="sldNum" sz="quarter" idx="4294967295"/>
+          </p:nvPr>
+        </p:nvSpPr>
+        <p:spPr/>
+        <p:txBody>
+          <a:bodyPr>
+            <a:normAutofit fontScale="25000" lnSpcReduction="20000"/>
+          </a:bodyPr>
+          <a:lstStyle/>
+          <a:p>
+            <a:fld id="{4FAB73BC-B049-4115-A692-8D63A059BFB8}" type="slidenum">
+              <a:rPr lang="en-US" smtClean="0"/>
+              <a:t>15</a:t>
+            </a:fld>
+            <a:endParaRPr lang="en-US" dirty="0"/>
+          </a:p>
+        </p:txBody>
+      </p:sp>
+    </p:spTree>
+    <p:extLst>
+      <p:ext uri="{BB962C8B-B14F-4D97-AF65-F5344CB8AC3E}">
+        <p14:creationId xmlns:p14="http://schemas.microsoft.com/office/powerpoint/2010/main" val="2560196025"/>
+      </p:ext>
+    </p:extLst>
+  </p:cSld>
+  <p:clrMapOvr>
+    <a:masterClrMapping/>
+  </p:clrMapOvr>
+</p:sld>
+</file>
+
+<file path=ppt/slides/slide16.xml><?xml version="1.0" encoding="utf-8"?>
+<p:sld xmlns:a="http://schemas.openxmlformats.org/drawingml/2006/main" xmlns:r="http://schemas.openxmlformats.org/officeDocument/2006/relationships" xmlns:p="http://schemas.openxmlformats.org/presentationml/2006/main">
+  <p:cSld>
+    <p:spTree>
+      <p:nvGrpSpPr>
+        <p:cNvPr id="1" name=""/>
+        <p:cNvGrpSpPr/>
+        <p:nvPr/>
+      </p:nvGrpSpPr>
+      <p:grpSpPr>
+        <a:xfrm>
+          <a:off x="0" y="0"/>
+          <a:ext cx="0" cy="0"/>
+          <a:chOff x="0" y="0"/>
+          <a:chExt cx="0" cy="0"/>
+        </a:xfrm>
+      </p:grpSpPr>
+      <p:sp>
+        <p:nvSpPr>
+          <p:cNvPr id="2" name="Titre 1"/>
+          <p:cNvSpPr>
+            <a:spLocks noGrp="1"/>
+          </p:cNvSpPr>
+          <p:nvPr>
+            <p:ph type="title"/>
+          </p:nvPr>
+        </p:nvSpPr>
+        <p:spPr/>
+        <p:txBody>
+          <a:bodyPr/>
+          <a:lstStyle/>
+          <a:p>
+            <a:r>
+              <a:rPr lang="fr-FR" dirty="0" smtClean="0"/>
+              <a:t>Axes</a:t>
+            </a:r>
+            <a:endParaRPr lang="fr-FR" dirty="0"/>
+          </a:p>
+        </p:txBody>
+      </p:sp>
+      <p:sp>
+        <p:nvSpPr>
+          <p:cNvPr id="3" name="Espace réservé du contenu 2"/>
+          <p:cNvSpPr>
+            <a:spLocks noGrp="1"/>
+          </p:cNvSpPr>
+          <p:nvPr>
+            <p:ph idx="1"/>
+          </p:nvPr>
+        </p:nvSpPr>
+        <p:spPr/>
+        <p:txBody>
+          <a:bodyPr/>
+          <a:lstStyle/>
+          <a:p>
+            <a:pPr marL="0" indent="0">
+              <a:buNone/>
+            </a:pPr>
+            <a:r>
+              <a:rPr lang="en-US" dirty="0" err="1">
+                <a:latin typeface="Courier New" panose="02070309020205020404" pitchFamily="49" charset="0"/>
+                <a:cs typeface="Courier New" panose="02070309020205020404" pitchFamily="49" charset="0"/>
+              </a:rPr>
+              <a:t>a.sum</a:t>
+            </a:r>
+            <a:r>
+              <a:rPr lang="en-US" dirty="0">
+                <a:latin typeface="Courier New" panose="02070309020205020404" pitchFamily="49" charset="0"/>
+                <a:cs typeface="Courier New" panose="02070309020205020404" pitchFamily="49" charset="0"/>
+              </a:rPr>
+              <a:t>() # sum all entries </a:t>
+            </a:r>
+          </a:p>
+          <a:p>
+            <a:pPr marL="0" indent="0">
+              <a:buNone/>
+            </a:pPr>
+            <a:r>
+              <a:rPr lang="en-US" dirty="0" err="1">
+                <a:latin typeface="Courier New" panose="02070309020205020404" pitchFamily="49" charset="0"/>
+                <a:cs typeface="Courier New" panose="02070309020205020404" pitchFamily="49" charset="0"/>
+              </a:rPr>
+              <a:t>a.sum</a:t>
+            </a:r>
+            <a:r>
+              <a:rPr lang="en-US" dirty="0">
+                <a:latin typeface="Courier New" panose="02070309020205020404" pitchFamily="49" charset="0"/>
+                <a:cs typeface="Courier New" panose="02070309020205020404" pitchFamily="49" charset="0"/>
+              </a:rPr>
+              <a:t>(axis=0) # sum over rows </a:t>
+            </a:r>
+          </a:p>
+          <a:p>
+            <a:pPr marL="0" indent="0">
+              <a:buNone/>
+            </a:pPr>
+            <a:r>
+              <a:rPr lang="en-US" dirty="0" err="1">
+                <a:latin typeface="Courier New" panose="02070309020205020404" pitchFamily="49" charset="0"/>
+                <a:cs typeface="Courier New" panose="02070309020205020404" pitchFamily="49" charset="0"/>
+              </a:rPr>
+              <a:t>a.sum</a:t>
+            </a:r>
+            <a:r>
+              <a:rPr lang="en-US" dirty="0">
+                <a:latin typeface="Courier New" panose="02070309020205020404" pitchFamily="49" charset="0"/>
+                <a:cs typeface="Courier New" panose="02070309020205020404" pitchFamily="49" charset="0"/>
+              </a:rPr>
+              <a:t>(axis=1) # sum over </a:t>
+            </a:r>
+            <a:r>
+              <a:rPr lang="en-US" dirty="0" smtClean="0">
+                <a:latin typeface="Courier New" panose="02070309020205020404" pitchFamily="49" charset="0"/>
+                <a:cs typeface="Courier New" panose="02070309020205020404" pitchFamily="49" charset="0"/>
+              </a:rPr>
+              <a:t>columns</a:t>
+            </a:r>
+            <a:endParaRPr lang="en-US" dirty="0">
+              <a:latin typeface="Courier New" panose="02070309020205020404" pitchFamily="49" charset="0"/>
+              <a:cs typeface="Courier New" panose="02070309020205020404" pitchFamily="49" charset="0"/>
+            </a:endParaRPr>
+          </a:p>
+        </p:txBody>
+      </p:sp>
+    </p:spTree>
+    <p:extLst>
+      <p:ext uri="{BB962C8B-B14F-4D97-AF65-F5344CB8AC3E}">
+        <p14:creationId xmlns:p14="http://schemas.microsoft.com/office/powerpoint/2010/main" val="2577086206"/>
+      </p:ext>
+    </p:extLst>
+  </p:cSld>
+  <p:clrMapOvr>
+    <a:masterClrMapping/>
+  </p:clrMapOvr>
+</p:sld>
+</file>
+
+<file path=ppt/slides/slide17.xml><?xml version="1.0" encoding="utf-8"?>
+<p:sld xmlns:a="http://schemas.openxmlformats.org/drawingml/2006/main" xmlns:r="http://schemas.openxmlformats.org/officeDocument/2006/relationships" xmlns:p="http://schemas.openxmlformats.org/presentationml/2006/main">
+  <p:cSld>
+    <p:spTree>
+      <p:nvGrpSpPr>
+        <p:cNvPr id="1" name=""/>
+        <p:cNvGrpSpPr/>
+        <p:nvPr/>
+      </p:nvGrpSpPr>
+      <p:grpSpPr>
+        <a:xfrm>
+          <a:off x="0" y="0"/>
+          <a:ext cx="0" cy="0"/>
+          <a:chOff x="0" y="0"/>
+          <a:chExt cx="0" cy="0"/>
+        </a:xfrm>
+      </p:grpSpPr>
+      <p:sp>
+        <p:nvSpPr>
+          <p:cNvPr id="2" name="Titre 1"/>
+          <p:cNvSpPr>
+            <a:spLocks noGrp="1"/>
+          </p:cNvSpPr>
+          <p:nvPr>
+            <p:ph type="title"/>
+          </p:nvPr>
+        </p:nvSpPr>
+        <p:spPr/>
+        <p:txBody>
+          <a:bodyPr/>
+          <a:lstStyle/>
+          <a:p>
+            <a:r>
+              <a:rPr lang="fr-FR" dirty="0" smtClean="0"/>
+              <a:t>Cubes</a:t>
+            </a:r>
+            <a:endParaRPr lang="fr-FR" dirty="0"/>
+          </a:p>
+        </p:txBody>
+      </p:sp>
+      <p:sp>
+        <p:nvSpPr>
+          <p:cNvPr id="3" name="Espace réservé du contenu 2"/>
+          <p:cNvSpPr>
+            <a:spLocks noGrp="1"/>
+          </p:cNvSpPr>
+          <p:nvPr>
+            <p:ph idx="1"/>
+          </p:nvPr>
+        </p:nvSpPr>
+        <p:spPr/>
+        <p:txBody>
+          <a:bodyPr/>
+          <a:lstStyle/>
+          <a:p>
+            <a:r>
+              <a:rPr lang="fr-FR" dirty="0" err="1" smtClean="0"/>
+              <a:t>np.ndarray</a:t>
+            </a:r>
+            <a:endParaRPr lang="fr-FR" dirty="0" smtClean="0"/>
+          </a:p>
+          <a:p>
+            <a:pPr lvl="1"/>
+            <a:r>
+              <a:rPr lang="fr-FR" dirty="0" smtClean="0"/>
+              <a:t>Les </a:t>
+            </a:r>
+            <a:r>
+              <a:rPr lang="fr-FR" dirty="0" err="1" smtClean="0"/>
+              <a:t>np.aaray</a:t>
+            </a:r>
+            <a:r>
+              <a:rPr lang="fr-FR" dirty="0" smtClean="0"/>
+              <a:t> sont en fait des </a:t>
+            </a:r>
+            <a:r>
+              <a:rPr lang="fr-FR" dirty="0" err="1" smtClean="0"/>
+              <a:t>np.ndarray</a:t>
+            </a:r>
+            <a:r>
+              <a:rPr lang="fr-FR" dirty="0" smtClean="0"/>
+              <a:t> soit des matrice de dimension n (cubes)</a:t>
+            </a:r>
+          </a:p>
+          <a:p>
+            <a:pPr lvl="1"/>
+            <a:r>
+              <a:rPr lang="fr-FR" dirty="0" smtClean="0"/>
+              <a:t>Les axes peuvent être supérieurs à 1</a:t>
+            </a:r>
+          </a:p>
+          <a:p>
+            <a:pPr lvl="1"/>
+            <a:r>
+              <a:rPr lang="fr-FR" dirty="0" smtClean="0"/>
+              <a:t>Les </a:t>
+            </a:r>
+            <a:r>
+              <a:rPr lang="fr-FR" dirty="0" err="1" smtClean="0"/>
+              <a:t>shapes</a:t>
+            </a:r>
+            <a:r>
+              <a:rPr lang="fr-FR" dirty="0" smtClean="0"/>
+              <a:t> peuvent être des </a:t>
+            </a:r>
+            <a:r>
+              <a:rPr lang="fr-FR" dirty="0" err="1" smtClean="0"/>
+              <a:t>tuples</a:t>
+            </a:r>
+            <a:r>
+              <a:rPr lang="fr-FR" dirty="0" smtClean="0"/>
+              <a:t> de taille infinis</a:t>
+            </a:r>
+          </a:p>
+          <a:p>
+            <a:pPr marL="0" indent="0">
+              <a:buNone/>
+            </a:pPr>
+            <a:endParaRPr lang="fr-FR" dirty="0"/>
+          </a:p>
+        </p:txBody>
+      </p:sp>
+    </p:spTree>
+    <p:extLst>
+      <p:ext uri="{BB962C8B-B14F-4D97-AF65-F5344CB8AC3E}">
+        <p14:creationId xmlns:p14="http://schemas.microsoft.com/office/powerpoint/2010/main" val="1177207037"/>
+      </p:ext>
+    </p:extLst>
+  </p:cSld>
+  <p:clrMapOvr>
+    <a:masterClrMapping/>
+  </p:clrMapOvr>
+</p:sld>
+</file>
+
+<file path=ppt/slides/slide18.xml><?xml version="1.0" encoding="utf-8"?>
+<p:sld xmlns:a="http://schemas.openxmlformats.org/drawingml/2006/main" xmlns:r="http://schemas.openxmlformats.org/officeDocument/2006/relationships" xmlns:p="http://schemas.openxmlformats.org/presentationml/2006/main">
+  <p:cSld>
+    <p:spTree>
+      <p:nvGrpSpPr>
+        <p:cNvPr id="1" name=""/>
+        <p:cNvGrpSpPr/>
+        <p:nvPr/>
+      </p:nvGrpSpPr>
+      <p:grpSpPr>
+        <a:xfrm>
+          <a:off x="0" y="0"/>
+          <a:ext cx="0" cy="0"/>
+          <a:chOff x="0" y="0"/>
+          <a:chExt cx="0" cy="0"/>
+        </a:xfrm>
+      </p:grpSpPr>
+      <p:sp>
+        <p:nvSpPr>
+          <p:cNvPr id="2" name="Titre 1"/>
+          <p:cNvSpPr>
+            <a:spLocks noGrp="1"/>
+          </p:cNvSpPr>
+          <p:nvPr>
+            <p:ph type="title"/>
+          </p:nvPr>
+        </p:nvSpPr>
+        <p:spPr/>
+        <p:txBody>
+          <a:bodyPr/>
+          <a:lstStyle/>
+          <a:p>
+            <a:r>
+              <a:rPr lang="fr-FR" dirty="0" smtClean="0"/>
+              <a:t>Les filtres</a:t>
+            </a:r>
+            <a:endParaRPr lang="fr-FR" dirty="0"/>
+          </a:p>
+        </p:txBody>
+      </p:sp>
+      <p:sp>
+        <p:nvSpPr>
+          <p:cNvPr id="3" name="Espace réservé du contenu 2"/>
+          <p:cNvSpPr>
+            <a:spLocks noGrp="1"/>
+          </p:cNvSpPr>
+          <p:nvPr>
+            <p:ph idx="1"/>
+          </p:nvPr>
+        </p:nvSpPr>
+        <p:spPr/>
+        <p:txBody>
+          <a:bodyPr/>
+          <a:lstStyle/>
+          <a:p>
+            <a:r>
+              <a:rPr lang="fr-FR" dirty="0" smtClean="0"/>
+              <a:t>Les cubes peuvent être filtrés</a:t>
+            </a:r>
+          </a:p>
+          <a:p>
+            <a:r>
+              <a:rPr lang="fr-FR" dirty="0" smtClean="0"/>
+              <a:t>[:,:,</a:t>
+            </a:r>
+            <a:r>
+              <a:rPr lang="fr-FR" dirty="0" err="1" smtClean="0"/>
+              <a:t>x:y</a:t>
+            </a:r>
+            <a:r>
+              <a:rPr lang="fr-FR" dirty="0" smtClean="0"/>
+              <a:t>] filtre la 3</a:t>
+            </a:r>
+            <a:r>
+              <a:rPr lang="fr-FR" baseline="30000" dirty="0" smtClean="0"/>
+              <a:t>ème</a:t>
+            </a:r>
+            <a:r>
+              <a:rPr lang="fr-FR" dirty="0" smtClean="0"/>
+              <a:t> dimension</a:t>
+            </a:r>
+          </a:p>
+        </p:txBody>
+      </p:sp>
+    </p:spTree>
+    <p:extLst>
+      <p:ext uri="{BB962C8B-B14F-4D97-AF65-F5344CB8AC3E}">
+        <p14:creationId xmlns:p14="http://schemas.microsoft.com/office/powerpoint/2010/main" val="2422904387"/>
+      </p:ext>
+    </p:extLst>
+  </p:cSld>
+  <p:clrMapOvr>
+    <a:masterClrMapping/>
+  </p:clrMapOvr>
+</p:sld>
+</file>
+
+<file path=ppt/slides/slide19.xml><?xml version="1.0" encoding="utf-8"?>
+<p:sld xmlns:a="http://schemas.openxmlformats.org/drawingml/2006/main" xmlns:r="http://schemas.openxmlformats.org/officeDocument/2006/relationships" xmlns:p="http://schemas.openxmlformats.org/presentationml/2006/main">
+  <p:cSld>
+    <p:spTree>
+      <p:nvGrpSpPr>
+        <p:cNvPr id="1" name=""/>
+        <p:cNvGrpSpPr/>
+        <p:nvPr/>
+      </p:nvGrpSpPr>
+      <p:grpSpPr>
+        <a:xfrm>
+          <a:off x="0" y="0"/>
+          <a:ext cx="0" cy="0"/>
+          <a:chOff x="0" y="0"/>
+          <a:chExt cx="0" cy="0"/>
+        </a:xfrm>
+      </p:grpSpPr>
+      <p:sp>
+        <p:nvSpPr>
           <p:cNvPr id="2" name="Titre 1"/>
           <p:cNvSpPr>
             <a:spLocks noGrp="1"/>
@@ -4438,6 +5222,402 @@
 </file>
 
 <file path=ppt/slides/slide2.xml><?xml version="1.0" encoding="utf-8"?>
+<p:sld xmlns:a="http://schemas.openxmlformats.org/drawingml/2006/main" xmlns:r="http://schemas.openxmlformats.org/officeDocument/2006/relationships" xmlns:p="http://schemas.openxmlformats.org/presentationml/2006/main">
+  <p:cSld>
+    <p:spTree>
+      <p:nvGrpSpPr>
+        <p:cNvPr id="1" name=""/>
+        <p:cNvGrpSpPr/>
+        <p:nvPr/>
+      </p:nvGrpSpPr>
+      <p:grpSpPr>
+        <a:xfrm>
+          <a:off x="0" y="0"/>
+          <a:ext cx="0" cy="0"/>
+          <a:chOff x="0" y="0"/>
+          <a:chExt cx="0" cy="0"/>
+        </a:xfrm>
+      </p:grpSpPr>
+      <p:sp>
+        <p:nvSpPr>
+          <p:cNvPr id="2" name="Titre 1"/>
+          <p:cNvSpPr>
+            <a:spLocks noGrp="1"/>
+          </p:cNvSpPr>
+          <p:nvPr>
+            <p:ph type="title"/>
+          </p:nvPr>
+        </p:nvSpPr>
+        <p:spPr/>
+        <p:txBody>
+          <a:bodyPr/>
+          <a:lstStyle/>
+          <a:p>
+            <a:r>
+              <a:rPr lang="fr-FR" dirty="0" smtClean="0"/>
+              <a:t>Matrix</a:t>
+            </a:r>
+            <a:endParaRPr lang="fr-FR" dirty="0"/>
+          </a:p>
+        </p:txBody>
+      </p:sp>
+      <p:pic>
+        <p:nvPicPr>
+          <p:cNvPr id="1028" name="Picture 4" descr="https://parismatch.be/app/uploads/2017/10/MATRIX-1100x715.jpg"/>
+          <p:cNvPicPr>
+            <a:picLocks noChangeAspect="1" noChangeArrowheads="1"/>
+          </p:cNvPicPr>
+          <p:nvPr/>
+        </p:nvPicPr>
+        <p:blipFill>
+          <a:blip r:embed="rId2">
+            <a:extLst>
+              <a:ext uri="{28A0092B-C50C-407E-A947-70E740481C1C}">
+                <a14:useLocalDpi xmlns:a14="http://schemas.microsoft.com/office/drawing/2010/main" val="0"/>
+              </a:ext>
+            </a:extLst>
+          </a:blip>
+          <a:srcRect/>
+          <a:stretch>
+            <a:fillRect/>
+          </a:stretch>
+        </p:blipFill>
+        <p:spPr bwMode="auto">
+          <a:xfrm>
+            <a:off x="638101" y="1351569"/>
+            <a:ext cx="7848872" cy="5101767"/>
+          </a:xfrm>
+          <a:prstGeom prst="rect">
+            <a:avLst/>
+          </a:prstGeom>
+          <a:noFill/>
+          <a:extLst>
+            <a:ext uri="{909E8E84-426E-40DD-AFC4-6F175D3DCCD1}">
+              <a14:hiddenFill xmlns:a14="http://schemas.microsoft.com/office/drawing/2010/main">
+                <a:solidFill>
+                  <a:srgbClr val="FFFFFF"/>
+                </a:solidFill>
+              </a14:hiddenFill>
+            </a:ext>
+          </a:extLst>
+        </p:spPr>
+      </p:pic>
+    </p:spTree>
+    <p:extLst>
+      <p:ext uri="{BB962C8B-B14F-4D97-AF65-F5344CB8AC3E}">
+        <p14:creationId xmlns:p14="http://schemas.microsoft.com/office/powerpoint/2010/main" val="2348686705"/>
+      </p:ext>
+    </p:extLst>
+  </p:cSld>
+  <p:clrMapOvr>
+    <a:masterClrMapping/>
+  </p:clrMapOvr>
+</p:sld>
+</file>
+
+<file path=ppt/slides/slide20.xml><?xml version="1.0" encoding="utf-8"?>
+<p:sld xmlns:a="http://schemas.openxmlformats.org/drawingml/2006/main" xmlns:r="http://schemas.openxmlformats.org/officeDocument/2006/relationships" xmlns:p="http://schemas.openxmlformats.org/presentationml/2006/main">
+  <p:cSld>
+    <p:spTree>
+      <p:nvGrpSpPr>
+        <p:cNvPr id="1" name=""/>
+        <p:cNvGrpSpPr/>
+        <p:nvPr/>
+      </p:nvGrpSpPr>
+      <p:grpSpPr>
+        <a:xfrm>
+          <a:off x="0" y="0"/>
+          <a:ext cx="0" cy="0"/>
+          <a:chOff x="0" y="0"/>
+          <a:chExt cx="0" cy="0"/>
+        </a:xfrm>
+      </p:grpSpPr>
+      <p:sp>
+        <p:nvSpPr>
+          <p:cNvPr id="2" name="Titre 1"/>
+          <p:cNvSpPr>
+            <a:spLocks noGrp="1"/>
+          </p:cNvSpPr>
+          <p:nvPr>
+            <p:ph type="title"/>
+          </p:nvPr>
+        </p:nvSpPr>
+        <p:spPr/>
+        <p:txBody>
+          <a:bodyPr/>
+          <a:lstStyle/>
+          <a:p>
+            <a:r>
+              <a:rPr lang="fr-FR" dirty="0" smtClean="0"/>
+              <a:t>Calcul de la régression linéaire</a:t>
+            </a:r>
+            <a:endParaRPr lang="fr-FR" dirty="0"/>
+          </a:p>
+        </p:txBody>
+      </p:sp>
+      <p:sp>
+        <p:nvSpPr>
+          <p:cNvPr id="3" name="Espace réservé du contenu 2"/>
+          <p:cNvSpPr>
+            <a:spLocks noGrp="1"/>
+          </p:cNvSpPr>
+          <p:nvPr>
+            <p:ph idx="1"/>
+          </p:nvPr>
+        </p:nvSpPr>
+        <p:spPr/>
+        <p:txBody>
+          <a:bodyPr/>
+          <a:lstStyle/>
+          <a:p>
+            <a:r>
+              <a:rPr lang="fr-FR" dirty="0"/>
+              <a:t>x = </a:t>
+            </a:r>
+            <a:r>
+              <a:rPr lang="fr-FR" dirty="0" err="1"/>
+              <a:t>np.matrix</a:t>
+            </a:r>
+            <a:r>
+              <a:rPr lang="fr-FR" dirty="0"/>
+              <a:t>([</a:t>
+            </a:r>
+            <a:r>
+              <a:rPr lang="fr-FR" dirty="0" err="1"/>
+              <a:t>np.ones</a:t>
+            </a:r>
+            <a:r>
+              <a:rPr lang="fr-FR" dirty="0"/>
+              <a:t>(</a:t>
+            </a:r>
+            <a:r>
+              <a:rPr lang="fr-FR" dirty="0" err="1"/>
+              <a:t>surfaces.shape</a:t>
+            </a:r>
+            <a:r>
+              <a:rPr lang="fr-FR" dirty="0"/>
+              <a:t>[0]), surfaces]).T</a:t>
+            </a:r>
+          </a:p>
+          <a:p>
+            <a:r>
+              <a:rPr lang="fr-FR" dirty="0"/>
+              <a:t>y = </a:t>
+            </a:r>
+            <a:r>
+              <a:rPr lang="fr-FR" dirty="0" err="1"/>
+              <a:t>np.matrix</a:t>
+            </a:r>
+            <a:r>
+              <a:rPr lang="fr-FR" dirty="0"/>
+              <a:t>(loyers).T</a:t>
+            </a:r>
+          </a:p>
+          <a:p>
+            <a:r>
+              <a:rPr lang="fr-FR" dirty="0" err="1"/>
+              <a:t>theta</a:t>
+            </a:r>
+            <a:r>
+              <a:rPr lang="fr-FR" dirty="0"/>
+              <a:t> = </a:t>
+            </a:r>
+            <a:r>
+              <a:rPr lang="fr-FR" dirty="0" err="1"/>
+              <a:t>np.linalg.inv</a:t>
+            </a:r>
+            <a:r>
+              <a:rPr lang="fr-FR" dirty="0"/>
+              <a:t>(x.T.dot(x)).dot(</a:t>
+            </a:r>
+            <a:r>
+              <a:rPr lang="fr-FR" dirty="0" err="1"/>
+              <a:t>x.T</a:t>
+            </a:r>
+            <a:r>
+              <a:rPr lang="fr-FR" dirty="0"/>
+              <a:t>).dot(y</a:t>
+            </a:r>
+            <a:r>
+              <a:rPr lang="fr-FR" dirty="0" smtClean="0"/>
+              <a:t>)</a:t>
+            </a:r>
+          </a:p>
+          <a:p>
+            <a:r>
+              <a:rPr lang="fr-FR" dirty="0" smtClean="0"/>
+              <a:t>#</a:t>
+            </a:r>
+            <a:r>
+              <a:rPr lang="fr-FR" dirty="0" err="1" smtClean="0"/>
+              <a:t>theta</a:t>
+            </a:r>
+            <a:r>
+              <a:rPr lang="fr-FR" dirty="0" smtClean="0"/>
+              <a:t> = (b, a) pour f=</a:t>
+            </a:r>
+            <a:r>
+              <a:rPr lang="fr-FR" dirty="0" err="1" smtClean="0"/>
+              <a:t>ax+b</a:t>
+            </a:r>
+            <a:endParaRPr lang="fr-FR" dirty="0" smtClean="0"/>
+          </a:p>
+          <a:p>
+            <a:endParaRPr lang="fr-FR" dirty="0" smtClean="0"/>
+          </a:p>
+        </p:txBody>
+      </p:sp>
+    </p:spTree>
+    <p:extLst>
+      <p:ext uri="{BB962C8B-B14F-4D97-AF65-F5344CB8AC3E}">
+        <p14:creationId xmlns:p14="http://schemas.microsoft.com/office/powerpoint/2010/main" val="1848658131"/>
+      </p:ext>
+    </p:extLst>
+  </p:cSld>
+  <p:clrMapOvr>
+    <a:masterClrMapping/>
+  </p:clrMapOvr>
+  <p:timing>
+    <p:tnLst>
+      <p:par>
+        <p:cTn id="1" dur="indefinite" restart="never" nodeType="tmRoot"/>
+      </p:par>
+    </p:tnLst>
+  </p:timing>
+</p:sld>
+</file>
+
+<file path=ppt/slides/slide3.xml><?xml version="1.0" encoding="utf-8"?>
+<p:sld xmlns:a="http://schemas.openxmlformats.org/drawingml/2006/main" xmlns:r="http://schemas.openxmlformats.org/officeDocument/2006/relationships" xmlns:p="http://schemas.openxmlformats.org/presentationml/2006/main">
+  <p:cSld>
+    <p:spTree>
+      <p:nvGrpSpPr>
+        <p:cNvPr id="1" name=""/>
+        <p:cNvGrpSpPr/>
+        <p:nvPr/>
+      </p:nvGrpSpPr>
+      <p:grpSpPr>
+        <a:xfrm>
+          <a:off x="0" y="0"/>
+          <a:ext cx="0" cy="0"/>
+          <a:chOff x="0" y="0"/>
+          <a:chExt cx="0" cy="0"/>
+        </a:xfrm>
+      </p:grpSpPr>
+      <p:sp>
+        <p:nvSpPr>
+          <p:cNvPr id="2" name="Titre 1"/>
+          <p:cNvSpPr>
+            <a:spLocks noGrp="1"/>
+          </p:cNvSpPr>
+          <p:nvPr>
+            <p:ph type="title"/>
+          </p:nvPr>
+        </p:nvSpPr>
+        <p:spPr/>
+        <p:txBody>
+          <a:bodyPr/>
+          <a:lstStyle/>
+          <a:p>
+            <a:r>
+              <a:rPr lang="fr-FR" dirty="0" smtClean="0"/>
+              <a:t>Matrix</a:t>
+            </a:r>
+            <a:endParaRPr lang="fr-FR" dirty="0"/>
+          </a:p>
+        </p:txBody>
+      </p:sp>
+      <p:sp>
+        <p:nvSpPr>
+          <p:cNvPr id="3" name="Espace réservé du contenu 2"/>
+          <p:cNvSpPr>
+            <a:spLocks noGrp="1"/>
+          </p:cNvSpPr>
+          <p:nvPr>
+            <p:ph idx="1"/>
+          </p:nvPr>
+        </p:nvSpPr>
+        <p:spPr/>
+        <p:txBody>
+          <a:bodyPr/>
+          <a:lstStyle/>
+          <a:p>
+            <a:r>
+              <a:rPr lang="fr-FR" dirty="0" smtClean="0"/>
+              <a:t>Les matrices sont des objets mathématiques très utilisés</a:t>
+            </a:r>
+          </a:p>
+          <a:p>
+            <a:r>
+              <a:rPr lang="fr-FR" dirty="0" smtClean="0"/>
+              <a:t>Une matrice est un vecteur de vecteurs</a:t>
+            </a:r>
+          </a:p>
+          <a:p>
+            <a:pPr lvl="1"/>
+            <a:r>
+              <a:rPr lang="fr-FR" dirty="0" smtClean="0"/>
+              <a:t>Ou un élément de dimension 2</a:t>
+            </a:r>
+            <a:endParaRPr lang="fr-FR" dirty="0"/>
+          </a:p>
+        </p:txBody>
+      </p:sp>
+      <p:pic>
+        <p:nvPicPr>
+          <p:cNvPr id="2050" name="Picture 2" descr="Image utilisateur"/>
+          <p:cNvPicPr>
+            <a:picLocks noChangeAspect="1" noChangeArrowheads="1"/>
+          </p:cNvPicPr>
+          <p:nvPr/>
+        </p:nvPicPr>
+        <p:blipFill>
+          <a:blip r:embed="rId2">
+            <a:extLst>
+              <a:ext uri="{28A0092B-C50C-407E-A947-70E740481C1C}">
+                <a14:useLocalDpi xmlns:a14="http://schemas.microsoft.com/office/drawing/2010/main" val="0"/>
+              </a:ext>
+            </a:extLst>
+          </a:blip>
+          <a:srcRect/>
+          <a:stretch>
+            <a:fillRect/>
+          </a:stretch>
+        </p:blipFill>
+        <p:spPr bwMode="auto">
+          <a:xfrm>
+            <a:off x="1547664" y="3429000"/>
+            <a:ext cx="5472608" cy="2314288"/>
+          </a:xfrm>
+          <a:prstGeom prst="rect">
+            <a:avLst/>
+          </a:prstGeom>
+          <a:noFill/>
+          <a:extLst>
+            <a:ext uri="{909E8E84-426E-40DD-AFC4-6F175D3DCCD1}">
+              <a14:hiddenFill xmlns:a14="http://schemas.microsoft.com/office/drawing/2010/main">
+                <a:solidFill>
+                  <a:srgbClr val="FFFFFF"/>
+                </a:solidFill>
+              </a14:hiddenFill>
+            </a:ext>
+          </a:extLst>
+        </p:spPr>
+      </p:pic>
+    </p:spTree>
+    <p:extLst>
+      <p:ext uri="{BB962C8B-B14F-4D97-AF65-F5344CB8AC3E}">
+        <p14:creationId xmlns:p14="http://schemas.microsoft.com/office/powerpoint/2010/main" val="349367461"/>
+      </p:ext>
+    </p:extLst>
+  </p:cSld>
+  <p:clrMapOvr>
+    <a:masterClrMapping/>
+  </p:clrMapOvr>
+</p:sld>
+</file>
+
+<file path=ppt/slides/slide4.xml><?xml version="1.0" encoding="utf-8"?>
 <p:sld xmlns:a="http://schemas.openxmlformats.org/drawingml/2006/main" xmlns:r="http://schemas.openxmlformats.org/officeDocument/2006/relationships" xmlns:p="http://schemas.openxmlformats.org/presentationml/2006/main">
   <p:cSld>
     <p:spTree>
@@ -4650,7 +5830,7 @@
 </p:sld>
 </file>
 
-<file path=ppt/slides/slide3.xml><?xml version="1.0" encoding="utf-8"?>
+<file path=ppt/slides/slide5.xml><?xml version="1.0" encoding="utf-8"?>
 <p:sld xmlns:a="http://schemas.openxmlformats.org/drawingml/2006/main" xmlns:r="http://schemas.openxmlformats.org/officeDocument/2006/relationships" xmlns:p="http://schemas.openxmlformats.org/presentationml/2006/main">
   <p:cSld>
     <p:spTree>
@@ -4765,7 +5945,7 @@
 </p:sld>
 </file>
 
-<file path=ppt/slides/slide4.xml><?xml version="1.0" encoding="utf-8"?>
+<file path=ppt/slides/slide6.xml><?xml version="1.0" encoding="utf-8"?>
 <p:sld xmlns:a="http://schemas.openxmlformats.org/drawingml/2006/main" xmlns:r="http://schemas.openxmlformats.org/officeDocument/2006/relationships" xmlns:p="http://schemas.openxmlformats.org/presentationml/2006/main">
   <p:cSld>
     <p:spTree>
@@ -4895,7 +6075,7 @@
 </p:sld>
 </file>
 
-<file path=ppt/slides/slide5.xml><?xml version="1.0" encoding="utf-8"?>
+<file path=ppt/slides/slide7.xml><?xml version="1.0" encoding="utf-8"?>
 <p:sld xmlns:a="http://schemas.openxmlformats.org/drawingml/2006/main" xmlns:r="http://schemas.openxmlformats.org/officeDocument/2006/relationships" xmlns:p="http://schemas.openxmlformats.org/presentationml/2006/main">
   <p:cSld>
     <p:spTree>
@@ -4914,6 +6094,256 @@
       </p:grpSpPr>
       <p:sp>
         <p:nvSpPr>
+          <p:cNvPr id="2" name="Title 1">
+            <a:extLst>
+              <a:ext uri="{FF2B5EF4-FFF2-40B4-BE49-F238E27FC236}">
+                <a16:creationId xmlns:a16="http://schemas.microsoft.com/office/drawing/2014/main" id="{329B280E-624C-472D-A44B-C9D553FEE79C}"/>
+              </a:ext>
+            </a:extLst>
+          </p:cNvPr>
+          <p:cNvSpPr>
+            <a:spLocks noGrp="1"/>
+          </p:cNvSpPr>
+          <p:nvPr>
+            <p:ph type="title"/>
+          </p:nvPr>
+        </p:nvSpPr>
+        <p:spPr/>
+        <p:txBody>
+          <a:bodyPr/>
+          <a:lstStyle/>
+          <a:p>
+            <a:r>
+              <a:rPr lang="en-US" dirty="0"/>
+              <a:t>Shaping</a:t>
+            </a:r>
+          </a:p>
+        </p:txBody>
+      </p:sp>
+      <p:sp>
+        <p:nvSpPr>
+          <p:cNvPr id="3" name="Content Placeholder 2">
+            <a:extLst>
+              <a:ext uri="{FF2B5EF4-FFF2-40B4-BE49-F238E27FC236}">
+                <a16:creationId xmlns:a16="http://schemas.microsoft.com/office/drawing/2014/main" id="{BFCD03DC-D93C-44FF-8EE4-91BB92EED889}"/>
+              </a:ext>
+            </a:extLst>
+          </p:cNvPr>
+          <p:cNvSpPr>
+            <a:spLocks noGrp="1"/>
+          </p:cNvSpPr>
+          <p:nvPr>
+            <p:ph idx="1"/>
+          </p:nvPr>
+        </p:nvSpPr>
+        <p:spPr>
+          <a:xfrm>
+            <a:off x="946404" y="2228850"/>
+            <a:ext cx="6926300" cy="3263503"/>
+          </a:xfrm>
+        </p:spPr>
+        <p:txBody>
+          <a:bodyPr/>
+          <a:lstStyle/>
+          <a:p>
+            <a:pPr marL="0" indent="0">
+              <a:buNone/>
+            </a:pPr>
+            <a:r>
+              <a:rPr lang="en-US" dirty="0">
+                <a:latin typeface="Courier New" panose="02070309020205020404" pitchFamily="49" charset="0"/>
+                <a:cs typeface="Courier New" panose="02070309020205020404" pitchFamily="49" charset="0"/>
+              </a:rPr>
+              <a:t>a = </a:t>
+            </a:r>
+            <a:r>
+              <a:rPr lang="en-US" dirty="0" err="1">
+                <a:latin typeface="Courier New" panose="02070309020205020404" pitchFamily="49" charset="0"/>
+                <a:cs typeface="Courier New" panose="02070309020205020404" pitchFamily="49" charset="0"/>
+              </a:rPr>
+              <a:t>np.array</a:t>
+            </a:r>
+            <a:r>
+              <a:rPr lang="en-US" dirty="0">
+                <a:latin typeface="Courier New" panose="02070309020205020404" pitchFamily="49" charset="0"/>
+                <a:cs typeface="Courier New" panose="02070309020205020404" pitchFamily="49" charset="0"/>
+              </a:rPr>
+              <a:t>([1,2,3,4,5,6])</a:t>
+            </a:r>
+          </a:p>
+          <a:p>
+            <a:pPr marL="0" indent="0">
+              <a:buNone/>
+            </a:pPr>
+            <a:r>
+              <a:rPr lang="en-US" dirty="0">
+                <a:latin typeface="Courier New" panose="02070309020205020404" pitchFamily="49" charset="0"/>
+                <a:cs typeface="Courier New" panose="02070309020205020404" pitchFamily="49" charset="0"/>
+              </a:rPr>
+              <a:t>a = </a:t>
+            </a:r>
+            <a:r>
+              <a:rPr lang="en-US" dirty="0" err="1">
+                <a:latin typeface="Courier New" panose="02070309020205020404" pitchFamily="49" charset="0"/>
+                <a:cs typeface="Courier New" panose="02070309020205020404" pitchFamily="49" charset="0"/>
+              </a:rPr>
+              <a:t>a.reshape</a:t>
+            </a:r>
+            <a:r>
+              <a:rPr lang="en-US" dirty="0">
+                <a:latin typeface="Courier New" panose="02070309020205020404" pitchFamily="49" charset="0"/>
+                <a:cs typeface="Courier New" panose="02070309020205020404" pitchFamily="49" charset="0"/>
+              </a:rPr>
+              <a:t>(3,2)</a:t>
+            </a:r>
+          </a:p>
+          <a:p>
+            <a:pPr marL="0" indent="0">
+              <a:buNone/>
+            </a:pPr>
+            <a:r>
+              <a:rPr lang="en-US" dirty="0">
+                <a:latin typeface="Courier New" panose="02070309020205020404" pitchFamily="49" charset="0"/>
+                <a:cs typeface="Courier New" panose="02070309020205020404" pitchFamily="49" charset="0"/>
+              </a:rPr>
+              <a:t>a = </a:t>
+            </a:r>
+            <a:r>
+              <a:rPr lang="en-US" dirty="0" err="1">
+                <a:latin typeface="Courier New" panose="02070309020205020404" pitchFamily="49" charset="0"/>
+                <a:cs typeface="Courier New" panose="02070309020205020404" pitchFamily="49" charset="0"/>
+              </a:rPr>
+              <a:t>a.reshape</a:t>
+            </a:r>
+            <a:r>
+              <a:rPr lang="en-US" dirty="0">
+                <a:latin typeface="Courier New" panose="02070309020205020404" pitchFamily="49" charset="0"/>
+                <a:cs typeface="Courier New" panose="02070309020205020404" pitchFamily="49" charset="0"/>
+              </a:rPr>
+              <a:t>(2,-1)</a:t>
+            </a:r>
+          </a:p>
+          <a:p>
+            <a:pPr marL="0" indent="0">
+              <a:buNone/>
+            </a:pPr>
+            <a:r>
+              <a:rPr lang="en-US" dirty="0">
+                <a:latin typeface="Courier New" panose="02070309020205020404" pitchFamily="49" charset="0"/>
+                <a:cs typeface="Courier New" panose="02070309020205020404" pitchFamily="49" charset="0"/>
+              </a:rPr>
+              <a:t>a = </a:t>
+            </a:r>
+            <a:r>
+              <a:rPr lang="en-US" dirty="0" err="1">
+                <a:latin typeface="Courier New" panose="02070309020205020404" pitchFamily="49" charset="0"/>
+                <a:cs typeface="Courier New" panose="02070309020205020404" pitchFamily="49" charset="0"/>
+              </a:rPr>
+              <a:t>a.ravel</a:t>
+            </a:r>
+            <a:r>
+              <a:rPr lang="en-US" dirty="0">
+                <a:latin typeface="Courier New" panose="02070309020205020404" pitchFamily="49" charset="0"/>
+                <a:cs typeface="Courier New" panose="02070309020205020404" pitchFamily="49" charset="0"/>
+              </a:rPr>
+              <a:t>()</a:t>
+            </a:r>
+          </a:p>
+          <a:p>
+            <a:pPr marL="385763" indent="-385763">
+              <a:buFont typeface="+mj-lt"/>
+              <a:buAutoNum type="arabicPeriod"/>
+            </a:pPr>
+            <a:r>
+              <a:rPr lang="en-US" dirty="0"/>
+              <a:t>Total number of elements cannot change.</a:t>
+            </a:r>
+          </a:p>
+          <a:p>
+            <a:pPr marL="385763" indent="-385763">
+              <a:buFont typeface="+mj-lt"/>
+              <a:buAutoNum type="arabicPeriod"/>
+            </a:pPr>
+            <a:r>
+              <a:rPr lang="en-US" dirty="0"/>
+              <a:t>Use -1 to infer axis shape</a:t>
+            </a:r>
+          </a:p>
+          <a:p>
+            <a:pPr marL="385763" indent="-385763">
+              <a:buFont typeface="+mj-lt"/>
+              <a:buAutoNum type="arabicPeriod"/>
+            </a:pPr>
+            <a:r>
+              <a:rPr lang="en-US" dirty="0"/>
+              <a:t>Row-major by default (MATLAB is column-major)</a:t>
+            </a:r>
+          </a:p>
+        </p:txBody>
+      </p:sp>
+      <p:sp>
+        <p:nvSpPr>
+          <p:cNvPr id="5" name="Slide Number Placeholder 4">
+            <a:extLst>
+              <a:ext uri="{FF2B5EF4-FFF2-40B4-BE49-F238E27FC236}">
+                <a16:creationId xmlns:a16="http://schemas.microsoft.com/office/drawing/2014/main" id="{3B50F944-BFC9-488F-9A3B-65D19B301B98}"/>
+              </a:ext>
+            </a:extLst>
+          </p:cNvPr>
+          <p:cNvSpPr>
+            <a:spLocks noGrp="1"/>
+          </p:cNvSpPr>
+          <p:nvPr>
+            <p:ph type="sldNum" sz="quarter" idx="4294967295"/>
+          </p:nvPr>
+        </p:nvSpPr>
+        <p:spPr/>
+        <p:txBody>
+          <a:bodyPr>
+            <a:normAutofit fontScale="25000" lnSpcReduction="20000"/>
+          </a:bodyPr>
+          <a:lstStyle/>
+          <a:p>
+            <a:fld id="{4FAB73BC-B049-4115-A692-8D63A059BFB8}" type="slidenum">
+              <a:rPr lang="en-US" smtClean="0"/>
+              <a:t>7</a:t>
+            </a:fld>
+            <a:endParaRPr lang="en-US" dirty="0"/>
+          </a:p>
+        </p:txBody>
+      </p:sp>
+    </p:spTree>
+    <p:extLst>
+      <p:ext uri="{BB962C8B-B14F-4D97-AF65-F5344CB8AC3E}">
+        <p14:creationId xmlns:p14="http://schemas.microsoft.com/office/powerpoint/2010/main" val="398883516"/>
+      </p:ext>
+    </p:extLst>
+  </p:cSld>
+  <p:clrMapOvr>
+    <a:masterClrMapping/>
+  </p:clrMapOvr>
+</p:sld>
+</file>
+
+<file path=ppt/slides/slide8.xml><?xml version="1.0" encoding="utf-8"?>
+<p:sld xmlns:a="http://schemas.openxmlformats.org/drawingml/2006/main" xmlns:r="http://schemas.openxmlformats.org/officeDocument/2006/relationships" xmlns:p="http://schemas.openxmlformats.org/presentationml/2006/main">
+  <p:cSld>
+    <p:spTree>
+      <p:nvGrpSpPr>
+        <p:cNvPr id="1" name=""/>
+        <p:cNvGrpSpPr/>
+        <p:nvPr/>
+      </p:nvGrpSpPr>
+      <p:grpSpPr>
+        <a:xfrm>
+          <a:off x="0" y="0"/>
+          <a:ext cx="0" cy="0"/>
+          <a:chOff x="0" y="0"/>
+          <a:chExt cx="0" cy="0"/>
+        </a:xfrm>
+      </p:grpSpPr>
+      <p:sp>
+        <p:nvSpPr>
           <p:cNvPr id="2" name="Titre 1"/>
           <p:cNvSpPr>
             <a:spLocks noGrp="1"/>
@@ -4929,7 +6359,7 @@
           <a:p>
             <a:r>
               <a:rPr lang="fr-FR" dirty="0" smtClean="0"/>
-              <a:t>Inversion d’une matrice</a:t>
+              <a:t>Algèbre linéaire</a:t>
             </a:r>
             <a:endParaRPr lang="fr-FR" dirty="0"/>
           </a:p>
@@ -4969,6 +6399,41 @@
               <a:rPr lang="fr-FR" dirty="0" err="1" smtClean="0"/>
               <a:t>rank</a:t>
             </a:r>
+            <a:endParaRPr lang="fr-FR" dirty="0" smtClean="0"/>
+          </a:p>
+          <a:p>
+            <a:pPr lvl="1"/>
+            <a:endParaRPr lang="fr-FR" dirty="0"/>
+          </a:p>
+          <a:p>
+            <a:pPr lvl="1"/>
+            <a:endParaRPr lang="fr-FR" dirty="0" smtClean="0"/>
+          </a:p>
+          <a:p>
+            <a:pPr lvl="1"/>
+            <a:endParaRPr lang="fr-FR" dirty="0"/>
+          </a:p>
+          <a:p>
+            <a:pPr lvl="1"/>
+            <a:endParaRPr lang="fr-FR" dirty="0" smtClean="0"/>
+          </a:p>
+          <a:p>
+            <a:pPr lvl="1"/>
+            <a:r>
+              <a:rPr lang="fr-FR" dirty="0" err="1"/>
+              <a:t>n</a:t>
+            </a:r>
+            <a:r>
+              <a:rPr lang="fr-FR" dirty="0" err="1" smtClean="0"/>
+              <a:t>p.trace</a:t>
+            </a:r>
+            <a:r>
+              <a:rPr lang="fr-FR" dirty="0" smtClean="0"/>
+              <a:t> calcul la trace</a:t>
+            </a:r>
+          </a:p>
+          <a:p>
+            <a:pPr lvl="1"/>
             <a:endParaRPr lang="fr-FR" dirty="0" smtClean="0"/>
           </a:p>
           <a:p>
@@ -5021,369 +6486,6 @@
 </p:sld>
 </file>
 
-<file path=ppt/slides/slide6.xml><?xml version="1.0" encoding="utf-8"?>
-<p:sld xmlns:a="http://schemas.openxmlformats.org/drawingml/2006/main" xmlns:r="http://schemas.openxmlformats.org/officeDocument/2006/relationships" xmlns:p="http://schemas.openxmlformats.org/presentationml/2006/main">
-  <p:cSld>
-    <p:spTree>
-      <p:nvGrpSpPr>
-        <p:cNvPr id="1" name=""/>
-        <p:cNvGrpSpPr/>
-        <p:nvPr/>
-      </p:nvGrpSpPr>
-      <p:grpSpPr>
-        <a:xfrm>
-          <a:off x="0" y="0"/>
-          <a:ext cx="0" cy="0"/>
-          <a:chOff x="0" y="0"/>
-          <a:chExt cx="0" cy="0"/>
-        </a:xfrm>
-      </p:grpSpPr>
-      <p:sp>
-        <p:nvSpPr>
-          <p:cNvPr id="2" name="Titre 1"/>
-          <p:cNvSpPr>
-            <a:spLocks noGrp="1"/>
-          </p:cNvSpPr>
-          <p:nvPr>
-            <p:ph type="title"/>
-          </p:nvPr>
-        </p:nvSpPr>
-        <p:spPr/>
-        <p:txBody>
-          <a:bodyPr/>
-          <a:lstStyle/>
-          <a:p>
-            <a:r>
-              <a:rPr lang="fr-FR" dirty="0" err="1" smtClean="0"/>
-              <a:t>Random</a:t>
-            </a:r>
-            <a:endParaRPr lang="fr-FR" dirty="0"/>
-          </a:p>
-        </p:txBody>
-      </p:sp>
-      <p:pic>
-        <p:nvPicPr>
-          <p:cNvPr id="4" name="Image 3"/>
-          <p:cNvPicPr>
-            <a:picLocks noChangeAspect="1"/>
-          </p:cNvPicPr>
-          <p:nvPr/>
-        </p:nvPicPr>
-        <p:blipFill>
-          <a:blip r:embed="rId2"/>
-          <a:stretch>
-            <a:fillRect/>
-          </a:stretch>
-        </p:blipFill>
-        <p:spPr>
-          <a:xfrm>
-            <a:off x="827584" y="1156209"/>
-            <a:ext cx="7466207" cy="3744416"/>
-          </a:xfrm>
-          <a:prstGeom prst="rect">
-            <a:avLst/>
-          </a:prstGeom>
-        </p:spPr>
-      </p:pic>
-      <p:pic>
-        <p:nvPicPr>
-          <p:cNvPr id="5" name="Image 4"/>
-          <p:cNvPicPr>
-            <a:picLocks noChangeAspect="1"/>
-          </p:cNvPicPr>
-          <p:nvPr/>
-        </p:nvPicPr>
-        <p:blipFill>
-          <a:blip r:embed="rId3"/>
-          <a:stretch>
-            <a:fillRect/>
-          </a:stretch>
-        </p:blipFill>
-        <p:spPr>
-          <a:xfrm>
-            <a:off x="987797" y="4925348"/>
-            <a:ext cx="4130270" cy="720080"/>
-          </a:xfrm>
-          <a:prstGeom prst="rect">
-            <a:avLst/>
-          </a:prstGeom>
-        </p:spPr>
-      </p:pic>
-      <p:sp>
-        <p:nvSpPr>
-          <p:cNvPr id="6" name="ZoneTexte 5"/>
-          <p:cNvSpPr txBox="1"/>
-          <p:nvPr/>
-        </p:nvSpPr>
-        <p:spPr>
-          <a:xfrm>
-            <a:off x="5533099" y="4968542"/>
-            <a:ext cx="3643946" cy="1015663"/>
-          </a:xfrm>
-          <a:prstGeom prst="rect">
-            <a:avLst/>
-          </a:prstGeom>
-          <a:noFill/>
-        </p:spPr>
-        <p:txBody>
-          <a:bodyPr wrap="none" rtlCol="0">
-            <a:spAutoFit/>
-          </a:bodyPr>
-          <a:lstStyle/>
-          <a:p>
-            <a:r>
-              <a:rPr lang="fr-FR" sz="2000" dirty="0" smtClean="0"/>
-              <a:t>0 veut dire par ligne</a:t>
-            </a:r>
-          </a:p>
-          <a:p>
-            <a:r>
-              <a:rPr lang="fr-FR" sz="2000" dirty="0" smtClean="0"/>
-              <a:t>1 veut dire par colonne</a:t>
-            </a:r>
-          </a:p>
-          <a:p>
-            <a:r>
-              <a:rPr lang="fr-FR" sz="2000" dirty="0" smtClean="0"/>
-              <a:t>Absent veut dire somme totale</a:t>
-            </a:r>
-            <a:endParaRPr lang="fr-FR" sz="2000" dirty="0"/>
-          </a:p>
-        </p:txBody>
-      </p:sp>
-    </p:spTree>
-    <p:extLst>
-      <p:ext uri="{BB962C8B-B14F-4D97-AF65-F5344CB8AC3E}">
-        <p14:creationId xmlns:p14="http://schemas.microsoft.com/office/powerpoint/2010/main" val="2677605873"/>
-      </p:ext>
-    </p:extLst>
-  </p:cSld>
-  <p:clrMapOvr>
-    <a:masterClrMapping/>
-  </p:clrMapOvr>
-  <p:timing>
-    <p:tnLst>
-      <p:par>
-        <p:cTn id="1" dur="indefinite" restart="never" nodeType="tmRoot"/>
-      </p:par>
-    </p:tnLst>
-  </p:timing>
-</p:sld>
-</file>
-
-<file path=ppt/slides/slide7.xml><?xml version="1.0" encoding="utf-8"?>
-<p:sld xmlns:a="http://schemas.openxmlformats.org/drawingml/2006/main" xmlns:r="http://schemas.openxmlformats.org/officeDocument/2006/relationships" xmlns:p="http://schemas.openxmlformats.org/presentationml/2006/main">
-  <p:cSld>
-    <p:spTree>
-      <p:nvGrpSpPr>
-        <p:cNvPr id="1" name=""/>
-        <p:cNvGrpSpPr/>
-        <p:nvPr/>
-      </p:nvGrpSpPr>
-      <p:grpSpPr>
-        <a:xfrm>
-          <a:off x="0" y="0"/>
-          <a:ext cx="0" cy="0"/>
-          <a:chOff x="0" y="0"/>
-          <a:chExt cx="0" cy="0"/>
-        </a:xfrm>
-      </p:grpSpPr>
-      <p:sp>
-        <p:nvSpPr>
-          <p:cNvPr id="2" name="Titre 1"/>
-          <p:cNvSpPr>
-            <a:spLocks noGrp="1"/>
-          </p:cNvSpPr>
-          <p:nvPr>
-            <p:ph type="title"/>
-          </p:nvPr>
-        </p:nvSpPr>
-        <p:spPr/>
-        <p:txBody>
-          <a:bodyPr/>
-          <a:lstStyle/>
-          <a:p>
-            <a:r>
-              <a:rPr lang="fr-FR" dirty="0" smtClean="0"/>
-              <a:t>Transposée</a:t>
-            </a:r>
-            <a:endParaRPr lang="fr-FR" dirty="0"/>
-          </a:p>
-        </p:txBody>
-      </p:sp>
-      <p:sp>
-        <p:nvSpPr>
-          <p:cNvPr id="3" name="Espace réservé du contenu 2"/>
-          <p:cNvSpPr>
-            <a:spLocks noGrp="1"/>
-          </p:cNvSpPr>
-          <p:nvPr>
-            <p:ph idx="1"/>
-          </p:nvPr>
-        </p:nvSpPr>
-        <p:spPr/>
-        <p:txBody>
-          <a:bodyPr/>
-          <a:lstStyle/>
-          <a:p>
-            <a:r>
-              <a:rPr lang="fr-FR" dirty="0" err="1" smtClean="0"/>
-              <a:t>x.T</a:t>
-            </a:r>
-            <a:endParaRPr lang="fr-FR" dirty="0" smtClean="0"/>
-          </a:p>
-          <a:p>
-            <a:pPr lvl="1"/>
-            <a:r>
-              <a:rPr lang="fr-FR" dirty="0" smtClean="0"/>
-              <a:t>Transposition d’une matrice </a:t>
-            </a:r>
-          </a:p>
-          <a:p>
-            <a:pPr lvl="1"/>
-            <a:r>
-              <a:rPr lang="fr-FR" dirty="0" smtClean="0"/>
-              <a:t>inversion ligne colonne</a:t>
-            </a:r>
-          </a:p>
-        </p:txBody>
-      </p:sp>
-    </p:spTree>
-    <p:extLst>
-      <p:ext uri="{BB962C8B-B14F-4D97-AF65-F5344CB8AC3E}">
-        <p14:creationId xmlns:p14="http://schemas.microsoft.com/office/powerpoint/2010/main" val="2378058673"/>
-      </p:ext>
-    </p:extLst>
-  </p:cSld>
-  <p:clrMapOvr>
-    <a:masterClrMapping/>
-  </p:clrMapOvr>
-  <p:timing>
-    <p:tnLst>
-      <p:par>
-        <p:cTn id="1" dur="indefinite" restart="never" nodeType="tmRoot"/>
-      </p:par>
-    </p:tnLst>
-  </p:timing>
-</p:sld>
-</file>
-
-<file path=ppt/slides/slide8.xml><?xml version="1.0" encoding="utf-8"?>
-<p:sld xmlns:a="http://schemas.openxmlformats.org/drawingml/2006/main" xmlns:r="http://schemas.openxmlformats.org/officeDocument/2006/relationships" xmlns:p="http://schemas.openxmlformats.org/presentationml/2006/main">
-  <p:cSld>
-    <p:spTree>
-      <p:nvGrpSpPr>
-        <p:cNvPr id="1" name=""/>
-        <p:cNvGrpSpPr/>
-        <p:nvPr/>
-      </p:nvGrpSpPr>
-      <p:grpSpPr>
-        <a:xfrm>
-          <a:off x="0" y="0"/>
-          <a:ext cx="0" cy="0"/>
-          <a:chOff x="0" y="0"/>
-          <a:chExt cx="0" cy="0"/>
-        </a:xfrm>
-      </p:grpSpPr>
-      <p:sp>
-        <p:nvSpPr>
-          <p:cNvPr id="2" name="Titre 1"/>
-          <p:cNvSpPr>
-            <a:spLocks noGrp="1"/>
-          </p:cNvSpPr>
-          <p:nvPr>
-            <p:ph type="title"/>
-          </p:nvPr>
-        </p:nvSpPr>
-        <p:spPr/>
-        <p:txBody>
-          <a:bodyPr/>
-          <a:lstStyle/>
-          <a:p>
-            <a:r>
-              <a:rPr lang="fr-FR" dirty="0" smtClean="0"/>
-              <a:t>Produit scalaire</a:t>
-            </a:r>
-            <a:endParaRPr lang="fr-FR" dirty="0"/>
-          </a:p>
-        </p:txBody>
-      </p:sp>
-      <p:sp>
-        <p:nvSpPr>
-          <p:cNvPr id="3" name="Espace réservé du contenu 2"/>
-          <p:cNvSpPr>
-            <a:spLocks noGrp="1"/>
-          </p:cNvSpPr>
-          <p:nvPr>
-            <p:ph idx="1"/>
-          </p:nvPr>
-        </p:nvSpPr>
-        <p:spPr/>
-        <p:txBody>
-          <a:bodyPr/>
-          <a:lstStyle/>
-          <a:p>
-            <a:r>
-              <a:rPr lang="fr-FR" dirty="0" smtClean="0"/>
-              <a:t>np.dot(</a:t>
-            </a:r>
-            <a:r>
-              <a:rPr lang="fr-FR" dirty="0" err="1" smtClean="0"/>
-              <a:t>x,y</a:t>
-            </a:r>
-            <a:r>
-              <a:rPr lang="fr-FR" dirty="0" smtClean="0"/>
-              <a:t>)</a:t>
-            </a:r>
-          </a:p>
-          <a:p>
-            <a:pPr lvl="1"/>
-            <a:r>
-              <a:rPr lang="fr-FR" dirty="0" smtClean="0"/>
-              <a:t>Multiplication scalaire de 2 matrices</a:t>
-            </a:r>
-            <a:endParaRPr lang="fr-FR" dirty="0"/>
-          </a:p>
-          <a:p>
-            <a:r>
-              <a:rPr lang="fr-FR" dirty="0"/>
-              <a:t>x</a:t>
-            </a:r>
-            <a:r>
-              <a:rPr lang="fr-FR" dirty="0" smtClean="0"/>
-              <a:t>.dot(y)</a:t>
-            </a:r>
-          </a:p>
-          <a:p>
-            <a:pPr lvl="1"/>
-            <a:r>
-              <a:rPr lang="fr-FR" dirty="0" smtClean="0"/>
-              <a:t>Ecriture OO</a:t>
-            </a:r>
-            <a:endParaRPr lang="fr-FR" dirty="0"/>
-          </a:p>
-        </p:txBody>
-      </p:sp>
-    </p:spTree>
-    <p:extLst>
-      <p:ext uri="{BB962C8B-B14F-4D97-AF65-F5344CB8AC3E}">
-        <p14:creationId xmlns:p14="http://schemas.microsoft.com/office/powerpoint/2010/main" val="2976583856"/>
-      </p:ext>
-    </p:extLst>
-  </p:cSld>
-  <p:clrMapOvr>
-    <a:masterClrMapping/>
-  </p:clrMapOvr>
-  <p:timing>
-    <p:tnLst>
-      <p:par>
-        <p:cTn id="1" dur="indefinite" restart="never" nodeType="tmRoot"/>
-      </p:par>
-    </p:tnLst>
-  </p:timing>
-</p:sld>
-</file>
-
 <file path=ppt/slides/slide9.xml><?xml version="1.0" encoding="utf-8"?>
 <p:sld xmlns:a="http://schemas.openxmlformats.org/drawingml/2006/main" xmlns:r="http://schemas.openxmlformats.org/officeDocument/2006/relationships" xmlns:p="http://schemas.openxmlformats.org/presentationml/2006/main">
   <p:cSld>
@@ -5418,7 +6520,7 @@
           <a:p>
             <a:r>
               <a:rPr lang="fr-FR" dirty="0" smtClean="0"/>
-              <a:t>Calcul de la régression linéaire</a:t>
+              <a:t>Transposée</a:t>
             </a:r>
             <a:endParaRPr lang="fr-FR" dirty="0"/>
           </a:p>
@@ -5440,106 +6542,31 @@
           <a:lstStyle/>
           <a:p>
             <a:r>
-              <a:rPr lang="fr-FR" dirty="0"/>
-              <a:t>x = </a:t>
-            </a:r>
-            <a:r>
-              <a:rPr lang="fr-FR" dirty="0" err="1"/>
-              <a:t>np.matrix</a:t>
-            </a:r>
-            <a:r>
-              <a:rPr lang="fr-FR" dirty="0"/>
-              <a:t>([</a:t>
-            </a:r>
-            <a:r>
-              <a:rPr lang="fr-FR" dirty="0" err="1"/>
-              <a:t>np.ones</a:t>
-            </a:r>
-            <a:r>
-              <a:rPr lang="fr-FR" dirty="0"/>
-              <a:t>(</a:t>
-            </a:r>
-            <a:r>
-              <a:rPr lang="fr-FR" dirty="0" err="1"/>
-              <a:t>surfaces.shape</a:t>
-            </a:r>
-            <a:r>
-              <a:rPr lang="fr-FR" dirty="0"/>
-              <a:t>[0]), surfaces]).T</a:t>
-            </a:r>
-          </a:p>
-          <a:p>
-            <a:r>
-              <a:rPr lang="fr-FR" dirty="0"/>
-              <a:t>y = </a:t>
-            </a:r>
-            <a:r>
-              <a:rPr lang="fr-FR" dirty="0" err="1"/>
-              <a:t>np.matrix</a:t>
-            </a:r>
-            <a:r>
-              <a:rPr lang="fr-FR" dirty="0"/>
-              <a:t>(loyers).T</a:t>
-            </a:r>
-          </a:p>
-          <a:p>
-            <a:r>
-              <a:rPr lang="fr-FR" dirty="0" err="1"/>
-              <a:t>theta</a:t>
-            </a:r>
-            <a:r>
-              <a:rPr lang="fr-FR" dirty="0"/>
-              <a:t> = </a:t>
-            </a:r>
-            <a:r>
-              <a:rPr lang="fr-FR" dirty="0" err="1"/>
-              <a:t>np.linalg.inv</a:t>
-            </a:r>
-            <a:r>
-              <a:rPr lang="fr-FR" dirty="0"/>
-              <a:t>(x.T.dot(x)).dot(</a:t>
-            </a:r>
-            <a:r>
-              <a:rPr lang="fr-FR" dirty="0" err="1"/>
+              <a:rPr lang="fr-FR" dirty="0" err="1" smtClean="0"/>
               <a:t>x.T</a:t>
             </a:r>
-            <a:r>
-              <a:rPr lang="fr-FR" dirty="0"/>
-              <a:t>).dot(y</a:t>
-            </a:r>
-            <a:r>
-              <a:rPr lang="fr-FR" dirty="0" smtClean="0"/>
-              <a:t>)</a:t>
-            </a:r>
-          </a:p>
-          <a:p>
-            <a:r>
-              <a:rPr lang="fr-FR" dirty="0" smtClean="0"/>
-              <a:t>#</a:t>
-            </a:r>
-            <a:r>
-              <a:rPr lang="fr-FR" dirty="0" err="1" smtClean="0"/>
-              <a:t>theta</a:t>
-            </a:r>
-            <a:r>
-              <a:rPr lang="fr-FR" dirty="0" smtClean="0"/>
-              <a:t> = (b, a) pour f=</a:t>
-            </a:r>
-            <a:r>
-              <a:rPr lang="fr-FR" dirty="0" err="1" smtClean="0"/>
-              <a:t>ax+b</a:t>
-            </a:r>
             <a:endParaRPr lang="fr-FR" dirty="0" smtClean="0"/>
           </a:p>
           <a:p>
-            <a:endParaRPr lang="fr-FR" dirty="0" smtClean="0"/>
+            <a:pPr lvl="1"/>
+            <a:r>
+              <a:rPr lang="fr-FR" dirty="0" smtClean="0"/>
+              <a:t>Transposition d’une matrice </a:t>
+            </a:r>
+          </a:p>
+          <a:p>
+            <a:pPr lvl="1"/>
+            <a:r>
+              <a:rPr lang="fr-FR" dirty="0" smtClean="0"/>
+              <a:t>inversion ligne colonne</a:t>
+            </a:r>
           </a:p>
         </p:txBody>
       </p:sp>
     </p:spTree>
     <p:extLst>
       <p:ext uri="{BB962C8B-B14F-4D97-AF65-F5344CB8AC3E}">
-        <p14:creationId xmlns:p14="http://schemas.microsoft.com/office/powerpoint/2010/main" val="3823422169"/>
+        <p14:creationId xmlns:p14="http://schemas.microsoft.com/office/powerpoint/2010/main" val="2378058673"/>
       </p:ext>
     </p:extLst>
   </p:cSld>

--- a/ppt/PythonMath07-NumpyMatrix.pptx
+++ b/ppt/PythonMath07-NumpyMatrix.pptx
@@ -5,10 +5,10 @@
     <p:sldMasterId id="2147483653" r:id="rId1"/>
   </p:sldMasterIdLst>
   <p:notesMasterIdLst>
-    <p:notesMasterId r:id="rId22"/>
+    <p:notesMasterId r:id="rId21"/>
   </p:notesMasterIdLst>
   <p:handoutMasterIdLst>
-    <p:handoutMasterId r:id="rId23"/>
+    <p:handoutMasterId r:id="rId22"/>
   </p:handoutMasterIdLst>
   <p:sldIdLst>
     <p:sldId id="264" r:id="rId2"/>
@@ -16,21 +16,20 @@
     <p:sldId id="294" r:id="rId4"/>
     <p:sldId id="267" r:id="rId5"/>
     <p:sldId id="268" r:id="rId6"/>
-    <p:sldId id="286" r:id="rId7"/>
-    <p:sldId id="296" r:id="rId8"/>
-    <p:sldId id="285" r:id="rId9"/>
-    <p:sldId id="283" r:id="rId10"/>
-    <p:sldId id="274" r:id="rId11"/>
-    <p:sldId id="284" r:id="rId12"/>
-    <p:sldId id="288" r:id="rId13"/>
-    <p:sldId id="291" r:id="rId14"/>
-    <p:sldId id="297" r:id="rId15"/>
-    <p:sldId id="298" r:id="rId16"/>
-    <p:sldId id="299" r:id="rId17"/>
-    <p:sldId id="289" r:id="rId18"/>
-    <p:sldId id="292" r:id="rId19"/>
-    <p:sldId id="290" r:id="rId20"/>
-    <p:sldId id="295" r:id="rId21"/>
+    <p:sldId id="296" r:id="rId7"/>
+    <p:sldId id="285" r:id="rId8"/>
+    <p:sldId id="283" r:id="rId9"/>
+    <p:sldId id="274" r:id="rId10"/>
+    <p:sldId id="284" r:id="rId11"/>
+    <p:sldId id="288" r:id="rId12"/>
+    <p:sldId id="291" r:id="rId13"/>
+    <p:sldId id="297" r:id="rId14"/>
+    <p:sldId id="298" r:id="rId15"/>
+    <p:sldId id="299" r:id="rId16"/>
+    <p:sldId id="289" r:id="rId17"/>
+    <p:sldId id="292" r:id="rId18"/>
+    <p:sldId id="290" r:id="rId19"/>
+    <p:sldId id="295" r:id="rId20"/>
   </p:sldIdLst>
   <p:sldSz cx="9144000" cy="6858000" type="screen4x3"/>
   <p:notesSz cx="6648450" cy="9782175"/>
@@ -3834,107 +3833,73 @@
           <a:lstStyle/>
           <a:p>
             <a:r>
+              <a:rPr lang="fr-FR" dirty="0" smtClean="0"/>
+              <a:t>Produit scalaire</a:t>
+            </a:r>
+            <a:endParaRPr lang="fr-FR" dirty="0"/>
+          </a:p>
+        </p:txBody>
+      </p:sp>
+      <p:sp>
+        <p:nvSpPr>
+          <p:cNvPr id="3" name="Espace réservé du contenu 2"/>
+          <p:cNvSpPr>
+            <a:spLocks noGrp="1"/>
+          </p:cNvSpPr>
+          <p:nvPr>
+            <p:ph idx="1"/>
+          </p:nvPr>
+        </p:nvSpPr>
+        <p:spPr/>
+        <p:txBody>
+          <a:bodyPr/>
+          <a:lstStyle/>
+          <a:p>
+            <a:r>
+              <a:rPr lang="fr-FR" dirty="0" smtClean="0"/>
+              <a:t>np.dot(</a:t>
+            </a:r>
+            <a:r>
               <a:rPr lang="fr-FR" dirty="0" err="1" smtClean="0"/>
-              <a:t>Random</a:t>
+              <a:t>x,y</a:t>
+            </a:r>
+            <a:r>
+              <a:rPr lang="fr-FR" dirty="0" smtClean="0"/>
+              <a:t>)</a:t>
+            </a:r>
+          </a:p>
+          <a:p>
+            <a:pPr lvl="1"/>
+            <a:r>
+              <a:rPr lang="fr-FR" dirty="0" smtClean="0"/>
+              <a:t>Multiplication scalaire de 2 matrices</a:t>
             </a:r>
             <a:endParaRPr lang="fr-FR" dirty="0"/>
           </a:p>
-        </p:txBody>
-      </p:sp>
-      <p:pic>
-        <p:nvPicPr>
-          <p:cNvPr id="4" name="Image 3"/>
-          <p:cNvPicPr>
-            <a:picLocks noChangeAspect="1"/>
-          </p:cNvPicPr>
-          <p:nvPr/>
-        </p:nvPicPr>
-        <p:blipFill>
-          <a:blip r:embed="rId2"/>
-          <a:stretch>
-            <a:fillRect/>
-          </a:stretch>
-        </p:blipFill>
-        <p:spPr>
-          <a:xfrm>
-            <a:off x="827584" y="1156209"/>
-            <a:ext cx="7466207" cy="3744416"/>
-          </a:xfrm>
-          <a:prstGeom prst="rect">
-            <a:avLst/>
-          </a:prstGeom>
-        </p:spPr>
-      </p:pic>
-      <p:pic>
-        <p:nvPicPr>
-          <p:cNvPr id="5" name="Image 4"/>
-          <p:cNvPicPr>
-            <a:picLocks noChangeAspect="1"/>
-          </p:cNvPicPr>
-          <p:nvPr/>
-        </p:nvPicPr>
-        <p:blipFill>
-          <a:blip r:embed="rId3"/>
-          <a:stretch>
-            <a:fillRect/>
-          </a:stretch>
-        </p:blipFill>
-        <p:spPr>
-          <a:xfrm>
-            <a:off x="987797" y="4925348"/>
-            <a:ext cx="4130270" cy="720080"/>
-          </a:xfrm>
-          <a:prstGeom prst="rect">
-            <a:avLst/>
-          </a:prstGeom>
-        </p:spPr>
-      </p:pic>
-      <p:sp>
-        <p:nvSpPr>
-          <p:cNvPr id="6" name="ZoneTexte 5"/>
-          <p:cNvSpPr txBox="1"/>
-          <p:nvPr/>
-        </p:nvSpPr>
-        <p:spPr>
-          <a:xfrm>
-            <a:off x="5533099" y="4968542"/>
-            <a:ext cx="3643946" cy="1015663"/>
-          </a:xfrm>
-          <a:prstGeom prst="rect">
-            <a:avLst/>
-          </a:prstGeom>
-          <a:noFill/>
-        </p:spPr>
-        <p:txBody>
-          <a:bodyPr wrap="none" rtlCol="0">
-            <a:spAutoFit/>
-          </a:bodyPr>
-          <a:lstStyle/>
-          <a:p>
-            <a:r>
-              <a:rPr lang="fr-FR" sz="2000" dirty="0" smtClean="0"/>
-              <a:t>0 veut dire par ligne</a:t>
-            </a:r>
-          </a:p>
-          <a:p>
-            <a:r>
-              <a:rPr lang="fr-FR" sz="2000" dirty="0" smtClean="0"/>
-              <a:t>1 veut dire par colonne</a:t>
-            </a:r>
-          </a:p>
-          <a:p>
-            <a:r>
-              <a:rPr lang="fr-FR" sz="2000" dirty="0" smtClean="0"/>
-              <a:t>Absent veut dire somme totale</a:t>
-            </a:r>
-            <a:endParaRPr lang="fr-FR" sz="2000" dirty="0"/>
+          <a:p>
+            <a:r>
+              <a:rPr lang="fr-FR" dirty="0"/>
+              <a:t>x</a:t>
+            </a:r>
+            <a:r>
+              <a:rPr lang="fr-FR" dirty="0" smtClean="0"/>
+              <a:t>.dot(y)</a:t>
+            </a:r>
+          </a:p>
+          <a:p>
+            <a:pPr lvl="1"/>
+            <a:r>
+              <a:rPr lang="fr-FR" dirty="0" smtClean="0"/>
+              <a:t>Ecriture OO</a:t>
+            </a:r>
+            <a:endParaRPr lang="fr-FR" dirty="0"/>
           </a:p>
         </p:txBody>
       </p:sp>
     </p:spTree>
     <p:extLst>
       <p:ext uri="{BB962C8B-B14F-4D97-AF65-F5344CB8AC3E}">
-        <p14:creationId xmlns:p14="http://schemas.microsoft.com/office/powerpoint/2010/main" val="2677605873"/>
+        <p14:creationId xmlns:p14="http://schemas.microsoft.com/office/powerpoint/2010/main" val="2976583856"/>
       </p:ext>
     </p:extLst>
   </p:cSld>
@@ -3984,8 +3949,8 @@
           <a:lstStyle/>
           <a:p>
             <a:r>
-              <a:rPr lang="fr-FR" dirty="0" smtClean="0"/>
-              <a:t>Produit scalaire</a:t>
+              <a:rPr lang="fr-FR" dirty="0" err="1" smtClean="0"/>
+              <a:t>Matplotlib</a:t>
             </a:r>
             <a:endParaRPr lang="fr-FR" dirty="0"/>
           </a:p>
@@ -4007,42 +3972,23 @@
           <a:lstStyle/>
           <a:p>
             <a:r>
-              <a:rPr lang="fr-FR" dirty="0" smtClean="0"/>
-              <a:t>np.dot(</a:t>
-            </a:r>
-            <a:r>
               <a:rPr lang="fr-FR" dirty="0" err="1" smtClean="0"/>
-              <a:t>x,y</a:t>
-            </a:r>
-            <a:r>
-              <a:rPr lang="fr-FR" dirty="0" smtClean="0"/>
-              <a:t>)</a:t>
+              <a:t>Matplotlib</a:t>
+            </a:r>
+            <a:r>
+              <a:rPr lang="fr-FR" dirty="0" smtClean="0"/>
+              <a:t> est complètement compatible avec les matrices</a:t>
             </a:r>
           </a:p>
           <a:p>
             <a:pPr lvl="1"/>
             <a:r>
               <a:rPr lang="fr-FR" dirty="0" smtClean="0"/>
-              <a:t>Multiplication scalaire de 2 matrices</a:t>
+              <a:t>Soit un seul paramètre au lieu de 2</a:t>
             </a:r>
             <a:endParaRPr lang="fr-FR" dirty="0"/>
           </a:p>
           <a:p>
-            <a:r>
-              <a:rPr lang="fr-FR" dirty="0"/>
-              <a:t>x</a:t>
-            </a:r>
-            <a:r>
-              <a:rPr lang="fr-FR" dirty="0" smtClean="0"/>
-              <a:t>.dot(y)</a:t>
-            </a:r>
-          </a:p>
-          <a:p>
-            <a:pPr lvl="1"/>
-            <a:r>
-              <a:rPr lang="fr-FR" dirty="0" smtClean="0"/>
-              <a:t>Ecriture OO</a:t>
-            </a:r>
             <a:endParaRPr lang="fr-FR" dirty="0"/>
           </a:p>
         </p:txBody>
@@ -4050,7 +3996,7 @@
     </p:spTree>
     <p:extLst>
       <p:ext uri="{BB962C8B-B14F-4D97-AF65-F5344CB8AC3E}">
-        <p14:creationId xmlns:p14="http://schemas.microsoft.com/office/powerpoint/2010/main" val="2976583856"/>
+        <p14:creationId xmlns:p14="http://schemas.microsoft.com/office/powerpoint/2010/main" val="1642682028"/>
       </p:ext>
     </p:extLst>
   </p:cSld>
@@ -4100,8 +4046,8 @@
           <a:lstStyle/>
           <a:p>
             <a:r>
-              <a:rPr lang="fr-FR" dirty="0" err="1" smtClean="0"/>
-              <a:t>Matplotlib</a:t>
+              <a:rPr lang="fr-FR" dirty="0" smtClean="0"/>
+              <a:t>Les filtres</a:t>
             </a:r>
             <a:endParaRPr lang="fr-FR" dirty="0"/>
           </a:p>
@@ -4123,23 +4069,100 @@
           <a:lstStyle/>
           <a:p>
             <a:r>
+              <a:rPr lang="fr-FR" dirty="0" smtClean="0"/>
+              <a:t>Les filtres </a:t>
+            </a:r>
+            <a:r>
               <a:rPr lang="fr-FR" dirty="0" err="1" smtClean="0"/>
-              <a:t>Matplotlib</a:t>
-            </a:r>
-            <a:r>
-              <a:rPr lang="fr-FR" dirty="0" smtClean="0"/>
-              <a:t> est complètement compatible avec les matrices</a:t>
-            </a:r>
-          </a:p>
-          <a:p>
-            <a:pPr lvl="1"/>
-            <a:r>
-              <a:rPr lang="fr-FR" dirty="0" smtClean="0"/>
-              <a:t>Soit un seul paramètre au lieu de 2</a:t>
+              <a:t>numpy</a:t>
+            </a:r>
+            <a:r>
+              <a:rPr lang="fr-FR" dirty="0" smtClean="0"/>
+              <a:t> sont les filtres Python</a:t>
+            </a:r>
+          </a:p>
+          <a:p>
+            <a:r>
+              <a:rPr lang="fr-FR" dirty="0" smtClean="0"/>
+              <a:t>[</a:t>
+            </a:r>
+            <a:r>
+              <a:rPr lang="fr-FR" dirty="0" err="1" smtClean="0"/>
+              <a:t>x:y</a:t>
+            </a:r>
+            <a:r>
+              <a:rPr lang="fr-FR" dirty="0" smtClean="0"/>
+              <a:t>] filtre les lignes de x à y-1</a:t>
+            </a:r>
+          </a:p>
+          <a:p>
+            <a:r>
+              <a:rPr lang="fr-FR" dirty="0" smtClean="0"/>
+              <a:t>[:y] filtre les lignes de 0 à y-1</a:t>
+            </a:r>
+          </a:p>
+          <a:p>
+            <a:r>
+              <a:rPr lang="fr-FR" dirty="0" smtClean="0"/>
+              <a:t>[x:] filtre les lignes de x à la fin</a:t>
+            </a:r>
+          </a:p>
+          <a:p>
+            <a:r>
+              <a:rPr lang="fr-FR" dirty="0" smtClean="0"/>
+              <a:t>[</a:t>
+            </a:r>
+            <a:r>
+              <a:rPr lang="fr-FR" dirty="0" err="1" smtClean="0"/>
+              <a:t>a:b</a:t>
+            </a:r>
+            <a:r>
+              <a:rPr lang="fr-FR" dirty="0" smtClean="0"/>
+              <a:t>, x:y] filtrer les lignes et les colonnes de x à y-1</a:t>
             </a:r>
             <a:endParaRPr lang="fr-FR" dirty="0"/>
           </a:p>
           <a:p>
+            <a:r>
+              <a:rPr lang="fr-FR" dirty="0" smtClean="0"/>
+              <a:t>[:,</a:t>
+            </a:r>
+            <a:r>
+              <a:rPr lang="fr-FR" dirty="0" err="1" smtClean="0"/>
+              <a:t>x,y</a:t>
+            </a:r>
+            <a:r>
+              <a:rPr lang="fr-FR" dirty="0" smtClean="0"/>
+              <a:t>] filtre uniquement les colonnes</a:t>
+            </a:r>
+          </a:p>
+          <a:p>
+            <a:r>
+              <a:rPr lang="fr-FR" dirty="0" smtClean="0"/>
+              <a:t>[[</a:t>
+            </a:r>
+            <a:r>
+              <a:rPr lang="fr-FR" dirty="0" err="1" smtClean="0"/>
+              <a:t>True</a:t>
+            </a:r>
+            <a:r>
+              <a:rPr lang="fr-FR" dirty="0" smtClean="0"/>
+              <a:t>, False, </a:t>
+            </a:r>
+            <a:r>
+              <a:rPr lang="fr-FR" dirty="0" err="1" smtClean="0"/>
+              <a:t>True</a:t>
+            </a:r>
+            <a:r>
+              <a:rPr lang="fr-FR" dirty="0" smtClean="0"/>
+              <a:t>]] : filtre l’indice 0 et 2</a:t>
+            </a:r>
+          </a:p>
+          <a:p>
+            <a:r>
+              <a:rPr lang="fr-FR" dirty="0" smtClean="0"/>
+              <a:t>[x &lt; y] : Renvoie un tableau de booléen</a:t>
+            </a:r>
             <a:endParaRPr lang="fr-FR" dirty="0"/>
           </a:p>
         </p:txBody>
@@ -4147,13 +4170,20 @@
     </p:spTree>
     <p:extLst>
       <p:ext uri="{BB962C8B-B14F-4D97-AF65-F5344CB8AC3E}">
-        <p14:creationId xmlns:p14="http://schemas.microsoft.com/office/powerpoint/2010/main" val="1642682028"/>
+        <p14:creationId xmlns:p14="http://schemas.microsoft.com/office/powerpoint/2010/main" val="1149557826"/>
       </p:ext>
     </p:extLst>
   </p:cSld>
   <p:clrMapOvr>
     <a:masterClrMapping/>
   </p:clrMapOvr>
+  <p:timing>
+    <p:tnLst>
+      <p:par>
+        <p:cTn id="1" dur="indefinite" restart="never" nodeType="tmRoot"/>
+      </p:par>
+    </p:tnLst>
+  </p:timing>
 </p:sld>
 </file>
 
@@ -4176,7 +4206,13 @@
       </p:grpSpPr>
       <p:sp>
         <p:nvSpPr>
-          <p:cNvPr id="2" name="Titre 1"/>
+          <p:cNvPr id="2" name="Title 1">
+            <a:extLst>
+              <a:ext uri="{FF2B5EF4-FFF2-40B4-BE49-F238E27FC236}">
+                <a16:creationId xmlns:a16="http://schemas.microsoft.com/office/drawing/2014/main" id="{359829A8-3687-423E-8E54-A142B03D0B1D}"/>
+              </a:ext>
+            </a:extLst>
+          </p:cNvPr>
           <p:cNvSpPr>
             <a:spLocks noGrp="1"/>
           </p:cNvSpPr>
@@ -4190,16 +4226,21 @@
           <a:lstStyle/>
           <a:p>
             <a:r>
-              <a:rPr lang="fr-FR" dirty="0" smtClean="0"/>
-              <a:t>Les filtres</a:t>
-            </a:r>
-            <a:endParaRPr lang="fr-FR" dirty="0"/>
+              <a:rPr lang="en-US" dirty="0"/>
+              <a:t>Indexing</a:t>
+            </a:r>
           </a:p>
         </p:txBody>
       </p:sp>
       <p:sp>
         <p:nvSpPr>
-          <p:cNvPr id="3" name="Espace réservé du contenu 2"/>
+          <p:cNvPr id="3" name="Content Placeholder 2">
+            <a:extLst>
+              <a:ext uri="{FF2B5EF4-FFF2-40B4-BE49-F238E27FC236}">
+                <a16:creationId xmlns:a16="http://schemas.microsoft.com/office/drawing/2014/main" id="{F1A9F7A8-CCA5-49A9-8B3C-99C2259F06B9}"/>
+              </a:ext>
+            </a:extLst>
+          </p:cNvPr>
           <p:cNvSpPr>
             <a:spLocks noGrp="1"/>
           </p:cNvSpPr>
@@ -4209,122 +4250,132 @@
         </p:nvSpPr>
         <p:spPr/>
         <p:txBody>
-          <a:bodyPr/>
+          <a:bodyPr>
+            <a:normAutofit/>
+          </a:bodyPr>
           <a:lstStyle/>
           <a:p>
-            <a:r>
-              <a:rPr lang="fr-FR" dirty="0" smtClean="0"/>
-              <a:t>Les filtres </a:t>
-            </a:r>
-            <a:r>
-              <a:rPr lang="fr-FR" dirty="0" err="1" smtClean="0"/>
-              <a:t>numpy</a:t>
-            </a:r>
-            <a:r>
-              <a:rPr lang="fr-FR" dirty="0" smtClean="0"/>
-              <a:t> sont les filtres Python</a:t>
-            </a:r>
-          </a:p>
-          <a:p>
-            <a:r>
-              <a:rPr lang="fr-FR" dirty="0" smtClean="0"/>
-              <a:t>[</a:t>
-            </a:r>
-            <a:r>
-              <a:rPr lang="fr-FR" dirty="0" err="1" smtClean="0"/>
-              <a:t>x:y</a:t>
-            </a:r>
-            <a:r>
-              <a:rPr lang="fr-FR" dirty="0" smtClean="0"/>
-              <a:t>] filtre les lignes de x à y-1</a:t>
-            </a:r>
-          </a:p>
-          <a:p>
-            <a:r>
-              <a:rPr lang="fr-FR" dirty="0" smtClean="0"/>
-              <a:t>[:y] filtre les lignes de 0 à y-1</a:t>
-            </a:r>
-          </a:p>
-          <a:p>
-            <a:r>
-              <a:rPr lang="fr-FR" dirty="0" smtClean="0"/>
-              <a:t>[x:] filtre les lignes de x à la fin</a:t>
-            </a:r>
-          </a:p>
-          <a:p>
-            <a:r>
-              <a:rPr lang="fr-FR" dirty="0" smtClean="0"/>
-              <a:t>[</a:t>
-            </a:r>
-            <a:r>
-              <a:rPr lang="fr-FR" dirty="0" err="1" smtClean="0"/>
-              <a:t>a:b</a:t>
-            </a:r>
-            <a:r>
-              <a:rPr lang="fr-FR" dirty="0" smtClean="0"/>
-              <a:t>, x:y] filtrer les lignes et les colonnes de x à y-1</a:t>
-            </a:r>
-            <a:endParaRPr lang="fr-FR" dirty="0"/>
-          </a:p>
-          <a:p>
-            <a:r>
-              <a:rPr lang="fr-FR" dirty="0" smtClean="0"/>
-              <a:t>[:,</a:t>
-            </a:r>
-            <a:r>
-              <a:rPr lang="fr-FR" dirty="0" err="1" smtClean="0"/>
-              <a:t>x,y</a:t>
-            </a:r>
-            <a:r>
-              <a:rPr lang="fr-FR" dirty="0" smtClean="0"/>
-              <a:t>] filtre uniquement les colonnes</a:t>
-            </a:r>
-          </a:p>
-          <a:p>
-            <a:r>
-              <a:rPr lang="fr-FR" dirty="0" smtClean="0"/>
-              <a:t>[[</a:t>
-            </a:r>
-            <a:r>
-              <a:rPr lang="fr-FR" dirty="0" err="1" smtClean="0"/>
-              <a:t>True</a:t>
-            </a:r>
-            <a:r>
-              <a:rPr lang="fr-FR" dirty="0" smtClean="0"/>
-              <a:t>, False, </a:t>
-            </a:r>
-            <a:r>
-              <a:rPr lang="fr-FR" dirty="0" err="1" smtClean="0"/>
-              <a:t>True</a:t>
-            </a:r>
-            <a:r>
-              <a:rPr lang="fr-FR" dirty="0" smtClean="0"/>
-              <a:t>]] : filtre l’indice 0 et 2</a:t>
-            </a:r>
-          </a:p>
-          <a:p>
-            <a:r>
-              <a:rPr lang="fr-FR" dirty="0" smtClean="0"/>
-              <a:t>[x &lt; y] : Renvoie un tableau </a:t>
-            </a:r>
-            <a:r>
-              <a:rPr lang="fr-FR" smtClean="0"/>
-              <a:t>de booléen</a:t>
-            </a:r>
-            <a:endParaRPr lang="fr-FR" dirty="0"/>
+            <a:pPr marL="0" indent="0">
+              <a:buNone/>
+            </a:pPr>
+            <a:r>
+              <a:rPr lang="en-US" sz="1950" dirty="0">
+                <a:latin typeface="Courier New" panose="02070309020205020404" pitchFamily="49" charset="0"/>
+                <a:cs typeface="Courier New" panose="02070309020205020404" pitchFamily="49" charset="0"/>
+              </a:rPr>
+              <a:t>x[0,0]  	# top-left element</a:t>
+            </a:r>
+          </a:p>
+          <a:p>
+            <a:pPr marL="0" indent="0">
+              <a:buNone/>
+            </a:pPr>
+            <a:r>
+              <a:rPr lang="en-US" sz="1950" dirty="0">
+                <a:latin typeface="Courier New" panose="02070309020205020404" pitchFamily="49" charset="0"/>
+                <a:cs typeface="Courier New" panose="02070309020205020404" pitchFamily="49" charset="0"/>
+              </a:rPr>
+              <a:t>x[0,-1] 	# first row, last column</a:t>
+            </a:r>
+          </a:p>
+          <a:p>
+            <a:pPr marL="0" indent="0">
+              <a:buNone/>
+            </a:pPr>
+            <a:r>
+              <a:rPr lang="en-US" sz="1950" dirty="0">
+                <a:latin typeface="Courier New" panose="02070309020205020404" pitchFamily="49" charset="0"/>
+                <a:cs typeface="Courier New" panose="02070309020205020404" pitchFamily="49" charset="0"/>
+              </a:rPr>
+              <a:t>x[0,:]	# first row (many entries)</a:t>
+            </a:r>
+          </a:p>
+          <a:p>
+            <a:pPr marL="0" indent="0">
+              <a:buNone/>
+            </a:pPr>
+            <a:r>
+              <a:rPr lang="en-US" sz="1950" dirty="0">
+                <a:latin typeface="Courier New" panose="02070309020205020404" pitchFamily="49" charset="0"/>
+                <a:cs typeface="Courier New" panose="02070309020205020404" pitchFamily="49" charset="0"/>
+              </a:rPr>
+              <a:t>x[:,0]	# first column (many entries)</a:t>
+            </a:r>
+            <a:endParaRPr lang="en-US" dirty="0"/>
+          </a:p>
+          <a:p>
+            <a:pPr marL="0" indent="0">
+              <a:buNone/>
+            </a:pPr>
+            <a:r>
+              <a:rPr lang="en-US" dirty="0"/>
+              <a:t>Notes:</a:t>
+            </a:r>
+          </a:p>
+          <a:p>
+            <a:pPr lvl="1"/>
+            <a:r>
+              <a:rPr lang="en-US" dirty="0"/>
+              <a:t>Zero-indexing</a:t>
+            </a:r>
+          </a:p>
+          <a:p>
+            <a:pPr lvl="1"/>
+            <a:r>
+              <a:rPr lang="en-US" dirty="0"/>
+              <a:t>Multi-dimensional indices are comma-separated (i.e., a tuple)</a:t>
+            </a:r>
+          </a:p>
+        </p:txBody>
+      </p:sp>
+      <p:sp>
+        <p:nvSpPr>
+          <p:cNvPr id="4" name="Slide Number Placeholder 3">
+            <a:extLst>
+              <a:ext uri="{FF2B5EF4-FFF2-40B4-BE49-F238E27FC236}">
+                <a16:creationId xmlns:a16="http://schemas.microsoft.com/office/drawing/2014/main" id="{A74BC654-7FE9-4E8A-BAFB-E8869D3BC241}"/>
+              </a:ext>
+            </a:extLst>
+          </p:cNvPr>
+          <p:cNvSpPr>
+            <a:spLocks noGrp="1"/>
+          </p:cNvSpPr>
+          <p:nvPr>
+            <p:ph type="sldNum" sz="quarter" idx="4294967295"/>
+          </p:nvPr>
+        </p:nvSpPr>
+        <p:spPr/>
+        <p:txBody>
+          <a:bodyPr>
+            <a:normAutofit fontScale="25000" lnSpcReduction="20000"/>
+          </a:bodyPr>
+          <a:lstStyle/>
+          <a:p>
+            <a:fld id="{4FAB73BC-B049-4115-A692-8D63A059BFB8}" type="slidenum">
+              <a:rPr lang="en-US" smtClean="0"/>
+              <a:t>13</a:t>
+            </a:fld>
+            <a:endParaRPr lang="en-US" dirty="0"/>
           </a:p>
         </p:txBody>
       </p:sp>
     </p:spTree>
     <p:extLst>
       <p:ext uri="{BB962C8B-B14F-4D97-AF65-F5344CB8AC3E}">
-        <p14:creationId xmlns:p14="http://schemas.microsoft.com/office/powerpoint/2010/main" val="1149557826"/>
+        <p14:creationId xmlns:p14="http://schemas.microsoft.com/office/powerpoint/2010/main" val="4272857110"/>
       </p:ext>
     </p:extLst>
   </p:cSld>
   <p:clrMapOvr>
     <a:masterClrMapping/>
   </p:clrMapOvr>
+  <p:timing>
+    <p:tnLst>
+      <p:par>
+        <p:cTn id="1" dur="indefinite" restart="never" nodeType="tmRoot"/>
+      </p:par>
+    </p:tnLst>
+  </p:timing>
 </p:sld>
 </file>
 
@@ -4350,7 +4401,7 @@
           <p:cNvPr id="2" name="Title 1">
             <a:extLst>
               <a:ext uri="{FF2B5EF4-FFF2-40B4-BE49-F238E27FC236}">
-                <a16:creationId xmlns:a16="http://schemas.microsoft.com/office/drawing/2014/main" id="{359829A8-3687-423E-8E54-A142B03D0B1D}"/>
+                <a16:creationId xmlns:a16="http://schemas.microsoft.com/office/drawing/2014/main" id="{119E4807-290B-4611-A3D4-F318CE40FDDE}"/>
               </a:ext>
             </a:extLst>
           </p:cNvPr>
@@ -4368,7 +4419,7 @@
           <a:p>
             <a:r>
               <a:rPr lang="en-US" dirty="0"/>
-              <a:t>Indexing</a:t>
+              <a:t>Python Slicing</a:t>
             </a:r>
           </a:p>
         </p:txBody>
@@ -4378,7 +4429,7 @@
           <p:cNvPr id="3" name="Content Placeholder 2">
             <a:extLst>
               <a:ext uri="{FF2B5EF4-FFF2-40B4-BE49-F238E27FC236}">
-                <a16:creationId xmlns:a16="http://schemas.microsoft.com/office/drawing/2014/main" id="{F1A9F7A8-CCA5-49A9-8B3C-99C2259F06B9}"/>
+                <a16:creationId xmlns:a16="http://schemas.microsoft.com/office/drawing/2014/main" id="{745D63D1-B938-4081-939F-07E76E716115}"/>
               </a:ext>
             </a:extLst>
           </p:cNvPr>
@@ -4389,22 +4440,39 @@
             <p:ph idx="1"/>
           </p:nvPr>
         </p:nvSpPr>
-        <p:spPr/>
+        <p:spPr>
+          <a:xfrm>
+            <a:off x="946404" y="2228850"/>
+            <a:ext cx="7139657" cy="3263503"/>
+          </a:xfrm>
+        </p:spPr>
         <p:txBody>
-          <a:bodyPr>
-            <a:normAutofit/>
-          </a:bodyPr>
+          <a:bodyPr/>
           <a:lstStyle/>
           <a:p>
             <a:pPr marL="0" indent="0">
               <a:buNone/>
             </a:pPr>
             <a:r>
-              <a:rPr lang="en-US" sz="1950" dirty="0">
+              <a:rPr lang="en-US" dirty="0"/>
+              <a:t>Syntax: </a:t>
+            </a:r>
+            <a:r>
+              <a:rPr lang="en-US" dirty="0" err="1"/>
+              <a:t>start:stop:step</a:t>
+            </a:r>
+            <a:endParaRPr lang="en-US" dirty="0"/>
+          </a:p>
+          <a:p>
+            <a:pPr marL="0" indent="0">
+              <a:buNone/>
+            </a:pPr>
+            <a:r>
+              <a:rPr lang="en-US" sz="1800" dirty="0">
                 <a:latin typeface="Courier New" panose="02070309020205020404" pitchFamily="49" charset="0"/>
                 <a:cs typeface="Courier New" panose="02070309020205020404" pitchFamily="49" charset="0"/>
               </a:rPr>
-              <a:t>x[0,0]  	# top-left element</a:t>
+              <a:t>a = list(range(10)) </a:t>
             </a:r>
           </a:p>
           <a:p>
@@ -4412,11 +4480,11 @@
               <a:buNone/>
             </a:pPr>
             <a:r>
-              <a:rPr lang="en-US" sz="1950" dirty="0">
+              <a:rPr lang="en-US" sz="1800" dirty="0">
                 <a:latin typeface="Courier New" panose="02070309020205020404" pitchFamily="49" charset="0"/>
                 <a:cs typeface="Courier New" panose="02070309020205020404" pitchFamily="49" charset="0"/>
               </a:rPr>
-              <a:t>x[0,-1] 	# first row, last column</a:t>
+              <a:t>a[:3] # indices 0, 1, 2 </a:t>
             </a:r>
           </a:p>
           <a:p>
@@ -4424,11 +4492,11 @@
               <a:buNone/>
             </a:pPr>
             <a:r>
-              <a:rPr lang="en-US" sz="1950" dirty="0">
+              <a:rPr lang="en-US" sz="1800" dirty="0">
                 <a:latin typeface="Courier New" panose="02070309020205020404" pitchFamily="49" charset="0"/>
                 <a:cs typeface="Courier New" panose="02070309020205020404" pitchFamily="49" charset="0"/>
               </a:rPr>
-              <a:t>x[0,:]	# first row (many entries)</a:t>
+              <a:t>a[-3:] # indices 7, 8, 9 </a:t>
             </a:r>
           </a:p>
           <a:p>
@@ -4436,35 +4504,23 @@
               <a:buNone/>
             </a:pPr>
             <a:r>
-              <a:rPr lang="en-US" sz="1950" dirty="0">
+              <a:rPr lang="en-US" sz="1800" dirty="0">
                 <a:latin typeface="Courier New" panose="02070309020205020404" pitchFamily="49" charset="0"/>
                 <a:cs typeface="Courier New" panose="02070309020205020404" pitchFamily="49" charset="0"/>
               </a:rPr>
-              <a:t>x[:,0]	# first column (many entries)</a:t>
-            </a:r>
-            <a:endParaRPr lang="en-US" dirty="0"/>
+              <a:t>a[3:8:2] # indices 3, 5, 7 </a:t>
+            </a:r>
           </a:p>
           <a:p>
             <a:pPr marL="0" indent="0">
               <a:buNone/>
             </a:pPr>
             <a:r>
-              <a:rPr lang="en-US" dirty="0"/>
-              <a:t>Notes:</a:t>
-            </a:r>
-          </a:p>
-          <a:p>
-            <a:pPr lvl="1"/>
-            <a:r>
-              <a:rPr lang="en-US" dirty="0"/>
-              <a:t>Zero-indexing</a:t>
-            </a:r>
-          </a:p>
-          <a:p>
-            <a:pPr lvl="1"/>
-            <a:r>
-              <a:rPr lang="en-US" dirty="0"/>
-              <a:t>Multi-dimensional indices are comma-separated (i.e., a tuple)</a:t>
+              <a:rPr lang="en-US" sz="1800" dirty="0">
+                <a:latin typeface="Courier New" panose="02070309020205020404" pitchFamily="49" charset="0"/>
+                <a:cs typeface="Courier New" panose="02070309020205020404" pitchFamily="49" charset="0"/>
+              </a:rPr>
+              <a:t>a[4:1:-1] # indices 4, 3, 2 (this one is tricky)</a:t>
             </a:r>
           </a:p>
         </p:txBody>
@@ -4474,7 +4530,7 @@
           <p:cNvPr id="4" name="Slide Number Placeholder 3">
             <a:extLst>
               <a:ext uri="{FF2B5EF4-FFF2-40B4-BE49-F238E27FC236}">
-                <a16:creationId xmlns:a16="http://schemas.microsoft.com/office/drawing/2014/main" id="{A74BC654-7FE9-4E8A-BAFB-E8869D3BC241}"/>
+                <a16:creationId xmlns:a16="http://schemas.microsoft.com/office/drawing/2014/main" id="{A961B666-6E37-4E9E-9A65-B416B9EE2D8F}"/>
               </a:ext>
             </a:extLst>
           </p:cNvPr>
@@ -4503,13 +4559,20 @@
     </p:spTree>
     <p:extLst>
       <p:ext uri="{BB962C8B-B14F-4D97-AF65-F5344CB8AC3E}">
-        <p14:creationId xmlns:p14="http://schemas.microsoft.com/office/powerpoint/2010/main" val="4272857110"/>
+        <p14:creationId xmlns:p14="http://schemas.microsoft.com/office/powerpoint/2010/main" val="2560196025"/>
       </p:ext>
     </p:extLst>
   </p:cSld>
   <p:clrMapOvr>
     <a:masterClrMapping/>
   </p:clrMapOvr>
+  <p:timing>
+    <p:tnLst>
+      <p:par>
+        <p:cTn id="1" dur="indefinite" restart="never" nodeType="tmRoot"/>
+      </p:par>
+    </p:tnLst>
+  </p:timing>
 </p:sld>
 </file>
 
@@ -4532,13 +4595,7 @@
       </p:grpSpPr>
       <p:sp>
         <p:nvSpPr>
-          <p:cNvPr id="2" name="Title 1">
-            <a:extLst>
-              <a:ext uri="{FF2B5EF4-FFF2-40B4-BE49-F238E27FC236}">
-                <a16:creationId xmlns:a16="http://schemas.microsoft.com/office/drawing/2014/main" id="{119E4807-290B-4611-A3D4-F318CE40FDDE}"/>
-              </a:ext>
-            </a:extLst>
-          </p:cNvPr>
+          <p:cNvPr id="2" name="Titre 1"/>
           <p:cNvSpPr>
             <a:spLocks noGrp="1"/>
           </p:cNvSpPr>
@@ -4552,21 +4609,16 @@
           <a:lstStyle/>
           <a:p>
             <a:r>
-              <a:rPr lang="en-US" dirty="0"/>
-              <a:t>Python Slicing</a:t>
-            </a:r>
+              <a:rPr lang="fr-FR" dirty="0" smtClean="0"/>
+              <a:t>Axes</a:t>
+            </a:r>
+            <a:endParaRPr lang="fr-FR" dirty="0"/>
           </a:p>
         </p:txBody>
       </p:sp>
       <p:sp>
         <p:nvSpPr>
-          <p:cNvPr id="3" name="Content Placeholder 2">
-            <a:extLst>
-              <a:ext uri="{FF2B5EF4-FFF2-40B4-BE49-F238E27FC236}">
-                <a16:creationId xmlns:a16="http://schemas.microsoft.com/office/drawing/2014/main" id="{745D63D1-B938-4081-939F-07E76E716115}"/>
-              </a:ext>
-            </a:extLst>
-          </p:cNvPr>
+          <p:cNvPr id="3" name="Espace réservé du contenu 2"/>
           <p:cNvSpPr>
             <a:spLocks noGrp="1"/>
           </p:cNvSpPr>
@@ -4574,12 +4626,7 @@
             <p:ph idx="1"/>
           </p:nvPr>
         </p:nvSpPr>
-        <p:spPr>
-          <a:xfrm>
-            <a:off x="946404" y="2228850"/>
-            <a:ext cx="7139657" cy="3263503"/>
-          </a:xfrm>
-        </p:spPr>
+        <p:spPr/>
         <p:txBody>
           <a:bodyPr/>
           <a:lstStyle/>
@@ -4588,25 +4635,37 @@
               <a:buNone/>
             </a:pPr>
             <a:r>
-              <a:rPr lang="en-US" dirty="0"/>
-              <a:t>Syntax: </a:t>
-            </a:r>
-            <a:r>
-              <a:rPr lang="en-US" dirty="0" err="1"/>
-              <a:t>start:stop:step</a:t>
-            </a:r>
-            <a:endParaRPr lang="en-US" dirty="0"/>
+              <a:rPr lang="en-US" dirty="0" err="1">
+                <a:latin typeface="Courier New" panose="02070309020205020404" pitchFamily="49" charset="0"/>
+                <a:cs typeface="Courier New" panose="02070309020205020404" pitchFamily="49" charset="0"/>
+              </a:rPr>
+              <a:t>a.sum</a:t>
+            </a:r>
+            <a:r>
+              <a:rPr lang="en-US" dirty="0">
+                <a:latin typeface="Courier New" panose="02070309020205020404" pitchFamily="49" charset="0"/>
+                <a:cs typeface="Courier New" panose="02070309020205020404" pitchFamily="49" charset="0"/>
+              </a:rPr>
+              <a:t>() # sum all entries </a:t>
+            </a:r>
           </a:p>
           <a:p>
             <a:pPr marL="0" indent="0">
               <a:buNone/>
             </a:pPr>
             <a:r>
-              <a:rPr lang="en-US" sz="1800" dirty="0">
+              <a:rPr lang="en-US" dirty="0" err="1">
                 <a:latin typeface="Courier New" panose="02070309020205020404" pitchFamily="49" charset="0"/>
                 <a:cs typeface="Courier New" panose="02070309020205020404" pitchFamily="49" charset="0"/>
               </a:rPr>
-              <a:t>a = list(range(10)) </a:t>
+              <a:t>a.sum</a:t>
+            </a:r>
+            <a:r>
+              <a:rPr lang="en-US" dirty="0">
+                <a:latin typeface="Courier New" panose="02070309020205020404" pitchFamily="49" charset="0"/>
+                <a:cs typeface="Courier New" panose="02070309020205020404" pitchFamily="49" charset="0"/>
+              </a:rPr>
+              <a:t>(axis=0) # sum over rows </a:t>
             </a:r>
           </a:p>
           <a:p>
@@ -4614,92 +4673,50 @@
               <a:buNone/>
             </a:pPr>
             <a:r>
-              <a:rPr lang="en-US" sz="1800" dirty="0">
+              <a:rPr lang="en-US" dirty="0" err="1">
                 <a:latin typeface="Courier New" panose="02070309020205020404" pitchFamily="49" charset="0"/>
                 <a:cs typeface="Courier New" panose="02070309020205020404" pitchFamily="49" charset="0"/>
               </a:rPr>
-              <a:t>a[:3] # indices 0, 1, 2 </a:t>
-            </a:r>
-          </a:p>
-          <a:p>
-            <a:pPr marL="0" indent="0">
-              <a:buNone/>
-            </a:pPr>
-            <a:r>
-              <a:rPr lang="en-US" sz="1800" dirty="0">
+              <a:t>a.sum</a:t>
+            </a:r>
+            <a:r>
+              <a:rPr lang="en-US" dirty="0">
                 <a:latin typeface="Courier New" panose="02070309020205020404" pitchFamily="49" charset="0"/>
                 <a:cs typeface="Courier New" panose="02070309020205020404" pitchFamily="49" charset="0"/>
               </a:rPr>
-              <a:t>a[-3:] # indices 7, 8, 9 </a:t>
-            </a:r>
-          </a:p>
-          <a:p>
-            <a:pPr marL="0" indent="0">
-              <a:buNone/>
-            </a:pPr>
-            <a:r>
-              <a:rPr lang="en-US" sz="1800" dirty="0">
+              <a:t>(axis=1) # sum over </a:t>
+            </a:r>
+            <a:r>
+              <a:rPr lang="en-US" dirty="0" smtClean="0">
                 <a:latin typeface="Courier New" panose="02070309020205020404" pitchFamily="49" charset="0"/>
                 <a:cs typeface="Courier New" panose="02070309020205020404" pitchFamily="49" charset="0"/>
               </a:rPr>
-              <a:t>a[3:8:2] # indices 3, 5, 7 </a:t>
-            </a:r>
-          </a:p>
-          <a:p>
-            <a:pPr marL="0" indent="0">
-              <a:buNone/>
-            </a:pPr>
-            <a:r>
-              <a:rPr lang="en-US" sz="1800" dirty="0">
-                <a:latin typeface="Courier New" panose="02070309020205020404" pitchFamily="49" charset="0"/>
-                <a:cs typeface="Courier New" panose="02070309020205020404" pitchFamily="49" charset="0"/>
-              </a:rPr>
-              <a:t>a[4:1:-1] # indices 4, 3, 2 (this one is tricky)</a:t>
-            </a:r>
-          </a:p>
-        </p:txBody>
-      </p:sp>
-      <p:sp>
-        <p:nvSpPr>
-          <p:cNvPr id="4" name="Slide Number Placeholder 3">
-            <a:extLst>
-              <a:ext uri="{FF2B5EF4-FFF2-40B4-BE49-F238E27FC236}">
-                <a16:creationId xmlns:a16="http://schemas.microsoft.com/office/drawing/2014/main" id="{A961B666-6E37-4E9E-9A65-B416B9EE2D8F}"/>
-              </a:ext>
-            </a:extLst>
-          </p:cNvPr>
-          <p:cNvSpPr>
-            <a:spLocks noGrp="1"/>
-          </p:cNvSpPr>
-          <p:nvPr>
-            <p:ph type="sldNum" sz="quarter" idx="4294967295"/>
-          </p:nvPr>
-        </p:nvSpPr>
-        <p:spPr/>
-        <p:txBody>
-          <a:bodyPr>
-            <a:normAutofit fontScale="25000" lnSpcReduction="20000"/>
-          </a:bodyPr>
-          <a:lstStyle/>
-          <a:p>
-            <a:fld id="{4FAB73BC-B049-4115-A692-8D63A059BFB8}" type="slidenum">
-              <a:rPr lang="en-US" smtClean="0"/>
-              <a:t>15</a:t>
-            </a:fld>
-            <a:endParaRPr lang="en-US" dirty="0"/>
+              <a:t>columns</a:t>
+            </a:r>
+            <a:endParaRPr lang="en-US" dirty="0">
+              <a:latin typeface="Courier New" panose="02070309020205020404" pitchFamily="49" charset="0"/>
+              <a:cs typeface="Courier New" panose="02070309020205020404" pitchFamily="49" charset="0"/>
+            </a:endParaRPr>
           </a:p>
         </p:txBody>
       </p:sp>
     </p:spTree>
     <p:extLst>
       <p:ext uri="{BB962C8B-B14F-4D97-AF65-F5344CB8AC3E}">
-        <p14:creationId xmlns:p14="http://schemas.microsoft.com/office/powerpoint/2010/main" val="2560196025"/>
+        <p14:creationId xmlns:p14="http://schemas.microsoft.com/office/powerpoint/2010/main" val="2577086206"/>
       </p:ext>
     </p:extLst>
   </p:cSld>
   <p:clrMapOvr>
     <a:masterClrMapping/>
   </p:clrMapOvr>
+  <p:timing>
+    <p:tnLst>
+      <p:par>
+        <p:cTn id="1" dur="indefinite" restart="never" nodeType="tmRoot"/>
+      </p:par>
+    </p:tnLst>
+  </p:timing>
 </p:sld>
 </file>
 
@@ -4737,7 +4754,7 @@
           <a:p>
             <a:r>
               <a:rPr lang="fr-FR" dirty="0" smtClean="0"/>
-              <a:t>Axes</a:t>
+              <a:t>Cubes</a:t>
             </a:r>
             <a:endParaRPr lang="fr-FR" dirty="0"/>
           </a:p>
@@ -4758,85 +4775,102 @@
           <a:bodyPr/>
           <a:lstStyle/>
           <a:p>
+            <a:r>
+              <a:rPr lang="fr-FR" dirty="0" err="1" smtClean="0"/>
+              <a:t>np.ndarray</a:t>
+            </a:r>
+            <a:endParaRPr lang="fr-FR" dirty="0" smtClean="0"/>
+          </a:p>
+          <a:p>
+            <a:pPr lvl="1"/>
+            <a:r>
+              <a:rPr lang="fr-FR" dirty="0" smtClean="0"/>
+              <a:t>Les </a:t>
+            </a:r>
+            <a:r>
+              <a:rPr lang="fr-FR" dirty="0" err="1" smtClean="0"/>
+              <a:t>np.array</a:t>
+            </a:r>
+            <a:r>
+              <a:rPr lang="fr-FR" dirty="0" smtClean="0"/>
+              <a:t> </a:t>
+            </a:r>
+            <a:r>
+              <a:rPr lang="fr-FR" dirty="0" smtClean="0"/>
+              <a:t>sont en fait des </a:t>
+            </a:r>
+            <a:r>
+              <a:rPr lang="fr-FR" dirty="0" err="1" smtClean="0"/>
+              <a:t>np.ndarray</a:t>
+            </a:r>
+            <a:r>
+              <a:rPr lang="fr-FR" dirty="0" smtClean="0"/>
+              <a:t> soit des </a:t>
+            </a:r>
+            <a:r>
+              <a:rPr lang="fr-FR" dirty="0" smtClean="0"/>
+              <a:t>matrices </a:t>
+            </a:r>
+            <a:r>
+              <a:rPr lang="fr-FR" dirty="0" smtClean="0"/>
+              <a:t>de dimension n (cubes)</a:t>
+            </a:r>
+          </a:p>
+          <a:p>
+            <a:pPr lvl="1"/>
+            <a:r>
+              <a:rPr lang="fr-FR" dirty="0" smtClean="0"/>
+              <a:t>Les axes peuvent être supérieurs à 1</a:t>
+            </a:r>
+          </a:p>
+          <a:p>
+            <a:pPr lvl="1"/>
+            <a:r>
+              <a:rPr lang="fr-FR" dirty="0" smtClean="0"/>
+              <a:t>Les </a:t>
+            </a:r>
+            <a:r>
+              <a:rPr lang="fr-FR" dirty="0" err="1" smtClean="0"/>
+              <a:t>shapes</a:t>
+            </a:r>
+            <a:r>
+              <a:rPr lang="fr-FR" dirty="0" smtClean="0"/>
+              <a:t> peuvent être des </a:t>
+            </a:r>
+            <a:r>
+              <a:rPr lang="fr-FR" dirty="0" err="1" smtClean="0"/>
+              <a:t>tuples</a:t>
+            </a:r>
+            <a:r>
+              <a:rPr lang="fr-FR" dirty="0" smtClean="0"/>
+              <a:t> de taille infinis</a:t>
+            </a:r>
+          </a:p>
+          <a:p>
             <a:pPr marL="0" indent="0">
               <a:buNone/>
             </a:pPr>
-            <a:r>
-              <a:rPr lang="en-US" dirty="0" err="1">
-                <a:latin typeface="Courier New" panose="02070309020205020404" pitchFamily="49" charset="0"/>
-                <a:cs typeface="Courier New" panose="02070309020205020404" pitchFamily="49" charset="0"/>
-              </a:rPr>
-              <a:t>a.sum</a:t>
-            </a:r>
-            <a:r>
-              <a:rPr lang="en-US" dirty="0">
-                <a:latin typeface="Courier New" panose="02070309020205020404" pitchFamily="49" charset="0"/>
-                <a:cs typeface="Courier New" panose="02070309020205020404" pitchFamily="49" charset="0"/>
-              </a:rPr>
-              <a:t>() # sum all entries </a:t>
-            </a:r>
-          </a:p>
-          <a:p>
-            <a:pPr marL="0" indent="0">
-              <a:buNone/>
-            </a:pPr>
-            <a:r>
-              <a:rPr lang="en-US" dirty="0" err="1">
-                <a:latin typeface="Courier New" panose="02070309020205020404" pitchFamily="49" charset="0"/>
-                <a:cs typeface="Courier New" panose="02070309020205020404" pitchFamily="49" charset="0"/>
-              </a:rPr>
-              <a:t>a.sum</a:t>
-            </a:r>
-            <a:r>
-              <a:rPr lang="en-US" dirty="0">
-                <a:latin typeface="Courier New" panose="02070309020205020404" pitchFamily="49" charset="0"/>
-                <a:cs typeface="Courier New" panose="02070309020205020404" pitchFamily="49" charset="0"/>
-              </a:rPr>
-              <a:t>(axis=0) # sum over rows </a:t>
-            </a:r>
-          </a:p>
-          <a:p>
-            <a:pPr marL="0" indent="0">
-              <a:buNone/>
-            </a:pPr>
-            <a:r>
-              <a:rPr lang="en-US" dirty="0" err="1">
-                <a:latin typeface="Courier New" panose="02070309020205020404" pitchFamily="49" charset="0"/>
-                <a:cs typeface="Courier New" panose="02070309020205020404" pitchFamily="49" charset="0"/>
-              </a:rPr>
-              <a:t>a.sum</a:t>
-            </a:r>
-            <a:r>
-              <a:rPr lang="en-US" dirty="0">
-                <a:latin typeface="Courier New" panose="02070309020205020404" pitchFamily="49" charset="0"/>
-                <a:cs typeface="Courier New" panose="02070309020205020404" pitchFamily="49" charset="0"/>
-              </a:rPr>
-              <a:t>(axis=1) # sum over </a:t>
-            </a:r>
-            <a:r>
-              <a:rPr lang="en-US" dirty="0" smtClean="0">
-                <a:latin typeface="Courier New" panose="02070309020205020404" pitchFamily="49" charset="0"/>
-                <a:cs typeface="Courier New" panose="02070309020205020404" pitchFamily="49" charset="0"/>
-              </a:rPr>
-              <a:t>columns</a:t>
-            </a:r>
-            <a:endParaRPr lang="en-US" dirty="0">
-              <a:latin typeface="Courier New" panose="02070309020205020404" pitchFamily="49" charset="0"/>
-              <a:cs typeface="Courier New" panose="02070309020205020404" pitchFamily="49" charset="0"/>
-            </a:endParaRPr>
+            <a:endParaRPr lang="fr-FR" dirty="0"/>
           </a:p>
         </p:txBody>
       </p:sp>
     </p:spTree>
     <p:extLst>
       <p:ext uri="{BB962C8B-B14F-4D97-AF65-F5344CB8AC3E}">
-        <p14:creationId xmlns:p14="http://schemas.microsoft.com/office/powerpoint/2010/main" val="2577086206"/>
+        <p14:creationId xmlns:p14="http://schemas.microsoft.com/office/powerpoint/2010/main" val="1177207037"/>
       </p:ext>
     </p:extLst>
   </p:cSld>
   <p:clrMapOvr>
     <a:masterClrMapping/>
   </p:clrMapOvr>
+  <p:timing>
+    <p:tnLst>
+      <p:par>
+        <p:cTn id="1" dur="indefinite" restart="never" nodeType="tmRoot"/>
+      </p:par>
+    </p:tnLst>
+  </p:timing>
 </p:sld>
 </file>
 
@@ -4874,7 +4908,7 @@
           <a:p>
             <a:r>
               <a:rPr lang="fr-FR" dirty="0" smtClean="0"/>
-              <a:t>Cubes</a:t>
+              <a:t>Les filtres</a:t>
             </a:r>
             <a:endParaRPr lang="fr-FR" dirty="0"/>
           </a:p>
@@ -4896,82 +4930,51 @@
           <a:lstStyle/>
           <a:p>
             <a:r>
+              <a:rPr lang="fr-FR" dirty="0" smtClean="0"/>
+              <a:t>Les cubes peuvent être filtrés</a:t>
+            </a:r>
+          </a:p>
+          <a:p>
+            <a:r>
+              <a:rPr lang="fr-FR" dirty="0" smtClean="0"/>
+              <a:t>[:,:,</a:t>
+            </a:r>
+            <a:r>
               <a:rPr lang="fr-FR" dirty="0" err="1" smtClean="0"/>
-              <a:t>np.ndarray</a:t>
-            </a:r>
-            <a:endParaRPr lang="fr-FR" dirty="0" smtClean="0"/>
-          </a:p>
-          <a:p>
-            <a:pPr lvl="1"/>
-            <a:r>
-              <a:rPr lang="fr-FR" dirty="0" smtClean="0"/>
-              <a:t>Les </a:t>
-            </a:r>
-            <a:r>
-              <a:rPr lang="fr-FR" dirty="0" err="1" smtClean="0"/>
-              <a:t>np.aaray</a:t>
-            </a:r>
-            <a:r>
-              <a:rPr lang="fr-FR" dirty="0" smtClean="0"/>
-              <a:t> sont en fait des </a:t>
-            </a:r>
-            <a:r>
-              <a:rPr lang="fr-FR" dirty="0" err="1" smtClean="0"/>
-              <a:t>np.ndarray</a:t>
-            </a:r>
-            <a:r>
-              <a:rPr lang="fr-FR" dirty="0" smtClean="0"/>
-              <a:t> soit des matrice de dimension n (cubes)</a:t>
-            </a:r>
-          </a:p>
-          <a:p>
-            <a:pPr lvl="1"/>
-            <a:r>
-              <a:rPr lang="fr-FR" dirty="0" smtClean="0"/>
-              <a:t>Les axes peuvent être supérieurs à 1</a:t>
-            </a:r>
-          </a:p>
-          <a:p>
-            <a:pPr lvl="1"/>
-            <a:r>
-              <a:rPr lang="fr-FR" dirty="0" smtClean="0"/>
-              <a:t>Les </a:t>
-            </a:r>
-            <a:r>
-              <a:rPr lang="fr-FR" dirty="0" err="1" smtClean="0"/>
-              <a:t>shapes</a:t>
-            </a:r>
-            <a:r>
-              <a:rPr lang="fr-FR" dirty="0" smtClean="0"/>
-              <a:t> peuvent être des </a:t>
-            </a:r>
-            <a:r>
-              <a:rPr lang="fr-FR" dirty="0" err="1" smtClean="0"/>
-              <a:t>tuples</a:t>
-            </a:r>
-            <a:r>
-              <a:rPr lang="fr-FR" dirty="0" smtClean="0"/>
-              <a:t> de taille infinis</a:t>
-            </a:r>
-          </a:p>
-          <a:p>
-            <a:pPr marL="0" indent="0">
-              <a:buNone/>
-            </a:pPr>
-            <a:endParaRPr lang="fr-FR" dirty="0"/>
+              <a:t>x:y</a:t>
+            </a:r>
+            <a:r>
+              <a:rPr lang="fr-FR" dirty="0" smtClean="0"/>
+              <a:t>] filtre la 3</a:t>
+            </a:r>
+            <a:r>
+              <a:rPr lang="fr-FR" baseline="30000" dirty="0" smtClean="0"/>
+              <a:t>ème</a:t>
+            </a:r>
+            <a:r>
+              <a:rPr lang="fr-FR" dirty="0" smtClean="0"/>
+              <a:t> dimension</a:t>
+            </a:r>
           </a:p>
         </p:txBody>
       </p:sp>
     </p:spTree>
     <p:extLst>
       <p:ext uri="{BB962C8B-B14F-4D97-AF65-F5344CB8AC3E}">
-        <p14:creationId xmlns:p14="http://schemas.microsoft.com/office/powerpoint/2010/main" val="1177207037"/>
+        <p14:creationId xmlns:p14="http://schemas.microsoft.com/office/powerpoint/2010/main" val="2422904387"/>
       </p:ext>
     </p:extLst>
   </p:cSld>
   <p:clrMapOvr>
     <a:masterClrMapping/>
   </p:clrMapOvr>
+  <p:timing>
+    <p:tnLst>
+      <p:par>
+        <p:cTn id="1" dur="indefinite" restart="never" nodeType="tmRoot"/>
+      </p:par>
+    </p:tnLst>
+  </p:timing>
 </p:sld>
 </file>
 
@@ -5009,7 +5012,7 @@
           <a:p>
             <a:r>
               <a:rPr lang="fr-FR" dirty="0" smtClean="0"/>
-              <a:t>Les filtres</a:t>
+              <a:t>Matrix</a:t>
             </a:r>
             <a:endParaRPr lang="fr-FR" dirty="0"/>
           </a:p>
@@ -5031,30 +5034,82 @@
           <a:lstStyle/>
           <a:p>
             <a:r>
-              <a:rPr lang="fr-FR" dirty="0" smtClean="0"/>
-              <a:t>Les cubes peuvent être filtrés</a:t>
-            </a:r>
-          </a:p>
-          <a:p>
-            <a:r>
-              <a:rPr lang="fr-FR" dirty="0" smtClean="0"/>
-              <a:t>[:,:,</a:t>
-            </a:r>
-            <a:r>
               <a:rPr lang="fr-FR" dirty="0" err="1" smtClean="0"/>
-              <a:t>x:y</a:t>
-            </a:r>
-            <a:r>
-              <a:rPr lang="fr-FR" dirty="0" smtClean="0"/>
-              <a:t>] filtre la 3</a:t>
-            </a:r>
-            <a:r>
-              <a:rPr lang="fr-FR" baseline="30000" dirty="0" smtClean="0"/>
-              <a:t>ème</a:t>
-            </a:r>
-            <a:r>
-              <a:rPr lang="fr-FR" dirty="0" smtClean="0"/>
-              <a:t> dimension</a:t>
+              <a:t>np.matrix</a:t>
+            </a:r>
+            <a:r>
+              <a:rPr lang="fr-FR" dirty="0" smtClean="0"/>
+              <a:t> est un </a:t>
+            </a:r>
+            <a:r>
+              <a:rPr lang="fr-FR" dirty="0" err="1" smtClean="0"/>
+              <a:t>np.array</a:t>
+            </a:r>
+            <a:r>
+              <a:rPr lang="fr-FR" dirty="0" smtClean="0"/>
+              <a:t> de dimension stricte 2</a:t>
+            </a:r>
+          </a:p>
+          <a:p>
+            <a:pPr lvl="1"/>
+            <a:r>
+              <a:rPr lang="fr-FR" dirty="0" smtClean="0"/>
+              <a:t>Matrice rectangulaire</a:t>
+            </a:r>
+          </a:p>
+          <a:p>
+            <a:pPr lvl="1"/>
+            <a:r>
+              <a:rPr lang="fr-FR" dirty="0" smtClean="0"/>
+              <a:t>Dérive de </a:t>
+            </a:r>
+            <a:r>
+              <a:rPr lang="fr-FR" dirty="0" err="1" smtClean="0"/>
+              <a:t>np.ndarray</a:t>
+            </a:r>
+            <a:endParaRPr lang="fr-FR" dirty="0" smtClean="0"/>
+          </a:p>
+          <a:p>
+            <a:r>
+              <a:rPr lang="fr-FR" dirty="0" smtClean="0"/>
+              <a:t>Possède des opérateurs supplémentaires</a:t>
+            </a:r>
+          </a:p>
+          <a:p>
+            <a:pPr lvl="1"/>
+            <a:r>
+              <a:rPr lang="fr-FR" dirty="0" smtClean="0"/>
+              <a:t>@ : </a:t>
+            </a:r>
+            <a:r>
+              <a:rPr lang="fr-FR" dirty="0" err="1" smtClean="0"/>
+              <a:t>x@y</a:t>
+            </a:r>
+            <a:r>
+              <a:rPr lang="fr-FR" dirty="0" smtClean="0"/>
+              <a:t> est le produit scalaire</a:t>
+            </a:r>
+          </a:p>
+          <a:p>
+            <a:pPr lvl="1"/>
+            <a:r>
+              <a:rPr lang="fr-FR" dirty="0" smtClean="0"/>
+              <a:t>.I : </a:t>
+            </a:r>
+            <a:r>
+              <a:rPr lang="fr-FR" dirty="0" err="1" smtClean="0"/>
+              <a:t>x.I</a:t>
+            </a:r>
+            <a:r>
+              <a:rPr lang="fr-FR" dirty="0" smtClean="0"/>
+              <a:t> est la matrice inverse</a:t>
+            </a:r>
+          </a:p>
+          <a:p>
+            <a:pPr lvl="1"/>
+            <a:r>
+              <a:rPr lang="fr-FR" dirty="0" smtClean="0"/>
+              <a:t>** : x**y est la puissance scalaire</a:t>
             </a:r>
           </a:p>
         </p:txBody>
@@ -5062,13 +5117,20 @@
     </p:spTree>
     <p:extLst>
       <p:ext uri="{BB962C8B-B14F-4D97-AF65-F5344CB8AC3E}">
-        <p14:creationId xmlns:p14="http://schemas.microsoft.com/office/powerpoint/2010/main" val="2422904387"/>
+        <p14:creationId xmlns:p14="http://schemas.microsoft.com/office/powerpoint/2010/main" val="1116329046"/>
       </p:ext>
     </p:extLst>
   </p:cSld>
   <p:clrMapOvr>
     <a:masterClrMapping/>
   </p:clrMapOvr>
+  <p:timing>
+    <p:tnLst>
+      <p:par>
+        <p:cTn id="1" dur="indefinite" restart="never" nodeType="tmRoot"/>
+      </p:par>
+    </p:tnLst>
+  </p:timing>
 </p:sld>
 </file>
 
@@ -5106,7 +5168,7 @@
           <a:p>
             <a:r>
               <a:rPr lang="fr-FR" dirty="0" smtClean="0"/>
-              <a:t>Matrix</a:t>
+              <a:t>Calcul de la régression linéaire</a:t>
             </a:r>
             <a:endParaRPr lang="fr-FR" dirty="0"/>
           </a:p>
@@ -5128,96 +5190,119 @@
           <a:lstStyle/>
           <a:p>
             <a:r>
+              <a:rPr lang="fr-FR" dirty="0"/>
+              <a:t>x = </a:t>
+            </a:r>
+            <a:r>
+              <a:rPr lang="fr-FR" dirty="0" err="1"/>
+              <a:t>np.matrix</a:t>
+            </a:r>
+            <a:r>
+              <a:rPr lang="fr-FR" dirty="0"/>
+              <a:t>([</a:t>
+            </a:r>
+            <a:r>
+              <a:rPr lang="fr-FR" dirty="0" err="1"/>
+              <a:t>np.ones</a:t>
+            </a:r>
+            <a:r>
+              <a:rPr lang="fr-FR" dirty="0"/>
+              <a:t>(</a:t>
+            </a:r>
+            <a:r>
+              <a:rPr lang="fr-FR" dirty="0" err="1"/>
+              <a:t>surfaces.shape</a:t>
+            </a:r>
+            <a:r>
+              <a:rPr lang="fr-FR" dirty="0"/>
+              <a:t>[0]), surfaces]).T</a:t>
+            </a:r>
+          </a:p>
+          <a:p>
+            <a:r>
+              <a:rPr lang="fr-FR" dirty="0"/>
+              <a:t>y = </a:t>
+            </a:r>
+            <a:r>
+              <a:rPr lang="fr-FR" dirty="0" err="1"/>
+              <a:t>np.matrix</a:t>
+            </a:r>
+            <a:r>
+              <a:rPr lang="fr-FR" dirty="0"/>
+              <a:t>(loyers).T</a:t>
+            </a:r>
+          </a:p>
+          <a:p>
+            <a:r>
+              <a:rPr lang="fr-FR" dirty="0" err="1"/>
+              <a:t>theta</a:t>
+            </a:r>
+            <a:r>
+              <a:rPr lang="fr-FR" dirty="0"/>
+              <a:t> = </a:t>
+            </a:r>
+            <a:r>
+              <a:rPr lang="fr-FR" dirty="0" err="1"/>
+              <a:t>np.linalg.inv</a:t>
+            </a:r>
+            <a:r>
+              <a:rPr lang="fr-FR" dirty="0"/>
+              <a:t>(x.T.dot(x)).dot(</a:t>
+            </a:r>
+            <a:r>
+              <a:rPr lang="fr-FR" dirty="0" err="1"/>
+              <a:t>x.T</a:t>
+            </a:r>
+            <a:r>
+              <a:rPr lang="fr-FR" dirty="0"/>
+              <a:t>).dot(y</a:t>
+            </a:r>
+            <a:r>
+              <a:rPr lang="fr-FR" dirty="0" smtClean="0"/>
+              <a:t>)</a:t>
+            </a:r>
+          </a:p>
+          <a:p>
+            <a:r>
+              <a:rPr lang="fr-FR" dirty="0" smtClean="0"/>
+              <a:t>#</a:t>
+            </a:r>
+            <a:r>
               <a:rPr lang="fr-FR" dirty="0" err="1" smtClean="0"/>
-              <a:t>np.matrix</a:t>
-            </a:r>
-            <a:r>
-              <a:rPr lang="fr-FR" dirty="0" smtClean="0"/>
-              <a:t> est un </a:t>
+              <a:t>theta</a:t>
+            </a:r>
+            <a:r>
+              <a:rPr lang="fr-FR" dirty="0" smtClean="0"/>
+              <a:t> = (b, a) pour f=</a:t>
             </a:r>
             <a:r>
               <a:rPr lang="fr-FR" dirty="0" err="1" smtClean="0"/>
-              <a:t>np.array</a:t>
-            </a:r>
-            <a:r>
-              <a:rPr lang="fr-FR" dirty="0" smtClean="0"/>
-              <a:t> de dimension stricte 2</a:t>
-            </a:r>
-          </a:p>
-          <a:p>
-            <a:pPr lvl="1"/>
-            <a:r>
-              <a:rPr lang="fr-FR" dirty="0" smtClean="0"/>
-              <a:t>Matrice rectangulaire</a:t>
-            </a:r>
-          </a:p>
-          <a:p>
-            <a:pPr lvl="1"/>
-            <a:r>
-              <a:rPr lang="fr-FR" dirty="0" smtClean="0"/>
-              <a:t>Dérive de </a:t>
-            </a:r>
-            <a:r>
-              <a:rPr lang="fr-FR" dirty="0" err="1" smtClean="0"/>
-              <a:t>np.ndarray</a:t>
+              <a:t>ax+b</a:t>
             </a:r>
             <a:endParaRPr lang="fr-FR" dirty="0" smtClean="0"/>
           </a:p>
           <a:p>
-            <a:r>
-              <a:rPr lang="fr-FR" dirty="0" smtClean="0"/>
-              <a:t>Possède des opérateurs supplémentaires</a:t>
-            </a:r>
-          </a:p>
-          <a:p>
-            <a:pPr lvl="1"/>
-            <a:r>
-              <a:rPr lang="fr-FR" dirty="0" smtClean="0"/>
-              <a:t>@ : </a:t>
-            </a:r>
-            <a:r>
-              <a:rPr lang="fr-FR" dirty="0" err="1" smtClean="0"/>
-              <a:t>x@y</a:t>
-            </a:r>
-            <a:r>
-              <a:rPr lang="fr-FR" dirty="0" smtClean="0"/>
-              <a:t> est le produit scalaire</a:t>
-            </a:r>
-          </a:p>
-          <a:p>
-            <a:pPr lvl="1"/>
-            <a:r>
-              <a:rPr lang="fr-FR" dirty="0" smtClean="0"/>
-              <a:t>.I : </a:t>
-            </a:r>
-            <a:r>
-              <a:rPr lang="fr-FR" dirty="0" err="1" smtClean="0"/>
-              <a:t>x.I</a:t>
-            </a:r>
-            <a:r>
-              <a:rPr lang="fr-FR" dirty="0" smtClean="0"/>
-              <a:t> est la matrice inverse</a:t>
-            </a:r>
-          </a:p>
-          <a:p>
-            <a:pPr lvl="1"/>
-            <a:r>
-              <a:rPr lang="fr-FR" dirty="0" smtClean="0"/>
-              <a:t>** : x**y est la puissance scalaire</a:t>
-            </a:r>
+            <a:endParaRPr lang="fr-FR" dirty="0" smtClean="0"/>
           </a:p>
         </p:txBody>
       </p:sp>
     </p:spTree>
     <p:extLst>
       <p:ext uri="{BB962C8B-B14F-4D97-AF65-F5344CB8AC3E}">
-        <p14:creationId xmlns:p14="http://schemas.microsoft.com/office/powerpoint/2010/main" val="1116329046"/>
+        <p14:creationId xmlns:p14="http://schemas.microsoft.com/office/powerpoint/2010/main" val="1848658131"/>
       </p:ext>
     </p:extLst>
   </p:cSld>
   <p:clrMapOvr>
     <a:masterClrMapping/>
   </p:clrMapOvr>
+  <p:timing>
+    <p:tnLst>
+      <p:par>
+        <p:cTn id="1" dur="indefinite" restart="never" nodeType="tmRoot"/>
+      </p:par>
+    </p:tnLst>
+  </p:timing>
 </p:sld>
 </file>
 
@@ -5312,171 +5397,6 @@
   <p:clrMapOvr>
     <a:masterClrMapping/>
   </p:clrMapOvr>
-</p:sld>
-</file>
-
-<file path=ppt/slides/slide20.xml><?xml version="1.0" encoding="utf-8"?>
-<p:sld xmlns:a="http://schemas.openxmlformats.org/drawingml/2006/main" xmlns:r="http://schemas.openxmlformats.org/officeDocument/2006/relationships" xmlns:p="http://schemas.openxmlformats.org/presentationml/2006/main">
-  <p:cSld>
-    <p:spTree>
-      <p:nvGrpSpPr>
-        <p:cNvPr id="1" name=""/>
-        <p:cNvGrpSpPr/>
-        <p:nvPr/>
-      </p:nvGrpSpPr>
-      <p:grpSpPr>
-        <a:xfrm>
-          <a:off x="0" y="0"/>
-          <a:ext cx="0" cy="0"/>
-          <a:chOff x="0" y="0"/>
-          <a:chExt cx="0" cy="0"/>
-        </a:xfrm>
-      </p:grpSpPr>
-      <p:sp>
-        <p:nvSpPr>
-          <p:cNvPr id="2" name="Titre 1"/>
-          <p:cNvSpPr>
-            <a:spLocks noGrp="1"/>
-          </p:cNvSpPr>
-          <p:nvPr>
-            <p:ph type="title"/>
-          </p:nvPr>
-        </p:nvSpPr>
-        <p:spPr/>
-        <p:txBody>
-          <a:bodyPr/>
-          <a:lstStyle/>
-          <a:p>
-            <a:r>
-              <a:rPr lang="fr-FR" dirty="0" smtClean="0"/>
-              <a:t>Calcul de la régression linéaire</a:t>
-            </a:r>
-            <a:endParaRPr lang="fr-FR" dirty="0"/>
-          </a:p>
-        </p:txBody>
-      </p:sp>
-      <p:sp>
-        <p:nvSpPr>
-          <p:cNvPr id="3" name="Espace réservé du contenu 2"/>
-          <p:cNvSpPr>
-            <a:spLocks noGrp="1"/>
-          </p:cNvSpPr>
-          <p:nvPr>
-            <p:ph idx="1"/>
-          </p:nvPr>
-        </p:nvSpPr>
-        <p:spPr/>
-        <p:txBody>
-          <a:bodyPr/>
-          <a:lstStyle/>
-          <a:p>
-            <a:r>
-              <a:rPr lang="fr-FR" dirty="0"/>
-              <a:t>x = </a:t>
-            </a:r>
-            <a:r>
-              <a:rPr lang="fr-FR" dirty="0" err="1"/>
-              <a:t>np.matrix</a:t>
-            </a:r>
-            <a:r>
-              <a:rPr lang="fr-FR" dirty="0"/>
-              <a:t>([</a:t>
-            </a:r>
-            <a:r>
-              <a:rPr lang="fr-FR" dirty="0" err="1"/>
-              <a:t>np.ones</a:t>
-            </a:r>
-            <a:r>
-              <a:rPr lang="fr-FR" dirty="0"/>
-              <a:t>(</a:t>
-            </a:r>
-            <a:r>
-              <a:rPr lang="fr-FR" dirty="0" err="1"/>
-              <a:t>surfaces.shape</a:t>
-            </a:r>
-            <a:r>
-              <a:rPr lang="fr-FR" dirty="0"/>
-              <a:t>[0]), surfaces]).T</a:t>
-            </a:r>
-          </a:p>
-          <a:p>
-            <a:r>
-              <a:rPr lang="fr-FR" dirty="0"/>
-              <a:t>y = </a:t>
-            </a:r>
-            <a:r>
-              <a:rPr lang="fr-FR" dirty="0" err="1"/>
-              <a:t>np.matrix</a:t>
-            </a:r>
-            <a:r>
-              <a:rPr lang="fr-FR" dirty="0"/>
-              <a:t>(loyers).T</a:t>
-            </a:r>
-          </a:p>
-          <a:p>
-            <a:r>
-              <a:rPr lang="fr-FR" dirty="0" err="1"/>
-              <a:t>theta</a:t>
-            </a:r>
-            <a:r>
-              <a:rPr lang="fr-FR" dirty="0"/>
-              <a:t> = </a:t>
-            </a:r>
-            <a:r>
-              <a:rPr lang="fr-FR" dirty="0" err="1"/>
-              <a:t>np.linalg.inv</a:t>
-            </a:r>
-            <a:r>
-              <a:rPr lang="fr-FR" dirty="0"/>
-              <a:t>(x.T.dot(x)).dot(</a:t>
-            </a:r>
-            <a:r>
-              <a:rPr lang="fr-FR" dirty="0" err="1"/>
-              <a:t>x.T</a:t>
-            </a:r>
-            <a:r>
-              <a:rPr lang="fr-FR" dirty="0"/>
-              <a:t>).dot(y</a:t>
-            </a:r>
-            <a:r>
-              <a:rPr lang="fr-FR" dirty="0" smtClean="0"/>
-              <a:t>)</a:t>
-            </a:r>
-          </a:p>
-          <a:p>
-            <a:r>
-              <a:rPr lang="fr-FR" dirty="0" smtClean="0"/>
-              <a:t>#</a:t>
-            </a:r>
-            <a:r>
-              <a:rPr lang="fr-FR" dirty="0" err="1" smtClean="0"/>
-              <a:t>theta</a:t>
-            </a:r>
-            <a:r>
-              <a:rPr lang="fr-FR" dirty="0" smtClean="0"/>
-              <a:t> = (b, a) pour f=</a:t>
-            </a:r>
-            <a:r>
-              <a:rPr lang="fr-FR" dirty="0" err="1" smtClean="0"/>
-              <a:t>ax+b</a:t>
-            </a:r>
-            <a:endParaRPr lang="fr-FR" dirty="0" smtClean="0"/>
-          </a:p>
-          <a:p>
-            <a:endParaRPr lang="fr-FR" dirty="0" smtClean="0"/>
-          </a:p>
-        </p:txBody>
-      </p:sp>
-    </p:spTree>
-    <p:extLst>
-      <p:ext uri="{BB962C8B-B14F-4D97-AF65-F5344CB8AC3E}">
-        <p14:creationId xmlns:p14="http://schemas.microsoft.com/office/powerpoint/2010/main" val="1848658131"/>
-      </p:ext>
-    </p:extLst>
-  </p:cSld>
-  <p:clrMapOvr>
-    <a:masterClrMapping/>
-  </p:clrMapOvr>
   <p:timing>
     <p:tnLst>
       <p:par>
@@ -5614,6 +5534,13 @@
   <p:clrMapOvr>
     <a:masterClrMapping/>
   </p:clrMapOvr>
+  <p:timing>
+    <p:tnLst>
+      <p:par>
+        <p:cTn id="1" dur="indefinite" restart="never" nodeType="tmRoot"/>
+      </p:par>
+    </p:tnLst>
+  </p:timing>
 </p:sld>
 </file>
 
@@ -5964,7 +5891,13 @@
       </p:grpSpPr>
       <p:sp>
         <p:nvSpPr>
-          <p:cNvPr id="2" name="Titre 1"/>
+          <p:cNvPr id="2" name="Title 1">
+            <a:extLst>
+              <a:ext uri="{FF2B5EF4-FFF2-40B4-BE49-F238E27FC236}">
+                <a16:creationId xmlns:a16="http://schemas.microsoft.com/office/drawing/2014/main" id="{329B280E-624C-472D-A44B-C9D553FEE79C}"/>
+              </a:ext>
+            </a:extLst>
+          </p:cNvPr>
           <p:cNvSpPr>
             <a:spLocks noGrp="1"/>
           </p:cNvSpPr>
@@ -5978,16 +5911,21 @@
           <a:lstStyle/>
           <a:p>
             <a:r>
-              <a:rPr lang="fr-FR" dirty="0" smtClean="0"/>
-              <a:t>Shape</a:t>
-            </a:r>
-            <a:endParaRPr lang="fr-FR" dirty="0"/>
+              <a:rPr lang="en-US" dirty="0"/>
+              <a:t>Shaping</a:t>
+            </a:r>
           </a:p>
         </p:txBody>
       </p:sp>
       <p:sp>
         <p:nvSpPr>
-          <p:cNvPr id="3" name="Espace réservé du contenu 2"/>
+          <p:cNvPr id="3" name="Content Placeholder 2">
+            <a:extLst>
+              <a:ext uri="{FF2B5EF4-FFF2-40B4-BE49-F238E27FC236}">
+                <a16:creationId xmlns:a16="http://schemas.microsoft.com/office/drawing/2014/main" id="{BFCD03DC-D93C-44FF-8EE4-91BB92EED889}"/>
+              </a:ext>
+            </a:extLst>
+          </p:cNvPr>
           <p:cNvSpPr>
             <a:spLocks noGrp="1"/>
           </p:cNvSpPr>
@@ -5995,70 +5933,186 @@
             <p:ph idx="1"/>
           </p:nvPr>
         </p:nvSpPr>
-        <p:spPr/>
+        <p:spPr>
+          <a:xfrm>
+            <a:off x="946404" y="2228850"/>
+            <a:ext cx="6926300" cy="3263503"/>
+          </a:xfrm>
+        </p:spPr>
         <p:txBody>
           <a:bodyPr/>
           <a:lstStyle/>
           <a:p>
-            <a:r>
-              <a:rPr lang="fr-FR" dirty="0" smtClean="0"/>
-              <a:t>Shape</a:t>
-            </a:r>
-          </a:p>
-          <a:p>
-            <a:pPr lvl="1"/>
-            <a:r>
-              <a:rPr lang="fr-FR" dirty="0" smtClean="0"/>
-              <a:t>Donne la dimension et les longueurs de chaque dimension d’une matrice (ou d’un cube)</a:t>
-            </a:r>
-          </a:p>
-          <a:p>
-            <a:r>
-              <a:rPr lang="fr-FR" dirty="0" err="1" smtClean="0"/>
-              <a:t>reshape</a:t>
-            </a:r>
-            <a:r>
-              <a:rPr lang="fr-FR" dirty="0" smtClean="0"/>
-              <a:t> redimensionne la matrice</a:t>
-            </a:r>
-          </a:p>
-          <a:p>
-            <a:pPr lvl="1"/>
-            <a:r>
-              <a:rPr lang="fr-FR" dirty="0" smtClean="0"/>
-              <a:t>Vérifie que c’est faisable</a:t>
+            <a:pPr marL="0" indent="0">
+              <a:buNone/>
+            </a:pPr>
+            <a:r>
+              <a:rPr lang="en-US" dirty="0">
+                <a:latin typeface="Courier New" panose="02070309020205020404" pitchFamily="49" charset="0"/>
+                <a:cs typeface="Courier New" panose="02070309020205020404" pitchFamily="49" charset="0"/>
+              </a:rPr>
+              <a:t>a = </a:t>
+            </a:r>
+            <a:r>
+              <a:rPr lang="en-US" dirty="0" err="1">
+                <a:latin typeface="Courier New" panose="02070309020205020404" pitchFamily="49" charset="0"/>
+                <a:cs typeface="Courier New" panose="02070309020205020404" pitchFamily="49" charset="0"/>
+              </a:rPr>
+              <a:t>np.array</a:t>
+            </a:r>
+            <a:r>
+              <a:rPr lang="en-US" dirty="0">
+                <a:latin typeface="Courier New" panose="02070309020205020404" pitchFamily="49" charset="0"/>
+                <a:cs typeface="Courier New" panose="02070309020205020404" pitchFamily="49" charset="0"/>
+              </a:rPr>
+              <a:t>([1,2,3,4,5,6])</a:t>
+            </a:r>
+          </a:p>
+          <a:p>
+            <a:pPr marL="0" indent="0">
+              <a:buNone/>
+            </a:pPr>
+            <a:r>
+              <a:rPr lang="en-US" dirty="0">
+                <a:latin typeface="Courier New" panose="02070309020205020404" pitchFamily="49" charset="0"/>
+                <a:cs typeface="Courier New" panose="02070309020205020404" pitchFamily="49" charset="0"/>
+              </a:rPr>
+              <a:t>a = </a:t>
+            </a:r>
+            <a:r>
+              <a:rPr lang="en-US" dirty="0" err="1">
+                <a:latin typeface="Courier New" panose="02070309020205020404" pitchFamily="49" charset="0"/>
+                <a:cs typeface="Courier New" panose="02070309020205020404" pitchFamily="49" charset="0"/>
+              </a:rPr>
+              <a:t>a.reshape</a:t>
+            </a:r>
+            <a:r>
+              <a:rPr lang="en-US" dirty="0">
+                <a:latin typeface="Courier New" panose="02070309020205020404" pitchFamily="49" charset="0"/>
+                <a:cs typeface="Courier New" panose="02070309020205020404" pitchFamily="49" charset="0"/>
+              </a:rPr>
+              <a:t>(3,2)</a:t>
+            </a:r>
+          </a:p>
+          <a:p>
+            <a:pPr marL="0" indent="0">
+              <a:buNone/>
+            </a:pPr>
+            <a:r>
+              <a:rPr lang="en-US" dirty="0">
+                <a:latin typeface="Courier New" panose="02070309020205020404" pitchFamily="49" charset="0"/>
+                <a:cs typeface="Courier New" panose="02070309020205020404" pitchFamily="49" charset="0"/>
+              </a:rPr>
+              <a:t>a = </a:t>
+            </a:r>
+            <a:r>
+              <a:rPr lang="en-US" dirty="0" err="1">
+                <a:latin typeface="Courier New" panose="02070309020205020404" pitchFamily="49" charset="0"/>
+                <a:cs typeface="Courier New" panose="02070309020205020404" pitchFamily="49" charset="0"/>
+              </a:rPr>
+              <a:t>a.reshape</a:t>
+            </a:r>
+            <a:r>
+              <a:rPr lang="en-US" dirty="0">
+                <a:latin typeface="Courier New" panose="02070309020205020404" pitchFamily="49" charset="0"/>
+                <a:cs typeface="Courier New" panose="02070309020205020404" pitchFamily="49" charset="0"/>
+              </a:rPr>
+              <a:t>(2,-1)</a:t>
+            </a:r>
+          </a:p>
+          <a:p>
+            <a:pPr marL="0" indent="0">
+              <a:buNone/>
+            </a:pPr>
+            <a:r>
+              <a:rPr lang="en-US" dirty="0">
+                <a:latin typeface="Courier New" panose="02070309020205020404" pitchFamily="49" charset="0"/>
+                <a:cs typeface="Courier New" panose="02070309020205020404" pitchFamily="49" charset="0"/>
+              </a:rPr>
+              <a:t>a = </a:t>
+            </a:r>
+            <a:r>
+              <a:rPr lang="en-US" dirty="0" err="1">
+                <a:latin typeface="Courier New" panose="02070309020205020404" pitchFamily="49" charset="0"/>
+                <a:cs typeface="Courier New" panose="02070309020205020404" pitchFamily="49" charset="0"/>
+              </a:rPr>
+              <a:t>a.ravel</a:t>
+            </a:r>
+            <a:r>
+              <a:rPr lang="en-US" dirty="0">
+                <a:latin typeface="Courier New" panose="02070309020205020404" pitchFamily="49" charset="0"/>
+                <a:cs typeface="Courier New" panose="02070309020205020404" pitchFamily="49" charset="0"/>
+              </a:rPr>
+              <a:t>()</a:t>
+            </a:r>
+          </a:p>
+          <a:p>
+            <a:pPr marL="385763" indent="-385763">
+              <a:buFont typeface="+mj-lt"/>
+              <a:buAutoNum type="arabicPeriod"/>
+            </a:pPr>
+            <a:r>
+              <a:rPr lang="en-US" dirty="0"/>
+              <a:t>Total number of elements cannot change.</a:t>
+            </a:r>
+          </a:p>
+          <a:p>
+            <a:pPr marL="385763" indent="-385763">
+              <a:buFont typeface="+mj-lt"/>
+              <a:buAutoNum type="arabicPeriod"/>
+            </a:pPr>
+            <a:r>
+              <a:rPr lang="en-US" dirty="0"/>
+              <a:t>Use -1 to infer axis shape</a:t>
+            </a:r>
+          </a:p>
+          <a:p>
+            <a:pPr marL="385763" indent="-385763">
+              <a:buFont typeface="+mj-lt"/>
+              <a:buAutoNum type="arabicPeriod"/>
+            </a:pPr>
+            <a:r>
+              <a:rPr lang="en-US" dirty="0"/>
+              <a:t>Row-major by default (MATLAB is column-major)</a:t>
             </a:r>
           </a:p>
         </p:txBody>
       </p:sp>
-      <p:pic>
-        <p:nvPicPr>
-          <p:cNvPr id="7" name="Image 6"/>
-          <p:cNvPicPr>
-            <a:picLocks noChangeAspect="1"/>
-          </p:cNvPicPr>
-          <p:nvPr/>
-        </p:nvPicPr>
-        <p:blipFill>
-          <a:blip r:embed="rId2"/>
-          <a:stretch>
-            <a:fillRect/>
-          </a:stretch>
-        </p:blipFill>
-        <p:spPr>
-          <a:xfrm>
-            <a:off x="1438809" y="4509120"/>
-            <a:ext cx="6247456" cy="1237886"/>
-          </a:xfrm>
-          <a:prstGeom prst="rect">
-            <a:avLst/>
-          </a:prstGeom>
-        </p:spPr>
-      </p:pic>
+      <p:sp>
+        <p:nvSpPr>
+          <p:cNvPr id="5" name="Slide Number Placeholder 4">
+            <a:extLst>
+              <a:ext uri="{FF2B5EF4-FFF2-40B4-BE49-F238E27FC236}">
+                <a16:creationId xmlns:a16="http://schemas.microsoft.com/office/drawing/2014/main" id="{3B50F944-BFC9-488F-9A3B-65D19B301B98}"/>
+              </a:ext>
+            </a:extLst>
+          </p:cNvPr>
+          <p:cNvSpPr>
+            <a:spLocks noGrp="1"/>
+          </p:cNvSpPr>
+          <p:nvPr>
+            <p:ph type="sldNum" sz="quarter" idx="4294967295"/>
+          </p:nvPr>
+        </p:nvSpPr>
+        <p:spPr/>
+        <p:txBody>
+          <a:bodyPr>
+            <a:normAutofit fontScale="25000" lnSpcReduction="20000"/>
+          </a:bodyPr>
+          <a:lstStyle/>
+          <a:p>
+            <a:fld id="{4FAB73BC-B049-4115-A692-8D63A059BFB8}" type="slidenum">
+              <a:rPr lang="en-US" smtClean="0"/>
+              <a:t>6</a:t>
+            </a:fld>
+            <a:endParaRPr lang="en-US" dirty="0"/>
+          </a:p>
+        </p:txBody>
+      </p:sp>
     </p:spTree>
     <p:extLst>
       <p:ext uri="{BB962C8B-B14F-4D97-AF65-F5344CB8AC3E}">
-        <p14:creationId xmlns:p14="http://schemas.microsoft.com/office/powerpoint/2010/main" val="2230031446"/>
+        <p14:creationId xmlns:p14="http://schemas.microsoft.com/office/powerpoint/2010/main" val="398883516"/>
       </p:ext>
     </p:extLst>
   </p:cSld>
@@ -6076,256 +6130,6 @@
 </file>
 
 <file path=ppt/slides/slide7.xml><?xml version="1.0" encoding="utf-8"?>
-<p:sld xmlns:a="http://schemas.openxmlformats.org/drawingml/2006/main" xmlns:r="http://schemas.openxmlformats.org/officeDocument/2006/relationships" xmlns:p="http://schemas.openxmlformats.org/presentationml/2006/main">
-  <p:cSld>
-    <p:spTree>
-      <p:nvGrpSpPr>
-        <p:cNvPr id="1" name=""/>
-        <p:cNvGrpSpPr/>
-        <p:nvPr/>
-      </p:nvGrpSpPr>
-      <p:grpSpPr>
-        <a:xfrm>
-          <a:off x="0" y="0"/>
-          <a:ext cx="0" cy="0"/>
-          <a:chOff x="0" y="0"/>
-          <a:chExt cx="0" cy="0"/>
-        </a:xfrm>
-      </p:grpSpPr>
-      <p:sp>
-        <p:nvSpPr>
-          <p:cNvPr id="2" name="Title 1">
-            <a:extLst>
-              <a:ext uri="{FF2B5EF4-FFF2-40B4-BE49-F238E27FC236}">
-                <a16:creationId xmlns:a16="http://schemas.microsoft.com/office/drawing/2014/main" id="{329B280E-624C-472D-A44B-C9D553FEE79C}"/>
-              </a:ext>
-            </a:extLst>
-          </p:cNvPr>
-          <p:cNvSpPr>
-            <a:spLocks noGrp="1"/>
-          </p:cNvSpPr>
-          <p:nvPr>
-            <p:ph type="title"/>
-          </p:nvPr>
-        </p:nvSpPr>
-        <p:spPr/>
-        <p:txBody>
-          <a:bodyPr/>
-          <a:lstStyle/>
-          <a:p>
-            <a:r>
-              <a:rPr lang="en-US" dirty="0"/>
-              <a:t>Shaping</a:t>
-            </a:r>
-          </a:p>
-        </p:txBody>
-      </p:sp>
-      <p:sp>
-        <p:nvSpPr>
-          <p:cNvPr id="3" name="Content Placeholder 2">
-            <a:extLst>
-              <a:ext uri="{FF2B5EF4-FFF2-40B4-BE49-F238E27FC236}">
-                <a16:creationId xmlns:a16="http://schemas.microsoft.com/office/drawing/2014/main" id="{BFCD03DC-D93C-44FF-8EE4-91BB92EED889}"/>
-              </a:ext>
-            </a:extLst>
-          </p:cNvPr>
-          <p:cNvSpPr>
-            <a:spLocks noGrp="1"/>
-          </p:cNvSpPr>
-          <p:nvPr>
-            <p:ph idx="1"/>
-          </p:nvPr>
-        </p:nvSpPr>
-        <p:spPr>
-          <a:xfrm>
-            <a:off x="946404" y="2228850"/>
-            <a:ext cx="6926300" cy="3263503"/>
-          </a:xfrm>
-        </p:spPr>
-        <p:txBody>
-          <a:bodyPr/>
-          <a:lstStyle/>
-          <a:p>
-            <a:pPr marL="0" indent="0">
-              <a:buNone/>
-            </a:pPr>
-            <a:r>
-              <a:rPr lang="en-US" dirty="0">
-                <a:latin typeface="Courier New" panose="02070309020205020404" pitchFamily="49" charset="0"/>
-                <a:cs typeface="Courier New" panose="02070309020205020404" pitchFamily="49" charset="0"/>
-              </a:rPr>
-              <a:t>a = </a:t>
-            </a:r>
-            <a:r>
-              <a:rPr lang="en-US" dirty="0" err="1">
-                <a:latin typeface="Courier New" panose="02070309020205020404" pitchFamily="49" charset="0"/>
-                <a:cs typeface="Courier New" panose="02070309020205020404" pitchFamily="49" charset="0"/>
-              </a:rPr>
-              <a:t>np.array</a:t>
-            </a:r>
-            <a:r>
-              <a:rPr lang="en-US" dirty="0">
-                <a:latin typeface="Courier New" panose="02070309020205020404" pitchFamily="49" charset="0"/>
-                <a:cs typeface="Courier New" panose="02070309020205020404" pitchFamily="49" charset="0"/>
-              </a:rPr>
-              <a:t>([1,2,3,4,5,6])</a:t>
-            </a:r>
-          </a:p>
-          <a:p>
-            <a:pPr marL="0" indent="0">
-              <a:buNone/>
-            </a:pPr>
-            <a:r>
-              <a:rPr lang="en-US" dirty="0">
-                <a:latin typeface="Courier New" panose="02070309020205020404" pitchFamily="49" charset="0"/>
-                <a:cs typeface="Courier New" panose="02070309020205020404" pitchFamily="49" charset="0"/>
-              </a:rPr>
-              <a:t>a = </a:t>
-            </a:r>
-            <a:r>
-              <a:rPr lang="en-US" dirty="0" err="1">
-                <a:latin typeface="Courier New" panose="02070309020205020404" pitchFamily="49" charset="0"/>
-                <a:cs typeface="Courier New" panose="02070309020205020404" pitchFamily="49" charset="0"/>
-              </a:rPr>
-              <a:t>a.reshape</a:t>
-            </a:r>
-            <a:r>
-              <a:rPr lang="en-US" dirty="0">
-                <a:latin typeface="Courier New" panose="02070309020205020404" pitchFamily="49" charset="0"/>
-                <a:cs typeface="Courier New" panose="02070309020205020404" pitchFamily="49" charset="0"/>
-              </a:rPr>
-              <a:t>(3,2)</a:t>
-            </a:r>
-          </a:p>
-          <a:p>
-            <a:pPr marL="0" indent="0">
-              <a:buNone/>
-            </a:pPr>
-            <a:r>
-              <a:rPr lang="en-US" dirty="0">
-                <a:latin typeface="Courier New" panose="02070309020205020404" pitchFamily="49" charset="0"/>
-                <a:cs typeface="Courier New" panose="02070309020205020404" pitchFamily="49" charset="0"/>
-              </a:rPr>
-              <a:t>a = </a:t>
-            </a:r>
-            <a:r>
-              <a:rPr lang="en-US" dirty="0" err="1">
-                <a:latin typeface="Courier New" panose="02070309020205020404" pitchFamily="49" charset="0"/>
-                <a:cs typeface="Courier New" panose="02070309020205020404" pitchFamily="49" charset="0"/>
-              </a:rPr>
-              <a:t>a.reshape</a:t>
-            </a:r>
-            <a:r>
-              <a:rPr lang="en-US" dirty="0">
-                <a:latin typeface="Courier New" panose="02070309020205020404" pitchFamily="49" charset="0"/>
-                <a:cs typeface="Courier New" panose="02070309020205020404" pitchFamily="49" charset="0"/>
-              </a:rPr>
-              <a:t>(2,-1)</a:t>
-            </a:r>
-          </a:p>
-          <a:p>
-            <a:pPr marL="0" indent="0">
-              <a:buNone/>
-            </a:pPr>
-            <a:r>
-              <a:rPr lang="en-US" dirty="0">
-                <a:latin typeface="Courier New" panose="02070309020205020404" pitchFamily="49" charset="0"/>
-                <a:cs typeface="Courier New" panose="02070309020205020404" pitchFamily="49" charset="0"/>
-              </a:rPr>
-              <a:t>a = </a:t>
-            </a:r>
-            <a:r>
-              <a:rPr lang="en-US" dirty="0" err="1">
-                <a:latin typeface="Courier New" panose="02070309020205020404" pitchFamily="49" charset="0"/>
-                <a:cs typeface="Courier New" panose="02070309020205020404" pitchFamily="49" charset="0"/>
-              </a:rPr>
-              <a:t>a.ravel</a:t>
-            </a:r>
-            <a:r>
-              <a:rPr lang="en-US" dirty="0">
-                <a:latin typeface="Courier New" panose="02070309020205020404" pitchFamily="49" charset="0"/>
-                <a:cs typeface="Courier New" panose="02070309020205020404" pitchFamily="49" charset="0"/>
-              </a:rPr>
-              <a:t>()</a:t>
-            </a:r>
-          </a:p>
-          <a:p>
-            <a:pPr marL="385763" indent="-385763">
-              <a:buFont typeface="+mj-lt"/>
-              <a:buAutoNum type="arabicPeriod"/>
-            </a:pPr>
-            <a:r>
-              <a:rPr lang="en-US" dirty="0"/>
-              <a:t>Total number of elements cannot change.</a:t>
-            </a:r>
-          </a:p>
-          <a:p>
-            <a:pPr marL="385763" indent="-385763">
-              <a:buFont typeface="+mj-lt"/>
-              <a:buAutoNum type="arabicPeriod"/>
-            </a:pPr>
-            <a:r>
-              <a:rPr lang="en-US" dirty="0"/>
-              <a:t>Use -1 to infer axis shape</a:t>
-            </a:r>
-          </a:p>
-          <a:p>
-            <a:pPr marL="385763" indent="-385763">
-              <a:buFont typeface="+mj-lt"/>
-              <a:buAutoNum type="arabicPeriod"/>
-            </a:pPr>
-            <a:r>
-              <a:rPr lang="en-US" dirty="0"/>
-              <a:t>Row-major by default (MATLAB is column-major)</a:t>
-            </a:r>
-          </a:p>
-        </p:txBody>
-      </p:sp>
-      <p:sp>
-        <p:nvSpPr>
-          <p:cNvPr id="5" name="Slide Number Placeholder 4">
-            <a:extLst>
-              <a:ext uri="{FF2B5EF4-FFF2-40B4-BE49-F238E27FC236}">
-                <a16:creationId xmlns:a16="http://schemas.microsoft.com/office/drawing/2014/main" id="{3B50F944-BFC9-488F-9A3B-65D19B301B98}"/>
-              </a:ext>
-            </a:extLst>
-          </p:cNvPr>
-          <p:cNvSpPr>
-            <a:spLocks noGrp="1"/>
-          </p:cNvSpPr>
-          <p:nvPr>
-            <p:ph type="sldNum" sz="quarter" idx="4294967295"/>
-          </p:nvPr>
-        </p:nvSpPr>
-        <p:spPr/>
-        <p:txBody>
-          <a:bodyPr>
-            <a:normAutofit fontScale="25000" lnSpcReduction="20000"/>
-          </a:bodyPr>
-          <a:lstStyle/>
-          <a:p>
-            <a:fld id="{4FAB73BC-B049-4115-A692-8D63A059BFB8}" type="slidenum">
-              <a:rPr lang="en-US" smtClean="0"/>
-              <a:t>7</a:t>
-            </a:fld>
-            <a:endParaRPr lang="en-US" dirty="0"/>
-          </a:p>
-        </p:txBody>
-      </p:sp>
-    </p:spTree>
-    <p:extLst>
-      <p:ext uri="{BB962C8B-B14F-4D97-AF65-F5344CB8AC3E}">
-        <p14:creationId xmlns:p14="http://schemas.microsoft.com/office/powerpoint/2010/main" val="398883516"/>
-      </p:ext>
-    </p:extLst>
-  </p:cSld>
-  <p:clrMapOvr>
-    <a:masterClrMapping/>
-  </p:clrMapOvr>
-</p:sld>
-</file>
-
-<file path=ppt/slides/slide8.xml><?xml version="1.0" encoding="utf-8"?>
 <p:sld xmlns:a="http://schemas.openxmlformats.org/drawingml/2006/main" xmlns:r="http://schemas.openxmlformats.org/officeDocument/2006/relationships" xmlns:p="http://schemas.openxmlformats.org/presentationml/2006/main">
   <p:cSld>
     <p:spTree>
@@ -6486,6 +6290,103 @@
 </p:sld>
 </file>
 
+<file path=ppt/slides/slide8.xml><?xml version="1.0" encoding="utf-8"?>
+<p:sld xmlns:a="http://schemas.openxmlformats.org/drawingml/2006/main" xmlns:r="http://schemas.openxmlformats.org/officeDocument/2006/relationships" xmlns:p="http://schemas.openxmlformats.org/presentationml/2006/main">
+  <p:cSld>
+    <p:spTree>
+      <p:nvGrpSpPr>
+        <p:cNvPr id="1" name=""/>
+        <p:cNvGrpSpPr/>
+        <p:nvPr/>
+      </p:nvGrpSpPr>
+      <p:grpSpPr>
+        <a:xfrm>
+          <a:off x="0" y="0"/>
+          <a:ext cx="0" cy="0"/>
+          <a:chOff x="0" y="0"/>
+          <a:chExt cx="0" cy="0"/>
+        </a:xfrm>
+      </p:grpSpPr>
+      <p:sp>
+        <p:nvSpPr>
+          <p:cNvPr id="2" name="Titre 1"/>
+          <p:cNvSpPr>
+            <a:spLocks noGrp="1"/>
+          </p:cNvSpPr>
+          <p:nvPr>
+            <p:ph type="title"/>
+          </p:nvPr>
+        </p:nvSpPr>
+        <p:spPr/>
+        <p:txBody>
+          <a:bodyPr/>
+          <a:lstStyle/>
+          <a:p>
+            <a:r>
+              <a:rPr lang="fr-FR" dirty="0" smtClean="0"/>
+              <a:t>Transposée</a:t>
+            </a:r>
+            <a:endParaRPr lang="fr-FR" dirty="0"/>
+          </a:p>
+        </p:txBody>
+      </p:sp>
+      <p:sp>
+        <p:nvSpPr>
+          <p:cNvPr id="3" name="Espace réservé du contenu 2"/>
+          <p:cNvSpPr>
+            <a:spLocks noGrp="1"/>
+          </p:cNvSpPr>
+          <p:nvPr>
+            <p:ph idx="1"/>
+          </p:nvPr>
+        </p:nvSpPr>
+        <p:spPr/>
+        <p:txBody>
+          <a:bodyPr/>
+          <a:lstStyle/>
+          <a:p>
+            <a:r>
+              <a:rPr lang="fr-FR" dirty="0" err="1" smtClean="0"/>
+              <a:t>x.T</a:t>
+            </a:r>
+            <a:endParaRPr lang="fr-FR" dirty="0" smtClean="0"/>
+          </a:p>
+          <a:p>
+            <a:pPr lvl="1"/>
+            <a:r>
+              <a:rPr lang="fr-FR" dirty="0" smtClean="0"/>
+              <a:t>Transposition d’une matrice </a:t>
+            </a:r>
+          </a:p>
+          <a:p>
+            <a:pPr lvl="1"/>
+            <a:r>
+              <a:rPr lang="fr-FR" dirty="0" smtClean="0"/>
+              <a:t>inversion ligne colonne</a:t>
+            </a:r>
+          </a:p>
+        </p:txBody>
+      </p:sp>
+    </p:spTree>
+    <p:extLst>
+      <p:ext uri="{BB962C8B-B14F-4D97-AF65-F5344CB8AC3E}">
+        <p14:creationId xmlns:p14="http://schemas.microsoft.com/office/powerpoint/2010/main" val="2378058673"/>
+      </p:ext>
+    </p:extLst>
+  </p:cSld>
+  <p:clrMapOvr>
+    <a:masterClrMapping/>
+  </p:clrMapOvr>
+  <p:timing>
+    <p:tnLst>
+      <p:par>
+        <p:cTn id="1" dur="indefinite" restart="never" nodeType="tmRoot"/>
+      </p:par>
+    </p:tnLst>
+  </p:timing>
+</p:sld>
+</file>
+
 <file path=ppt/slides/slide9.xml><?xml version="1.0" encoding="utf-8"?>
 <p:sld xmlns:a="http://schemas.openxmlformats.org/drawingml/2006/main" xmlns:r="http://schemas.openxmlformats.org/officeDocument/2006/relationships" xmlns:p="http://schemas.openxmlformats.org/presentationml/2006/main">
   <p:cSld>
@@ -6519,54 +6420,107 @@
           <a:lstStyle/>
           <a:p>
             <a:r>
-              <a:rPr lang="fr-FR" dirty="0" smtClean="0"/>
-              <a:t>Transposée</a:t>
+              <a:rPr lang="fr-FR" dirty="0" err="1" smtClean="0"/>
+              <a:t>Random</a:t>
             </a:r>
             <a:endParaRPr lang="fr-FR" dirty="0"/>
           </a:p>
         </p:txBody>
       </p:sp>
-      <p:sp>
-        <p:nvSpPr>
-          <p:cNvPr id="3" name="Espace réservé du contenu 2"/>
-          <p:cNvSpPr>
-            <a:spLocks noGrp="1"/>
-          </p:cNvSpPr>
-          <p:nvPr>
-            <p:ph idx="1"/>
-          </p:nvPr>
-        </p:nvSpPr>
-        <p:spPr/>
+      <p:pic>
+        <p:nvPicPr>
+          <p:cNvPr id="4" name="Image 3"/>
+          <p:cNvPicPr>
+            <a:picLocks noChangeAspect="1"/>
+          </p:cNvPicPr>
+          <p:nvPr/>
+        </p:nvPicPr>
+        <p:blipFill>
+          <a:blip r:embed="rId2"/>
+          <a:stretch>
+            <a:fillRect/>
+          </a:stretch>
+        </p:blipFill>
+        <p:spPr>
+          <a:xfrm>
+            <a:off x="827584" y="1156209"/>
+            <a:ext cx="7466207" cy="3744416"/>
+          </a:xfrm>
+          <a:prstGeom prst="rect">
+            <a:avLst/>
+          </a:prstGeom>
+        </p:spPr>
+      </p:pic>
+      <p:pic>
+        <p:nvPicPr>
+          <p:cNvPr id="5" name="Image 4"/>
+          <p:cNvPicPr>
+            <a:picLocks noChangeAspect="1"/>
+          </p:cNvPicPr>
+          <p:nvPr/>
+        </p:nvPicPr>
+        <p:blipFill>
+          <a:blip r:embed="rId3"/>
+          <a:stretch>
+            <a:fillRect/>
+          </a:stretch>
+        </p:blipFill>
+        <p:spPr>
+          <a:xfrm>
+            <a:off x="987797" y="4925348"/>
+            <a:ext cx="4130270" cy="720080"/>
+          </a:xfrm>
+          <a:prstGeom prst="rect">
+            <a:avLst/>
+          </a:prstGeom>
+        </p:spPr>
+      </p:pic>
+      <p:sp>
+        <p:nvSpPr>
+          <p:cNvPr id="6" name="ZoneTexte 5"/>
+          <p:cNvSpPr txBox="1"/>
+          <p:nvPr/>
+        </p:nvSpPr>
+        <p:spPr>
+          <a:xfrm>
+            <a:off x="5533099" y="4968542"/>
+            <a:ext cx="3643946" cy="1015663"/>
+          </a:xfrm>
+          <a:prstGeom prst="rect">
+            <a:avLst/>
+          </a:prstGeom>
+          <a:noFill/>
+        </p:spPr>
         <p:txBody>
-          <a:bodyPr/>
+          <a:bodyPr wrap="none" rtlCol="0">
+            <a:spAutoFit/>
+          </a:bodyPr>
           <a:lstStyle/>
           <a:p>
             <a:r>
-              <a:rPr lang="fr-FR" dirty="0" err="1" smtClean="0"/>
-              <a:t>x.T</a:t>
-            </a:r>
-            <a:endParaRPr lang="fr-FR" dirty="0" smtClean="0"/>
-          </a:p>
-          <a:p>
-            <a:pPr lvl="1"/>
-            <a:r>
-              <a:rPr lang="fr-FR" dirty="0" smtClean="0"/>
-              <a:t>Transposition d’une matrice </a:t>
-            </a:r>
-          </a:p>
-          <a:p>
-            <a:pPr lvl="1"/>
-            <a:r>
-              <a:rPr lang="fr-FR" dirty="0" smtClean="0"/>
-              <a:t>inversion ligne colonne</a:t>
-            </a:r>
+              <a:rPr lang="fr-FR" sz="2000" dirty="0" smtClean="0"/>
+              <a:t>0 veut dire par ligne</a:t>
+            </a:r>
+          </a:p>
+          <a:p>
+            <a:r>
+              <a:rPr lang="fr-FR" sz="2000" dirty="0" smtClean="0"/>
+              <a:t>1 veut dire par colonne</a:t>
+            </a:r>
+          </a:p>
+          <a:p>
+            <a:r>
+              <a:rPr lang="fr-FR" sz="2000" dirty="0" smtClean="0"/>
+              <a:t>Absent veut dire somme totale</a:t>
+            </a:r>
+            <a:endParaRPr lang="fr-FR" sz="2000" dirty="0"/>
           </a:p>
         </p:txBody>
       </p:sp>
     </p:spTree>
     <p:extLst>
       <p:ext uri="{BB962C8B-B14F-4D97-AF65-F5344CB8AC3E}">
-        <p14:creationId xmlns:p14="http://schemas.microsoft.com/office/powerpoint/2010/main" val="2378058673"/>
+        <p14:creationId xmlns:p14="http://schemas.microsoft.com/office/powerpoint/2010/main" val="2677605873"/>
       </p:ext>
     </p:extLst>
   </p:cSld>

--- a/ppt/PythonMath07-NumpyMatrix.pptx
+++ b/ppt/PythonMath07-NumpyMatrix.pptx
@@ -4665,7 +4665,21 @@
                 <a:latin typeface="Courier New" panose="02070309020205020404" pitchFamily="49" charset="0"/>
                 <a:cs typeface="Courier New" panose="02070309020205020404" pitchFamily="49" charset="0"/>
               </a:rPr>
-              <a:t>(axis=0) # sum over rows </a:t>
+              <a:t>(axis</a:t>
+            </a:r>
+            <a:r>
+              <a:rPr lang="en-US" dirty="0" smtClean="0">
+                <a:latin typeface="Courier New" panose="02070309020205020404" pitchFamily="49" charset="0"/>
+                <a:cs typeface="Courier New" panose="02070309020205020404" pitchFamily="49" charset="0"/>
+              </a:rPr>
+              <a:t>=-1) </a:t>
+            </a:r>
+            <a:r>
+              <a:rPr lang="en-US" dirty="0">
+                <a:latin typeface="Courier New" panose="02070309020205020404" pitchFamily="49" charset="0"/>
+                <a:cs typeface="Courier New" panose="02070309020205020404" pitchFamily="49" charset="0"/>
+              </a:rPr>
+              <a:t># sum over rows </a:t>
             </a:r>
           </a:p>
           <a:p>
@@ -4673,18 +4687,25 @@
               <a:buNone/>
             </a:pPr>
             <a:r>
-              <a:rPr lang="en-US" dirty="0" err="1">
+              <a:rPr lang="en-US" dirty="0" err="1" smtClean="0">
                 <a:latin typeface="Courier New" panose="02070309020205020404" pitchFamily="49" charset="0"/>
                 <a:cs typeface="Courier New" panose="02070309020205020404" pitchFamily="49" charset="0"/>
               </a:rPr>
               <a:t>a.sum</a:t>
             </a:r>
             <a:r>
+              <a:rPr lang="en-US" smtClean="0">
+                <a:latin typeface="Courier New" panose="02070309020205020404" pitchFamily="49" charset="0"/>
+                <a:cs typeface="Courier New" panose="02070309020205020404" pitchFamily="49" charset="0"/>
+              </a:rPr>
+              <a:t>(axis=0) </a:t>
+            </a:r>
+            <a:r>
               <a:rPr lang="en-US" dirty="0">
                 <a:latin typeface="Courier New" panose="02070309020205020404" pitchFamily="49" charset="0"/>
                 <a:cs typeface="Courier New" panose="02070309020205020404" pitchFamily="49" charset="0"/>
               </a:rPr>
-              <a:t>(axis=1) # sum over </a:t>
+              <a:t># sum over </a:t>
             </a:r>
             <a:r>
               <a:rPr lang="en-US" dirty="0" smtClean="0">
@@ -4793,11 +4814,7 @@
             </a:r>
             <a:r>
               <a:rPr lang="fr-FR" dirty="0" smtClean="0"/>
-              <a:t> </a:t>
-            </a:r>
-            <a:r>
-              <a:rPr lang="fr-FR" dirty="0" smtClean="0"/>
-              <a:t>sont en fait des </a:t>
+              <a:t> sont en fait des </a:t>
             </a:r>
             <a:r>
               <a:rPr lang="fr-FR" dirty="0" err="1" smtClean="0"/>
@@ -4805,15 +4822,7 @@
             </a:r>
             <a:r>
               <a:rPr lang="fr-FR" dirty="0" smtClean="0"/>
-              <a:t> soit des </a:t>
-            </a:r>
-            <a:r>
-              <a:rPr lang="fr-FR" dirty="0" smtClean="0"/>
-              <a:t>matrices </a:t>
-            </a:r>
-            <a:r>
-              <a:rPr lang="fr-FR" dirty="0" smtClean="0"/>
-              <a:t>de dimension n (cubes)</a:t>
+              <a:t> soit des matrices de dimension n (cubes)</a:t>
             </a:r>
           </a:p>
           <a:p>

--- a/ppt/PythonMath07-NumpyMatrix.pptx
+++ b/ppt/PythonMath07-NumpyMatrix.pptx
@@ -622,35 +622,35 @@
           <a:p>
             <a:pPr lvl="0"/>
             <a:r>
-              <a:rPr lang="fr-FR" noProof="0" smtClean="0"/>
+              <a:rPr lang="fr-FR" noProof="0"/>
               <a:t>Cliquez pour modifier les styles du texte du masque</a:t>
             </a:r>
           </a:p>
           <a:p>
             <a:pPr lvl="1"/>
             <a:r>
-              <a:rPr lang="fr-FR" noProof="0" smtClean="0"/>
+              <a:rPr lang="fr-FR" noProof="0"/>
               <a:t>Deuxième niveau</a:t>
             </a:r>
           </a:p>
           <a:p>
             <a:pPr lvl="2"/>
             <a:r>
-              <a:rPr lang="fr-FR" noProof="0" smtClean="0"/>
+              <a:rPr lang="fr-FR" noProof="0"/>
               <a:t>Troisième niveau</a:t>
             </a:r>
           </a:p>
           <a:p>
             <a:pPr lvl="3"/>
             <a:r>
-              <a:rPr lang="fr-FR" noProof="0" smtClean="0"/>
+              <a:rPr lang="fr-FR" noProof="0"/>
               <a:t>Quatrième niveau</a:t>
             </a:r>
           </a:p>
           <a:p>
             <a:pPr lvl="4"/>
             <a:r>
-              <a:rPr lang="fr-FR" noProof="0" smtClean="0"/>
+              <a:rPr lang="fr-FR" noProof="0"/>
               <a:t>Cinquième niveau</a:t>
             </a:r>
           </a:p>
@@ -938,10 +938,9 @@
           <a:lstStyle/>
           <a:p>
             <a:r>
-              <a:rPr lang="fr-FR" smtClean="0"/>
+              <a:rPr lang="fr-FR"/>
               <a:t>Cliquez pour modifier le style du titre</a:t>
             </a:r>
-            <a:endParaRPr lang="fr-FR"/>
           </a:p>
         </p:txBody>
       </p:sp>
@@ -1003,10 +1002,9 @@
           </a:lstStyle>
           <a:p>
             <a:r>
-              <a:rPr lang="fr-FR" smtClean="0"/>
+              <a:rPr lang="fr-FR"/>
               <a:t>Cliquez pour modifier le style des sous-titres du masque</a:t>
             </a:r>
-            <a:endParaRPr lang="fr-FR"/>
           </a:p>
         </p:txBody>
       </p:sp>
@@ -1061,10 +1059,9 @@
           <a:lstStyle/>
           <a:p>
             <a:r>
-              <a:rPr lang="fr-FR" smtClean="0"/>
+              <a:rPr lang="fr-FR"/>
               <a:t>Cliquez pour modifier le style du titre</a:t>
             </a:r>
-            <a:endParaRPr lang="fr-FR"/>
           </a:p>
         </p:txBody>
       </p:sp>
@@ -1090,38 +1087,37 @@
           <a:p>
             <a:pPr lvl="0"/>
             <a:r>
-              <a:rPr lang="fr-FR" smtClean="0"/>
+              <a:rPr lang="fr-FR"/>
               <a:t>Cliquez pour modifier les styles du texte du masque</a:t>
             </a:r>
           </a:p>
           <a:p>
             <a:pPr lvl="1"/>
             <a:r>
-              <a:rPr lang="fr-FR" smtClean="0"/>
+              <a:rPr lang="fr-FR"/>
               <a:t>Deuxième niveau</a:t>
             </a:r>
           </a:p>
           <a:p>
             <a:pPr lvl="2"/>
             <a:r>
-              <a:rPr lang="fr-FR" smtClean="0"/>
+              <a:rPr lang="fr-FR"/>
               <a:t>Troisième niveau</a:t>
             </a:r>
           </a:p>
           <a:p>
             <a:pPr lvl="3"/>
             <a:r>
-              <a:rPr lang="fr-FR" smtClean="0"/>
+              <a:rPr lang="fr-FR"/>
               <a:t>Quatrième niveau</a:t>
             </a:r>
           </a:p>
           <a:p>
             <a:pPr lvl="4"/>
             <a:r>
-              <a:rPr lang="fr-FR" smtClean="0"/>
+              <a:rPr lang="fr-FR"/>
               <a:t>Cinquième niveau</a:t>
             </a:r>
-            <a:endParaRPr lang="fr-FR"/>
           </a:p>
         </p:txBody>
       </p:sp>
@@ -1180,10 +1176,9 @@
           </a:lstStyle>
           <a:p>
             <a:r>
-              <a:rPr lang="fr-FR" dirty="0" smtClean="0"/>
+              <a:rPr lang="fr-FR" dirty="0"/>
               <a:t>Cliquez pour modifier le style du titre</a:t>
             </a:r>
-            <a:endParaRPr lang="fr-FR" dirty="0"/>
           </a:p>
         </p:txBody>
       </p:sp>
@@ -1209,38 +1204,37 @@
           <a:p>
             <a:pPr lvl="0"/>
             <a:r>
-              <a:rPr lang="fr-FR" dirty="0" smtClean="0"/>
+              <a:rPr lang="fr-FR" dirty="0"/>
               <a:t>Cliquez pour modifier les styles du texte du masque</a:t>
             </a:r>
           </a:p>
           <a:p>
             <a:pPr lvl="1"/>
             <a:r>
-              <a:rPr lang="fr-FR" dirty="0" smtClean="0"/>
+              <a:rPr lang="fr-FR" dirty="0"/>
               <a:t>Deuxième niveau</a:t>
             </a:r>
           </a:p>
           <a:p>
             <a:pPr lvl="2"/>
             <a:r>
-              <a:rPr lang="fr-FR" dirty="0" smtClean="0"/>
+              <a:rPr lang="fr-FR" dirty="0"/>
               <a:t>Troisième niveau</a:t>
             </a:r>
           </a:p>
           <a:p>
             <a:pPr lvl="3"/>
             <a:r>
-              <a:rPr lang="fr-FR" dirty="0" smtClean="0"/>
+              <a:rPr lang="fr-FR" dirty="0"/>
               <a:t>Quatrième niveau</a:t>
             </a:r>
           </a:p>
           <a:p>
             <a:pPr lvl="4"/>
             <a:r>
-              <a:rPr lang="fr-FR" dirty="0" smtClean="0"/>
+              <a:rPr lang="fr-FR" dirty="0"/>
               <a:t>Cinquième niveau</a:t>
             </a:r>
-            <a:endParaRPr lang="fr-FR" dirty="0"/>
           </a:p>
         </p:txBody>
       </p:sp>
@@ -1290,10 +1284,9 @@
           <a:lstStyle/>
           <a:p>
             <a:r>
-              <a:rPr lang="fr-FR" smtClean="0"/>
+              <a:rPr lang="fr-FR"/>
               <a:t>Cliquez pour modifier le style du titre</a:t>
             </a:r>
-            <a:endParaRPr lang="fr-FR"/>
           </a:p>
         </p:txBody>
       </p:sp>
@@ -1347,38 +1340,37 @@
           <a:p>
             <a:pPr lvl="0"/>
             <a:r>
-              <a:rPr lang="fr-FR" smtClean="0"/>
+              <a:rPr lang="fr-FR"/>
               <a:t>Cliquez pour modifier les styles du texte du masque</a:t>
             </a:r>
           </a:p>
           <a:p>
             <a:pPr lvl="1"/>
             <a:r>
-              <a:rPr lang="fr-FR" smtClean="0"/>
+              <a:rPr lang="fr-FR"/>
               <a:t>Deuxième niveau</a:t>
             </a:r>
           </a:p>
           <a:p>
             <a:pPr lvl="2"/>
             <a:r>
-              <a:rPr lang="fr-FR" smtClean="0"/>
+              <a:rPr lang="fr-FR"/>
               <a:t>Troisième niveau</a:t>
             </a:r>
           </a:p>
           <a:p>
             <a:pPr lvl="3"/>
             <a:r>
-              <a:rPr lang="fr-FR" smtClean="0"/>
+              <a:rPr lang="fr-FR"/>
               <a:t>Quatrième niveau</a:t>
             </a:r>
           </a:p>
           <a:p>
             <a:pPr lvl="4"/>
             <a:r>
-              <a:rPr lang="fr-FR" smtClean="0"/>
+              <a:rPr lang="fr-FR"/>
               <a:t>Cinquième niveau</a:t>
             </a:r>
-            <a:endParaRPr lang="fr-FR"/>
           </a:p>
         </p:txBody>
       </p:sp>
@@ -1432,38 +1424,37 @@
           <a:p>
             <a:pPr lvl="0"/>
             <a:r>
-              <a:rPr lang="fr-FR" smtClean="0"/>
+              <a:rPr lang="fr-FR"/>
               <a:t>Cliquez pour modifier les styles du texte du masque</a:t>
             </a:r>
           </a:p>
           <a:p>
             <a:pPr lvl="1"/>
             <a:r>
-              <a:rPr lang="fr-FR" smtClean="0"/>
+              <a:rPr lang="fr-FR"/>
               <a:t>Deuxième niveau</a:t>
             </a:r>
           </a:p>
           <a:p>
             <a:pPr lvl="2"/>
             <a:r>
-              <a:rPr lang="fr-FR" smtClean="0"/>
+              <a:rPr lang="fr-FR"/>
               <a:t>Troisième niveau</a:t>
             </a:r>
           </a:p>
           <a:p>
             <a:pPr lvl="3"/>
             <a:r>
-              <a:rPr lang="fr-FR" smtClean="0"/>
+              <a:rPr lang="fr-FR"/>
               <a:t>Quatrième niveau</a:t>
             </a:r>
           </a:p>
           <a:p>
             <a:pPr lvl="4"/>
             <a:r>
-              <a:rPr lang="fr-FR" smtClean="0"/>
+              <a:rPr lang="fr-FR"/>
               <a:t>Cinquième niveau</a:t>
             </a:r>
-            <a:endParaRPr lang="fr-FR"/>
           </a:p>
         </p:txBody>
       </p:sp>
@@ -1522,10 +1513,9 @@
           </a:lstStyle>
           <a:p>
             <a:r>
-              <a:rPr lang="fr-FR" smtClean="0"/>
+              <a:rPr lang="fr-FR"/>
               <a:t>Cliquez pour modifier le style du titre</a:t>
             </a:r>
-            <a:endParaRPr lang="fr-FR"/>
           </a:p>
         </p:txBody>
       </p:sp>
@@ -1588,7 +1578,7 @@
           <a:p>
             <a:pPr lvl="0"/>
             <a:r>
-              <a:rPr lang="fr-FR" smtClean="0"/>
+              <a:rPr lang="fr-FR"/>
               <a:t>Cliquez pour modifier les styles du texte du masque</a:t>
             </a:r>
           </a:p>
@@ -1644,38 +1634,37 @@
           <a:p>
             <a:pPr lvl="0"/>
             <a:r>
-              <a:rPr lang="fr-FR" smtClean="0"/>
+              <a:rPr lang="fr-FR"/>
               <a:t>Cliquez pour modifier les styles du texte du masque</a:t>
             </a:r>
           </a:p>
           <a:p>
             <a:pPr lvl="1"/>
             <a:r>
-              <a:rPr lang="fr-FR" smtClean="0"/>
+              <a:rPr lang="fr-FR"/>
               <a:t>Deuxième niveau</a:t>
             </a:r>
           </a:p>
           <a:p>
             <a:pPr lvl="2"/>
             <a:r>
-              <a:rPr lang="fr-FR" smtClean="0"/>
+              <a:rPr lang="fr-FR"/>
               <a:t>Troisième niveau</a:t>
             </a:r>
           </a:p>
           <a:p>
             <a:pPr lvl="3"/>
             <a:r>
-              <a:rPr lang="fr-FR" smtClean="0"/>
+              <a:rPr lang="fr-FR"/>
               <a:t>Quatrième niveau</a:t>
             </a:r>
           </a:p>
           <a:p>
             <a:pPr lvl="4"/>
             <a:r>
-              <a:rPr lang="fr-FR" smtClean="0"/>
+              <a:rPr lang="fr-FR"/>
               <a:t>Cinquième niveau</a:t>
             </a:r>
-            <a:endParaRPr lang="fr-FR"/>
           </a:p>
         </p:txBody>
       </p:sp>
@@ -1738,7 +1727,7 @@
           <a:p>
             <a:pPr lvl="0"/>
             <a:r>
-              <a:rPr lang="fr-FR" smtClean="0"/>
+              <a:rPr lang="fr-FR"/>
               <a:t>Cliquez pour modifier les styles du texte du masque</a:t>
             </a:r>
           </a:p>
@@ -1794,38 +1783,37 @@
           <a:p>
             <a:pPr lvl="0"/>
             <a:r>
-              <a:rPr lang="fr-FR" smtClean="0"/>
+              <a:rPr lang="fr-FR"/>
               <a:t>Cliquez pour modifier les styles du texte du masque</a:t>
             </a:r>
           </a:p>
           <a:p>
             <a:pPr lvl="1"/>
             <a:r>
-              <a:rPr lang="fr-FR" smtClean="0"/>
+              <a:rPr lang="fr-FR"/>
               <a:t>Deuxième niveau</a:t>
             </a:r>
           </a:p>
           <a:p>
             <a:pPr lvl="2"/>
             <a:r>
-              <a:rPr lang="fr-FR" smtClean="0"/>
+              <a:rPr lang="fr-FR"/>
               <a:t>Troisième niveau</a:t>
             </a:r>
           </a:p>
           <a:p>
             <a:pPr lvl="3"/>
             <a:r>
-              <a:rPr lang="fr-FR" smtClean="0"/>
+              <a:rPr lang="fr-FR"/>
               <a:t>Quatrième niveau</a:t>
             </a:r>
           </a:p>
           <a:p>
             <a:pPr lvl="4"/>
             <a:r>
-              <a:rPr lang="fr-FR" smtClean="0"/>
+              <a:rPr lang="fr-FR"/>
               <a:t>Cinquième niveau</a:t>
             </a:r>
-            <a:endParaRPr lang="fr-FR"/>
           </a:p>
         </p:txBody>
       </p:sp>
@@ -1875,10 +1863,9 @@
           <a:lstStyle/>
           <a:p>
             <a:r>
-              <a:rPr lang="fr-FR" smtClean="0"/>
+              <a:rPr lang="fr-FR"/>
               <a:t>Cliquez pour modifier le style du titre</a:t>
             </a:r>
-            <a:endParaRPr lang="fr-FR"/>
           </a:p>
         </p:txBody>
       </p:sp>
@@ -1967,10 +1954,9 @@
           </a:lstStyle>
           <a:p>
             <a:r>
-              <a:rPr lang="fr-FR" smtClean="0"/>
+              <a:rPr lang="fr-FR"/>
               <a:t>Cliquez pour modifier le style du titre</a:t>
             </a:r>
-            <a:endParaRPr lang="fr-FR"/>
           </a:p>
         </p:txBody>
       </p:sp>
@@ -2024,38 +2010,37 @@
           <a:p>
             <a:pPr lvl="0"/>
             <a:r>
-              <a:rPr lang="fr-FR" smtClean="0"/>
+              <a:rPr lang="fr-FR"/>
               <a:t>Cliquez pour modifier les styles du texte du masque</a:t>
             </a:r>
           </a:p>
           <a:p>
             <a:pPr lvl="1"/>
             <a:r>
-              <a:rPr lang="fr-FR" smtClean="0"/>
+              <a:rPr lang="fr-FR"/>
               <a:t>Deuxième niveau</a:t>
             </a:r>
           </a:p>
           <a:p>
             <a:pPr lvl="2"/>
             <a:r>
-              <a:rPr lang="fr-FR" smtClean="0"/>
+              <a:rPr lang="fr-FR"/>
               <a:t>Troisième niveau</a:t>
             </a:r>
           </a:p>
           <a:p>
             <a:pPr lvl="3"/>
             <a:r>
-              <a:rPr lang="fr-FR" smtClean="0"/>
+              <a:rPr lang="fr-FR"/>
               <a:t>Quatrième niveau</a:t>
             </a:r>
           </a:p>
           <a:p>
             <a:pPr lvl="4"/>
             <a:r>
-              <a:rPr lang="fr-FR" smtClean="0"/>
+              <a:rPr lang="fr-FR"/>
               <a:t>Cinquième niveau</a:t>
             </a:r>
-            <a:endParaRPr lang="fr-FR"/>
           </a:p>
         </p:txBody>
       </p:sp>
@@ -2118,7 +2103,7 @@
           <a:p>
             <a:pPr lvl="0"/>
             <a:r>
-              <a:rPr lang="fr-FR" smtClean="0"/>
+              <a:rPr lang="fr-FR"/>
               <a:t>Cliquez pour modifier les styles du texte du masque</a:t>
             </a:r>
           </a:p>
@@ -2179,10 +2164,9 @@
           </a:lstStyle>
           <a:p>
             <a:r>
-              <a:rPr lang="fr-FR" smtClean="0"/>
+              <a:rPr lang="fr-FR"/>
               <a:t>Cliquez pour modifier le style du titre</a:t>
             </a:r>
-            <a:endParaRPr lang="fr-FR"/>
           </a:p>
         </p:txBody>
       </p:sp>
@@ -2244,7 +2228,7 @@
           </a:lstStyle>
           <a:p>
             <a:pPr lvl="0"/>
-            <a:endParaRPr lang="fr-FR" noProof="0" smtClean="0"/>
+            <a:endParaRPr lang="fr-FR" noProof="0"/>
           </a:p>
         </p:txBody>
       </p:sp>
@@ -2307,7 +2291,7 @@
           <a:p>
             <a:pPr lvl="0"/>
             <a:r>
-              <a:rPr lang="fr-FR" smtClean="0"/>
+              <a:rPr lang="fr-FR"/>
               <a:t>Cliquez pour modifier les styles du texte du masque</a:t>
             </a:r>
           </a:p>
@@ -2359,10 +2343,9 @@
           <a:lstStyle/>
           <a:p>
             <a:r>
-              <a:rPr lang="fr-FR" smtClean="0"/>
+              <a:rPr lang="fr-FR"/>
               <a:t>Cliquez pour modifier le style du titre</a:t>
             </a:r>
-            <a:endParaRPr lang="fr-FR"/>
           </a:p>
         </p:txBody>
       </p:sp>
@@ -2383,38 +2366,37 @@
           <a:p>
             <a:pPr lvl="0"/>
             <a:r>
-              <a:rPr lang="fr-FR" smtClean="0"/>
+              <a:rPr lang="fr-FR"/>
               <a:t>Cliquez pour modifier les styles du texte du masque</a:t>
             </a:r>
           </a:p>
           <a:p>
             <a:pPr lvl="1"/>
             <a:r>
-              <a:rPr lang="fr-FR" smtClean="0"/>
+              <a:rPr lang="fr-FR"/>
               <a:t>Deuxième niveau</a:t>
             </a:r>
           </a:p>
           <a:p>
             <a:pPr lvl="2"/>
             <a:r>
-              <a:rPr lang="fr-FR" smtClean="0"/>
+              <a:rPr lang="fr-FR"/>
               <a:t>Troisième niveau</a:t>
             </a:r>
           </a:p>
           <a:p>
             <a:pPr lvl="3"/>
             <a:r>
-              <a:rPr lang="fr-FR" smtClean="0"/>
+              <a:rPr lang="fr-FR"/>
               <a:t>Quatrième niveau</a:t>
             </a:r>
           </a:p>
           <a:p>
             <a:pPr lvl="4"/>
             <a:r>
-              <a:rPr lang="fr-FR" smtClean="0"/>
+              <a:rPr lang="fr-FR"/>
               <a:t>Cinquième niveau</a:t>
             </a:r>
-            <a:endParaRPr lang="fr-FR"/>
           </a:p>
         </p:txBody>
       </p:sp>
@@ -2595,7 +2577,7 @@
             <a:pPr eaLnBrk="1" hangingPunct="1">
               <a:defRPr/>
             </a:pPr>
-            <a:endParaRPr lang="fr-FR" altLang="fr-FR" smtClean="0"/>
+            <a:endParaRPr lang="fr-FR" altLang="fr-FR"/>
           </a:p>
         </p:txBody>
       </p:sp>
@@ -2749,7 +2731,7 @@
               <a:defRPr/>
             </a:pPr>
             <a:r>
-              <a:rPr lang="fr-FR" sz="1200" dirty="0" smtClean="0"/>
+              <a:rPr lang="fr-FR" sz="1200" dirty="0"/>
               <a:t>Page </a:t>
             </a:r>
             <a:fld id="{E218E9B1-FD08-4C80-902E-210BA2967D0D}" type="slidenum">
@@ -2762,7 +2744,7 @@
               </a:pPr>
               <a:t>‹N°›</a:t>
             </a:fld>
-            <a:endParaRPr lang="fr-FR" dirty="0" smtClean="0">
+            <a:endParaRPr lang="fr-FR" dirty="0">
               <a:latin typeface="Times New Roman" pitchFamily="18" charset="0"/>
             </a:endParaRPr>
           </a:p>
@@ -2918,10 +2900,10 @@
               <a:defRPr/>
             </a:pPr>
             <a:r>
-              <a:rPr lang="fr-FR" sz="1600" dirty="0" smtClean="0"/>
+              <a:rPr lang="fr-FR" sz="1600" dirty="0"/>
               <a:t>Python</a:t>
             </a:r>
-            <a:endParaRPr lang="fr-FR" dirty="0" smtClean="0">
+            <a:endParaRPr lang="fr-FR" dirty="0">
               <a:latin typeface="Times New Roman" pitchFamily="18" charset="0"/>
             </a:endParaRPr>
           </a:p>
@@ -2979,7 +2961,7 @@
           <a:p>
             <a:pPr lvl="0"/>
             <a:r>
-              <a:rPr lang="fr-FR" altLang="fr-FR" smtClean="0"/>
+              <a:rPr lang="fr-FR" altLang="fr-FR"/>
               <a:t>Cliquez pour modifier le style du titre du masque</a:t>
             </a:r>
           </a:p>
@@ -3037,35 +3019,35 @@
           <a:p>
             <a:pPr lvl="0"/>
             <a:r>
-              <a:rPr lang="fr-FR" altLang="fr-FR" smtClean="0"/>
+              <a:rPr lang="fr-FR" altLang="fr-FR"/>
               <a:t>Cliquez pour modifier les styles du texte du masque</a:t>
             </a:r>
           </a:p>
           <a:p>
             <a:pPr lvl="1"/>
             <a:r>
-              <a:rPr lang="fr-FR" altLang="fr-FR" smtClean="0"/>
+              <a:rPr lang="fr-FR" altLang="fr-FR"/>
               <a:t>Deuxième niveau</a:t>
             </a:r>
           </a:p>
           <a:p>
             <a:pPr lvl="2"/>
             <a:r>
-              <a:rPr lang="fr-FR" altLang="fr-FR" smtClean="0"/>
+              <a:rPr lang="fr-FR" altLang="fr-FR"/>
               <a:t>Troisième niveau</a:t>
             </a:r>
           </a:p>
           <a:p>
             <a:pPr lvl="3"/>
             <a:r>
-              <a:rPr lang="fr-FR" altLang="fr-FR" smtClean="0"/>
+              <a:rPr lang="fr-FR" altLang="fr-FR"/>
               <a:t>Quatrième niveau</a:t>
             </a:r>
           </a:p>
           <a:p>
             <a:pPr lvl="4"/>
             <a:r>
-              <a:rPr lang="fr-FR" altLang="fr-FR" smtClean="0"/>
+              <a:rPr lang="fr-FR" altLang="fr-FR"/>
               <a:t>Cinquième niveau</a:t>
             </a:r>
           </a:p>
@@ -3221,10 +3203,10 @@
               <a:defRPr/>
             </a:pPr>
             <a:r>
-              <a:rPr lang="fr-FR" sz="1200" smtClean="0"/>
+              <a:rPr lang="fr-FR" sz="1200"/>
               <a:t>© Cyril Vincent Conseil</a:t>
             </a:r>
-            <a:endParaRPr lang="fr-FR" smtClean="0">
+            <a:endParaRPr lang="fr-FR">
               <a:latin typeface="Times New Roman" pitchFamily="18" charset="0"/>
             </a:endParaRPr>
           </a:p>
@@ -3706,19 +3688,18 @@
           <a:p>
             <a:pPr eaLnBrk="1" hangingPunct="1"/>
             <a:r>
-              <a:rPr lang="fr-FR" altLang="fr-FR" smtClean="0"/>
+              <a:rPr lang="fr-FR" altLang="fr-FR"/>
               <a:t>Chapitre </a:t>
             </a:r>
             <a:r>
               <a:rPr lang="fr-FR" altLang="fr-FR" dirty="0"/>
               <a:t>7</a:t>
             </a:r>
-            <a:endParaRPr lang="fr-FR" altLang="fr-FR" dirty="0" smtClean="0"/>
           </a:p>
           <a:p>
             <a:pPr eaLnBrk="1" hangingPunct="1"/>
             <a:r>
-              <a:rPr lang="fr-FR" altLang="fr-FR" dirty="0" smtClean="0"/>
+              <a:rPr lang="fr-FR" altLang="fr-FR" dirty="0"/>
               <a:t>Algèbre linéaire sur matrice</a:t>
             </a:r>
           </a:p>
@@ -3790,13 +3771,6 @@
   <p:clrMapOvr>
     <a:masterClrMapping/>
   </p:clrMapOvr>
-  <p:timing>
-    <p:tnLst>
-      <p:par>
-        <p:cTn id="1" dur="indefinite" restart="never" nodeType="tmRoot"/>
-      </p:par>
-    </p:tnLst>
-  </p:timing>
 </p:sld>
 </file>
 
@@ -3833,10 +3807,9 @@
           <a:lstStyle/>
           <a:p>
             <a:r>
-              <a:rPr lang="fr-FR" dirty="0" smtClean="0"/>
+              <a:rPr lang="fr-FR" dirty="0"/>
               <a:t>Produit scalaire</a:t>
             </a:r>
-            <a:endParaRPr lang="fr-FR" dirty="0"/>
           </a:p>
         </p:txBody>
       </p:sp>
@@ -3856,43 +3829,37 @@
           <a:lstStyle/>
           <a:p>
             <a:r>
-              <a:rPr lang="fr-FR" dirty="0" smtClean="0"/>
+              <a:rPr lang="fr-FR" dirty="0"/>
               <a:t>np.dot(</a:t>
             </a:r>
             <a:r>
-              <a:rPr lang="fr-FR" dirty="0" err="1" smtClean="0"/>
+              <a:rPr lang="fr-FR" dirty="0" err="1"/>
               <a:t>x,y</a:t>
             </a:r>
             <a:r>
-              <a:rPr lang="fr-FR" dirty="0" smtClean="0"/>
+              <a:rPr lang="fr-FR" dirty="0"/>
               <a:t>)</a:t>
             </a:r>
           </a:p>
           <a:p>
             <a:pPr lvl="1"/>
             <a:r>
-              <a:rPr lang="fr-FR" dirty="0" smtClean="0"/>
+              <a:rPr lang="fr-FR" dirty="0"/>
               <a:t>Multiplication scalaire de 2 matrices</a:t>
             </a:r>
-            <a:endParaRPr lang="fr-FR" dirty="0"/>
-          </a:p>
-          <a:p>
-            <a:r>
-              <a:rPr lang="fr-FR" dirty="0"/>
-              <a:t>x</a:t>
-            </a:r>
-            <a:r>
-              <a:rPr lang="fr-FR" dirty="0" smtClean="0"/>
-              <a:t>.dot(y)</a:t>
+          </a:p>
+          <a:p>
+            <a:r>
+              <a:rPr lang="fr-FR" dirty="0"/>
+              <a:t>x.dot(y)</a:t>
             </a:r>
           </a:p>
           <a:p>
             <a:pPr lvl="1"/>
             <a:r>
-              <a:rPr lang="fr-FR" dirty="0" smtClean="0"/>
+              <a:rPr lang="fr-FR" dirty="0"/>
               <a:t>Ecriture OO</a:t>
             </a:r>
-            <a:endParaRPr lang="fr-FR" dirty="0"/>
           </a:p>
         </p:txBody>
       </p:sp>
@@ -3906,13 +3873,6 @@
   <p:clrMapOvr>
     <a:masterClrMapping/>
   </p:clrMapOvr>
-  <p:timing>
-    <p:tnLst>
-      <p:par>
-        <p:cTn id="1" dur="indefinite" restart="never" nodeType="tmRoot"/>
-      </p:par>
-    </p:tnLst>
-  </p:timing>
 </p:sld>
 </file>
 
@@ -3949,7 +3909,7 @@
           <a:lstStyle/>
           <a:p>
             <a:r>
-              <a:rPr lang="fr-FR" dirty="0" err="1" smtClean="0"/>
+              <a:rPr lang="fr-FR" dirty="0" err="1"/>
               <a:t>Matplotlib</a:t>
             </a:r>
             <a:endParaRPr lang="fr-FR" dirty="0"/>
@@ -3972,21 +3932,20 @@
           <a:lstStyle/>
           <a:p>
             <a:r>
-              <a:rPr lang="fr-FR" dirty="0" err="1" smtClean="0"/>
+              <a:rPr lang="fr-FR" dirty="0" err="1"/>
               <a:t>Matplotlib</a:t>
             </a:r>
             <a:r>
-              <a:rPr lang="fr-FR" dirty="0" smtClean="0"/>
+              <a:rPr lang="fr-FR" dirty="0"/>
               <a:t> est complètement compatible avec les matrices</a:t>
             </a:r>
           </a:p>
           <a:p>
             <a:pPr lvl="1"/>
             <a:r>
-              <a:rPr lang="fr-FR" dirty="0" smtClean="0"/>
+              <a:rPr lang="fr-FR" dirty="0"/>
               <a:t>Soit un seul paramètre au lieu de 2</a:t>
             </a:r>
-            <a:endParaRPr lang="fr-FR" dirty="0"/>
           </a:p>
           <a:p>
             <a:endParaRPr lang="fr-FR" dirty="0"/>
@@ -4003,13 +3962,6 @@
   <p:clrMapOvr>
     <a:masterClrMapping/>
   </p:clrMapOvr>
-  <p:timing>
-    <p:tnLst>
-      <p:par>
-        <p:cTn id="1" dur="indefinite" restart="never" nodeType="tmRoot"/>
-      </p:par>
-    </p:tnLst>
-  </p:timing>
 </p:sld>
 </file>
 
@@ -4046,10 +3998,9 @@
           <a:lstStyle/>
           <a:p>
             <a:r>
-              <a:rPr lang="fr-FR" dirty="0" smtClean="0"/>
+              <a:rPr lang="fr-FR" dirty="0"/>
               <a:t>Les filtres</a:t>
             </a:r>
-            <a:endParaRPr lang="fr-FR" dirty="0"/>
           </a:p>
         </p:txBody>
       </p:sp>
@@ -4069,101 +4020,99 @@
           <a:lstStyle/>
           <a:p>
             <a:r>
-              <a:rPr lang="fr-FR" dirty="0" smtClean="0"/>
+              <a:rPr lang="fr-FR" dirty="0"/>
               <a:t>Les filtres </a:t>
             </a:r>
             <a:r>
-              <a:rPr lang="fr-FR" dirty="0" err="1" smtClean="0"/>
+              <a:rPr lang="fr-FR" dirty="0" err="1"/>
               <a:t>numpy</a:t>
             </a:r>
             <a:r>
-              <a:rPr lang="fr-FR" dirty="0" smtClean="0"/>
+              <a:rPr lang="fr-FR" dirty="0"/>
               <a:t> sont les filtres Python</a:t>
             </a:r>
           </a:p>
           <a:p>
             <a:r>
-              <a:rPr lang="fr-FR" dirty="0" smtClean="0"/>
+              <a:rPr lang="fr-FR" dirty="0"/>
               <a:t>[</a:t>
             </a:r>
             <a:r>
-              <a:rPr lang="fr-FR" dirty="0" err="1" smtClean="0"/>
+              <a:rPr lang="fr-FR" dirty="0" err="1"/>
               <a:t>x:y</a:t>
             </a:r>
             <a:r>
-              <a:rPr lang="fr-FR" dirty="0" smtClean="0"/>
+              <a:rPr lang="fr-FR" dirty="0"/>
               <a:t>] filtre les lignes de x à y-1</a:t>
             </a:r>
           </a:p>
           <a:p>
             <a:r>
-              <a:rPr lang="fr-FR" dirty="0" smtClean="0"/>
+              <a:rPr lang="fr-FR" dirty="0"/>
               <a:t>[:y] filtre les lignes de 0 à y-1</a:t>
             </a:r>
           </a:p>
           <a:p>
             <a:r>
-              <a:rPr lang="fr-FR" dirty="0" smtClean="0"/>
+              <a:rPr lang="fr-FR" dirty="0"/>
               <a:t>[x:] filtre les lignes de x à la fin</a:t>
             </a:r>
           </a:p>
           <a:p>
             <a:r>
-              <a:rPr lang="fr-FR" dirty="0" smtClean="0"/>
+              <a:rPr lang="fr-FR" dirty="0"/>
               <a:t>[</a:t>
             </a:r>
             <a:r>
-              <a:rPr lang="fr-FR" dirty="0" err="1" smtClean="0"/>
+              <a:rPr lang="fr-FR" dirty="0" err="1"/>
               <a:t>a:b</a:t>
             </a:r>
             <a:r>
-              <a:rPr lang="fr-FR" dirty="0" smtClean="0"/>
+              <a:rPr lang="fr-FR" dirty="0"/>
               <a:t>, x:y] filtrer les lignes et les colonnes de x à y-1</a:t>
             </a:r>
-            <a:endParaRPr lang="fr-FR" dirty="0"/>
-          </a:p>
-          <a:p>
-            <a:r>
-              <a:rPr lang="fr-FR" dirty="0" smtClean="0"/>
+          </a:p>
+          <a:p>
+            <a:r>
+              <a:rPr lang="fr-FR" dirty="0"/>
               <a:t>[:,</a:t>
             </a:r>
             <a:r>
-              <a:rPr lang="fr-FR" dirty="0" err="1" smtClean="0"/>
-              <a:t>x,y</a:t>
-            </a:r>
-            <a:r>
-              <a:rPr lang="fr-FR" dirty="0" smtClean="0"/>
+              <a:rPr lang="fr-FR" dirty="0" err="1"/>
+              <a:t>x:y</a:t>
+            </a:r>
+            <a:r>
+              <a:rPr lang="fr-FR" dirty="0"/>
               <a:t>] filtre uniquement les colonnes</a:t>
             </a:r>
           </a:p>
           <a:p>
             <a:r>
-              <a:rPr lang="fr-FR" dirty="0" smtClean="0"/>
+              <a:rPr lang="fr-FR" dirty="0"/>
               <a:t>[[</a:t>
             </a:r>
             <a:r>
-              <a:rPr lang="fr-FR" dirty="0" err="1" smtClean="0"/>
+              <a:rPr lang="fr-FR" dirty="0" err="1"/>
               <a:t>True</a:t>
             </a:r>
             <a:r>
-              <a:rPr lang="fr-FR" dirty="0" smtClean="0"/>
+              <a:rPr lang="fr-FR" dirty="0"/>
               <a:t>, False, </a:t>
             </a:r>
             <a:r>
-              <a:rPr lang="fr-FR" dirty="0" err="1" smtClean="0"/>
+              <a:rPr lang="fr-FR" dirty="0" err="1"/>
               <a:t>True</a:t>
             </a:r>
             <a:r>
-              <a:rPr lang="fr-FR" dirty="0" smtClean="0"/>
+              <a:rPr lang="fr-FR" dirty="0"/>
               <a:t>]] : filtre l’indice 0 et 2</a:t>
             </a:r>
           </a:p>
           <a:p>
             <a:r>
-              <a:rPr lang="fr-FR" dirty="0" smtClean="0"/>
+              <a:rPr lang="fr-FR" dirty="0"/>
               <a:t>[x &lt; y] : Renvoie un tableau de booléen</a:t>
             </a:r>
-            <a:endParaRPr lang="fr-FR" dirty="0"/>
           </a:p>
         </p:txBody>
       </p:sp>
@@ -4177,13 +4126,6 @@
   <p:clrMapOvr>
     <a:masterClrMapping/>
   </p:clrMapOvr>
-  <p:timing>
-    <p:tnLst>
-      <p:par>
-        <p:cTn id="1" dur="indefinite" restart="never" nodeType="tmRoot"/>
-      </p:par>
-    </p:tnLst>
-  </p:timing>
 </p:sld>
 </file>
 
@@ -4369,13 +4311,6 @@
   <p:clrMapOvr>
     <a:masterClrMapping/>
   </p:clrMapOvr>
-  <p:timing>
-    <p:tnLst>
-      <p:par>
-        <p:cTn id="1" dur="indefinite" restart="never" nodeType="tmRoot"/>
-      </p:par>
-    </p:tnLst>
-  </p:timing>
 </p:sld>
 </file>
 
@@ -4566,13 +4501,6 @@
   <p:clrMapOvr>
     <a:masterClrMapping/>
   </p:clrMapOvr>
-  <p:timing>
-    <p:tnLst>
-      <p:par>
-        <p:cTn id="1" dur="indefinite" restart="never" nodeType="tmRoot"/>
-      </p:par>
-    </p:tnLst>
-  </p:timing>
 </p:sld>
 </file>
 
@@ -4609,10 +4537,9 @@
           <a:lstStyle/>
           <a:p>
             <a:r>
-              <a:rPr lang="fr-FR" dirty="0" smtClean="0"/>
+              <a:rPr lang="fr-FR" dirty="0"/>
               <a:t>Axes</a:t>
             </a:r>
-            <a:endParaRPr lang="fr-FR" dirty="0"/>
           </a:p>
         </p:txBody>
       </p:sp>
@@ -4665,59 +4592,27 @@
                 <a:latin typeface="Courier New" panose="02070309020205020404" pitchFamily="49" charset="0"/>
                 <a:cs typeface="Courier New" panose="02070309020205020404" pitchFamily="49" charset="0"/>
               </a:rPr>
-              <a:t>(axis</a:t>
-            </a:r>
-            <a:r>
-              <a:rPr lang="en-US" dirty="0" smtClean="0">
+              <a:t>(axis=1) # sum over rows </a:t>
+            </a:r>
+          </a:p>
+          <a:p>
+            <a:pPr marL="0" indent="0">
+              <a:buNone/>
+            </a:pPr>
+            <a:r>
+              <a:rPr lang="en-US" dirty="0" err="1">
                 <a:latin typeface="Courier New" panose="02070309020205020404" pitchFamily="49" charset="0"/>
                 <a:cs typeface="Courier New" panose="02070309020205020404" pitchFamily="49" charset="0"/>
               </a:rPr>
-              <a:t>=-1) </a:t>
+              <a:t>a.sum</a:t>
             </a:r>
             <a:r>
               <a:rPr lang="en-US" dirty="0">
                 <a:latin typeface="Courier New" panose="02070309020205020404" pitchFamily="49" charset="0"/>
                 <a:cs typeface="Courier New" panose="02070309020205020404" pitchFamily="49" charset="0"/>
               </a:rPr>
-              <a:t># sum over rows </a:t>
-            </a:r>
-          </a:p>
-          <a:p>
-            <a:pPr marL="0" indent="0">
-              <a:buNone/>
-            </a:pPr>
-            <a:r>
-              <a:rPr lang="en-US" dirty="0" err="1" smtClean="0">
-                <a:latin typeface="Courier New" panose="02070309020205020404" pitchFamily="49" charset="0"/>
-                <a:cs typeface="Courier New" panose="02070309020205020404" pitchFamily="49" charset="0"/>
-              </a:rPr>
-              <a:t>a.sum</a:t>
-            </a:r>
-            <a:r>
-              <a:rPr lang="en-US" smtClean="0">
-                <a:latin typeface="Courier New" panose="02070309020205020404" pitchFamily="49" charset="0"/>
-                <a:cs typeface="Courier New" panose="02070309020205020404" pitchFamily="49" charset="0"/>
-              </a:rPr>
-              <a:t>(axis=0) </a:t>
-            </a:r>
-            <a:r>
-              <a:rPr lang="en-US" dirty="0">
-                <a:latin typeface="Courier New" panose="02070309020205020404" pitchFamily="49" charset="0"/>
-                <a:cs typeface="Courier New" panose="02070309020205020404" pitchFamily="49" charset="0"/>
-              </a:rPr>
-              <a:t># sum over </a:t>
-            </a:r>
-            <a:r>
-              <a:rPr lang="en-US" dirty="0" smtClean="0">
-                <a:latin typeface="Courier New" panose="02070309020205020404" pitchFamily="49" charset="0"/>
-                <a:cs typeface="Courier New" panose="02070309020205020404" pitchFamily="49" charset="0"/>
-              </a:rPr>
-              <a:t>columns</a:t>
-            </a:r>
-            <a:endParaRPr lang="en-US" dirty="0">
-              <a:latin typeface="Courier New" panose="02070309020205020404" pitchFamily="49" charset="0"/>
-              <a:cs typeface="Courier New" panose="02070309020205020404" pitchFamily="49" charset="0"/>
-            </a:endParaRPr>
+              <a:t>(axis=0) # sum over columns</a:t>
+            </a:r>
           </a:p>
         </p:txBody>
       </p:sp>
@@ -4731,13 +4626,6 @@
   <p:clrMapOvr>
     <a:masterClrMapping/>
   </p:clrMapOvr>
-  <p:timing>
-    <p:tnLst>
-      <p:par>
-        <p:cTn id="1" dur="indefinite" restart="never" nodeType="tmRoot"/>
-      </p:par>
-    </p:tnLst>
-  </p:timing>
 </p:sld>
 </file>
 
@@ -4774,10 +4662,9 @@
           <a:lstStyle/>
           <a:p>
             <a:r>
-              <a:rPr lang="fr-FR" dirty="0" smtClean="0"/>
+              <a:rPr lang="fr-FR" dirty="0"/>
               <a:t>Cubes</a:t>
             </a:r>
-            <a:endParaRPr lang="fr-FR" dirty="0"/>
           </a:p>
         </p:txBody>
       </p:sp>
@@ -4797,61 +4684,61 @@
           <a:lstStyle/>
           <a:p>
             <a:r>
-              <a:rPr lang="fr-FR" dirty="0" err="1" smtClean="0"/>
+              <a:rPr lang="fr-FR" dirty="0" err="1"/>
               <a:t>np.ndarray</a:t>
             </a:r>
-            <a:endParaRPr lang="fr-FR" dirty="0" smtClean="0"/>
+            <a:endParaRPr lang="fr-FR" dirty="0"/>
           </a:p>
           <a:p>
             <a:pPr lvl="1"/>
             <a:r>
-              <a:rPr lang="fr-FR" dirty="0" smtClean="0"/>
+              <a:rPr lang="fr-FR" dirty="0"/>
               <a:t>Les </a:t>
             </a:r>
             <a:r>
-              <a:rPr lang="fr-FR" dirty="0" err="1" smtClean="0"/>
+              <a:rPr lang="fr-FR" dirty="0" err="1"/>
               <a:t>np.array</a:t>
             </a:r>
             <a:r>
-              <a:rPr lang="fr-FR" dirty="0" smtClean="0"/>
+              <a:rPr lang="fr-FR" dirty="0"/>
               <a:t> sont en fait des </a:t>
             </a:r>
             <a:r>
-              <a:rPr lang="fr-FR" dirty="0" err="1" smtClean="0"/>
+              <a:rPr lang="fr-FR" dirty="0" err="1"/>
               <a:t>np.ndarray</a:t>
             </a:r>
             <a:r>
-              <a:rPr lang="fr-FR" dirty="0" smtClean="0"/>
+              <a:rPr lang="fr-FR" dirty="0"/>
               <a:t> soit des matrices de dimension n (cubes)</a:t>
             </a:r>
           </a:p>
           <a:p>
             <a:pPr lvl="1"/>
             <a:r>
-              <a:rPr lang="fr-FR" dirty="0" smtClean="0"/>
+              <a:rPr lang="fr-FR" dirty="0"/>
               <a:t>Les axes peuvent être supérieurs à 1</a:t>
             </a:r>
           </a:p>
           <a:p>
             <a:pPr lvl="1"/>
             <a:r>
-              <a:rPr lang="fr-FR" dirty="0" smtClean="0"/>
+              <a:rPr lang="fr-FR" dirty="0"/>
               <a:t>Les </a:t>
             </a:r>
             <a:r>
-              <a:rPr lang="fr-FR" dirty="0" err="1" smtClean="0"/>
+              <a:rPr lang="fr-FR" dirty="0" err="1"/>
               <a:t>shapes</a:t>
             </a:r>
             <a:r>
-              <a:rPr lang="fr-FR" dirty="0" smtClean="0"/>
+              <a:rPr lang="fr-FR" dirty="0"/>
               <a:t> peuvent être des </a:t>
             </a:r>
             <a:r>
-              <a:rPr lang="fr-FR" dirty="0" err="1" smtClean="0"/>
+              <a:rPr lang="fr-FR" dirty="0" err="1"/>
               <a:t>tuples</a:t>
             </a:r>
             <a:r>
-              <a:rPr lang="fr-FR" dirty="0" smtClean="0"/>
+              <a:rPr lang="fr-FR" dirty="0"/>
               <a:t> de taille infinis</a:t>
             </a:r>
           </a:p>
@@ -4873,13 +4760,6 @@
   <p:clrMapOvr>
     <a:masterClrMapping/>
   </p:clrMapOvr>
-  <p:timing>
-    <p:tnLst>
-      <p:par>
-        <p:cTn id="1" dur="indefinite" restart="never" nodeType="tmRoot"/>
-      </p:par>
-    </p:tnLst>
-  </p:timing>
 </p:sld>
 </file>
 
@@ -4916,10 +4796,9 @@
           <a:lstStyle/>
           <a:p>
             <a:r>
-              <a:rPr lang="fr-FR" dirty="0" smtClean="0"/>
+              <a:rPr lang="fr-FR" dirty="0"/>
               <a:t>Les filtres</a:t>
             </a:r>
-            <a:endParaRPr lang="fr-FR" dirty="0"/>
           </a:p>
         </p:txBody>
       </p:sp>
@@ -4939,29 +4818,29 @@
           <a:lstStyle/>
           <a:p>
             <a:r>
-              <a:rPr lang="fr-FR" dirty="0" smtClean="0"/>
+              <a:rPr lang="fr-FR" dirty="0"/>
               <a:t>Les cubes peuvent être filtrés</a:t>
             </a:r>
           </a:p>
           <a:p>
             <a:r>
-              <a:rPr lang="fr-FR" dirty="0" smtClean="0"/>
+              <a:rPr lang="fr-FR" dirty="0"/>
               <a:t>[:,:,</a:t>
             </a:r>
             <a:r>
-              <a:rPr lang="fr-FR" dirty="0" err="1" smtClean="0"/>
+              <a:rPr lang="fr-FR" dirty="0" err="1"/>
               <a:t>x:y</a:t>
             </a:r>
             <a:r>
-              <a:rPr lang="fr-FR" dirty="0" smtClean="0"/>
+              <a:rPr lang="fr-FR" dirty="0"/>
               <a:t>] filtre la 3</a:t>
             </a:r>
             <a:r>
-              <a:rPr lang="fr-FR" baseline="30000" dirty="0" smtClean="0"/>
+              <a:rPr lang="fr-FR" baseline="30000" dirty="0"/>
               <a:t>ème</a:t>
             </a:r>
             <a:r>
-              <a:rPr lang="fr-FR" dirty="0" smtClean="0"/>
+              <a:rPr lang="fr-FR" dirty="0"/>
               <a:t> dimension</a:t>
             </a:r>
           </a:p>
@@ -4977,13 +4856,6 @@
   <p:clrMapOvr>
     <a:masterClrMapping/>
   </p:clrMapOvr>
-  <p:timing>
-    <p:tnLst>
-      <p:par>
-        <p:cTn id="1" dur="indefinite" restart="never" nodeType="tmRoot"/>
-      </p:par>
-    </p:tnLst>
-  </p:timing>
 </p:sld>
 </file>
 
@@ -5020,10 +4892,9 @@
           <a:lstStyle/>
           <a:p>
             <a:r>
-              <a:rPr lang="fr-FR" dirty="0" smtClean="0"/>
+              <a:rPr lang="fr-FR" dirty="0"/>
               <a:t>Matrix</a:t>
             </a:r>
-            <a:endParaRPr lang="fr-FR" dirty="0"/>
           </a:p>
         </p:txBody>
       </p:sp>
@@ -5043,81 +4914,81 @@
           <a:lstStyle/>
           <a:p>
             <a:r>
-              <a:rPr lang="fr-FR" dirty="0" err="1" smtClean="0"/>
+              <a:rPr lang="fr-FR" dirty="0" err="1"/>
               <a:t>np.matrix</a:t>
             </a:r>
             <a:r>
-              <a:rPr lang="fr-FR" dirty="0" smtClean="0"/>
+              <a:rPr lang="fr-FR" dirty="0"/>
               <a:t> est un </a:t>
             </a:r>
             <a:r>
-              <a:rPr lang="fr-FR" dirty="0" err="1" smtClean="0"/>
+              <a:rPr lang="fr-FR" dirty="0" err="1"/>
               <a:t>np.array</a:t>
             </a:r>
             <a:r>
-              <a:rPr lang="fr-FR" dirty="0" smtClean="0"/>
+              <a:rPr lang="fr-FR" dirty="0"/>
               <a:t> de dimension stricte 2</a:t>
             </a:r>
           </a:p>
           <a:p>
             <a:pPr lvl="1"/>
             <a:r>
-              <a:rPr lang="fr-FR" dirty="0" smtClean="0"/>
+              <a:rPr lang="fr-FR" dirty="0"/>
               <a:t>Matrice rectangulaire</a:t>
             </a:r>
           </a:p>
           <a:p>
             <a:pPr lvl="1"/>
             <a:r>
-              <a:rPr lang="fr-FR" dirty="0" smtClean="0"/>
+              <a:rPr lang="fr-FR" dirty="0"/>
               <a:t>Dérive de </a:t>
             </a:r>
             <a:r>
-              <a:rPr lang="fr-FR" dirty="0" err="1" smtClean="0"/>
+              <a:rPr lang="fr-FR" dirty="0" err="1"/>
               <a:t>np.ndarray</a:t>
             </a:r>
-            <a:endParaRPr lang="fr-FR" dirty="0" smtClean="0"/>
-          </a:p>
-          <a:p>
-            <a:r>
-              <a:rPr lang="fr-FR" dirty="0" smtClean="0"/>
+            <a:endParaRPr lang="fr-FR" dirty="0"/>
+          </a:p>
+          <a:p>
+            <a:r>
+              <a:rPr lang="fr-FR" dirty="0"/>
               <a:t>Possède des opérateurs supplémentaires</a:t>
             </a:r>
           </a:p>
           <a:p>
             <a:pPr lvl="1"/>
             <a:r>
-              <a:rPr lang="fr-FR" dirty="0" smtClean="0"/>
+              <a:rPr lang="fr-FR" dirty="0"/>
               <a:t>@ : </a:t>
             </a:r>
             <a:r>
-              <a:rPr lang="fr-FR" dirty="0" err="1" smtClean="0"/>
+              <a:rPr lang="fr-FR" dirty="0" err="1"/>
               <a:t>x@y</a:t>
             </a:r>
             <a:r>
-              <a:rPr lang="fr-FR" dirty="0" smtClean="0"/>
+              <a:rPr lang="fr-FR" dirty="0"/>
               <a:t> est le produit scalaire</a:t>
             </a:r>
           </a:p>
           <a:p>
             <a:pPr lvl="1"/>
             <a:r>
-              <a:rPr lang="fr-FR" dirty="0" smtClean="0"/>
+              <a:rPr lang="fr-FR" dirty="0"/>
               <a:t>.I : </a:t>
             </a:r>
             <a:r>
-              <a:rPr lang="fr-FR" dirty="0" err="1" smtClean="0"/>
+              <a:rPr lang="fr-FR" dirty="0" err="1"/>
               <a:t>x.I</a:t>
             </a:r>
             <a:r>
-              <a:rPr lang="fr-FR" dirty="0" smtClean="0"/>
+              <a:rPr lang="fr-FR" dirty="0"/>
               <a:t> est la matrice inverse</a:t>
             </a:r>
           </a:p>
           <a:p>
             <a:pPr lvl="1"/>
             <a:r>
-              <a:rPr lang="fr-FR" dirty="0" smtClean="0"/>
+              <a:rPr lang="fr-FR" dirty="0"/>
               <a:t>** : x**y est la puissance scalaire</a:t>
             </a:r>
           </a:p>
@@ -5133,13 +5004,6 @@
   <p:clrMapOvr>
     <a:masterClrMapping/>
   </p:clrMapOvr>
-  <p:timing>
-    <p:tnLst>
-      <p:par>
-        <p:cTn id="1" dur="indefinite" restart="never" nodeType="tmRoot"/>
-      </p:par>
-    </p:tnLst>
-  </p:timing>
 </p:sld>
 </file>
 
@@ -5176,10 +5040,9 @@
           <a:lstStyle/>
           <a:p>
             <a:r>
-              <a:rPr lang="fr-FR" dirty="0" smtClean="0"/>
+              <a:rPr lang="fr-FR" dirty="0"/>
               <a:t>Calcul de la régression linéaire</a:t>
             </a:r>
-            <a:endParaRPr lang="fr-FR" dirty="0"/>
           </a:p>
         </p:txBody>
       </p:sp>
@@ -5264,34 +5127,30 @@
             </a:r>
             <a:r>
               <a:rPr lang="fr-FR" dirty="0"/>
-              <a:t>).dot(y</a:t>
-            </a:r>
-            <a:r>
-              <a:rPr lang="fr-FR" dirty="0" smtClean="0"/>
-              <a:t>)</a:t>
-            </a:r>
-          </a:p>
-          <a:p>
-            <a:r>
-              <a:rPr lang="fr-FR" dirty="0" smtClean="0"/>
+              <a:t>).dot(y)</a:t>
+            </a:r>
+          </a:p>
+          <a:p>
+            <a:r>
+              <a:rPr lang="fr-FR" dirty="0"/>
               <a:t>#</a:t>
             </a:r>
             <a:r>
-              <a:rPr lang="fr-FR" dirty="0" err="1" smtClean="0"/>
+              <a:rPr lang="fr-FR" dirty="0" err="1"/>
               <a:t>theta</a:t>
             </a:r>
             <a:r>
-              <a:rPr lang="fr-FR" dirty="0" smtClean="0"/>
+              <a:rPr lang="fr-FR" dirty="0"/>
               <a:t> = (b, a) pour f=</a:t>
             </a:r>
             <a:r>
-              <a:rPr lang="fr-FR" dirty="0" err="1" smtClean="0"/>
+              <a:rPr lang="fr-FR" dirty="0" err="1"/>
               <a:t>ax+b</a:t>
             </a:r>
-            <a:endParaRPr lang="fr-FR" dirty="0" smtClean="0"/>
-          </a:p>
-          <a:p>
-            <a:endParaRPr lang="fr-FR" dirty="0" smtClean="0"/>
+            <a:endParaRPr lang="fr-FR" dirty="0"/>
+          </a:p>
+          <a:p>
+            <a:endParaRPr lang="fr-FR" dirty="0"/>
           </a:p>
         </p:txBody>
       </p:sp>
@@ -5305,13 +5164,6 @@
   <p:clrMapOvr>
     <a:masterClrMapping/>
   </p:clrMapOvr>
-  <p:timing>
-    <p:tnLst>
-      <p:par>
-        <p:cTn id="1" dur="indefinite" restart="never" nodeType="tmRoot"/>
-      </p:par>
-    </p:tnLst>
-  </p:timing>
 </p:sld>
 </file>
 
@@ -5348,10 +5200,9 @@
           <a:lstStyle/>
           <a:p>
             <a:r>
-              <a:rPr lang="fr-FR" dirty="0" smtClean="0"/>
+              <a:rPr lang="fr-FR" dirty="0"/>
               <a:t>Matrix</a:t>
             </a:r>
-            <a:endParaRPr lang="fr-FR" dirty="0"/>
           </a:p>
         </p:txBody>
       </p:sp>
@@ -5406,13 +5257,6 @@
   <p:clrMapOvr>
     <a:masterClrMapping/>
   </p:clrMapOvr>
-  <p:timing>
-    <p:tnLst>
-      <p:par>
-        <p:cTn id="1" dur="indefinite" restart="never" nodeType="tmRoot"/>
-      </p:par>
-    </p:tnLst>
-  </p:timing>
 </p:sld>
 </file>
 
@@ -5449,10 +5293,9 @@
           <a:lstStyle/>
           <a:p>
             <a:r>
-              <a:rPr lang="fr-FR" dirty="0" smtClean="0"/>
+              <a:rPr lang="fr-FR" dirty="0"/>
               <a:t>Matrix</a:t>
             </a:r>
-            <a:endParaRPr lang="fr-FR" dirty="0"/>
           </a:p>
         </p:txBody>
       </p:sp>
@@ -5472,23 +5315,22 @@
           <a:lstStyle/>
           <a:p>
             <a:r>
-              <a:rPr lang="fr-FR" dirty="0" smtClean="0"/>
+              <a:rPr lang="fr-FR" dirty="0"/>
               <a:t>Les matrices sont des objets mathématiques très utilisés</a:t>
             </a:r>
           </a:p>
           <a:p>
             <a:r>
-              <a:rPr lang="fr-FR" dirty="0" smtClean="0"/>
+              <a:rPr lang="fr-FR" dirty="0"/>
               <a:t>Une matrice est un vecteur de vecteurs</a:t>
             </a:r>
           </a:p>
           <a:p>
             <a:pPr lvl="1"/>
             <a:r>
-              <a:rPr lang="fr-FR" dirty="0" smtClean="0"/>
+              <a:rPr lang="fr-FR" dirty="0"/>
               <a:t>Ou un élément de dimension 2</a:t>
             </a:r>
-            <a:endParaRPr lang="fr-FR" dirty="0"/>
           </a:p>
         </p:txBody>
       </p:sp>
@@ -5543,13 +5385,6 @@
   <p:clrMapOvr>
     <a:masterClrMapping/>
   </p:clrMapOvr>
-  <p:timing>
-    <p:tnLst>
-      <p:par>
-        <p:cTn id="1" dur="indefinite" restart="never" nodeType="tmRoot"/>
-      </p:par>
-    </p:tnLst>
-  </p:timing>
 </p:sld>
 </file>
 
@@ -5586,10 +5421,9 @@
           <a:lstStyle/>
           <a:p>
             <a:r>
-              <a:rPr lang="fr-FR" dirty="0" smtClean="0"/>
+              <a:rPr lang="fr-FR" dirty="0"/>
               <a:t>Matrices</a:t>
             </a:r>
-            <a:endParaRPr lang="fr-FR" dirty="0"/>
           </a:p>
         </p:txBody>
       </p:sp>
@@ -5609,7 +5443,7 @@
           <a:lstStyle/>
           <a:p>
             <a:r>
-              <a:rPr lang="fr-FR" dirty="0" smtClean="0"/>
+              <a:rPr lang="fr-FR" dirty="0"/>
               <a:t>Tableaux à 2 dimensions</a:t>
             </a:r>
           </a:p>
@@ -5617,62 +5451,62 @@
             <a:endParaRPr lang="fr-FR" dirty="0"/>
           </a:p>
           <a:p>
-            <a:endParaRPr lang="fr-FR" dirty="0" smtClean="0"/>
-          </a:p>
-          <a:p>
             <a:endParaRPr lang="fr-FR" dirty="0"/>
           </a:p>
           <a:p>
-            <a:r>
-              <a:rPr lang="fr-FR" dirty="0" smtClean="0"/>
+            <a:endParaRPr lang="fr-FR" dirty="0"/>
+          </a:p>
+          <a:p>
+            <a:r>
+              <a:rPr lang="fr-FR" dirty="0"/>
               <a:t>Matrices particulières</a:t>
             </a:r>
           </a:p>
           <a:p>
             <a:pPr lvl="1"/>
             <a:r>
-              <a:rPr lang="fr-FR" dirty="0" err="1" smtClean="0"/>
+              <a:rPr lang="fr-FR" dirty="0" err="1"/>
               <a:t>zeros</a:t>
             </a:r>
             <a:r>
-              <a:rPr lang="fr-FR" dirty="0" smtClean="0"/>
+              <a:rPr lang="fr-FR" dirty="0"/>
               <a:t>(n) : remplie de 0</a:t>
             </a:r>
           </a:p>
           <a:p>
             <a:pPr lvl="1"/>
             <a:r>
-              <a:rPr lang="fr-FR" dirty="0" smtClean="0"/>
+              <a:rPr lang="fr-FR" dirty="0"/>
               <a:t>one(n) : remplie de 1</a:t>
             </a:r>
           </a:p>
           <a:p>
             <a:pPr lvl="1"/>
             <a:r>
-              <a:rPr lang="fr-FR" dirty="0" err="1" smtClean="0"/>
+              <a:rPr lang="fr-FR" dirty="0" err="1"/>
               <a:t>eye</a:t>
             </a:r>
             <a:r>
-              <a:rPr lang="fr-FR" dirty="0" smtClean="0"/>
+              <a:rPr lang="fr-FR" dirty="0"/>
               <a:t>(n) : 1 en diagonale, 0 ailleurs</a:t>
             </a:r>
           </a:p>
           <a:p>
             <a:pPr lvl="1"/>
             <a:r>
-              <a:rPr lang="fr-FR" dirty="0" err="1" smtClean="0"/>
+              <a:rPr lang="fr-FR" dirty="0" err="1"/>
               <a:t>diag</a:t>
             </a:r>
             <a:r>
-              <a:rPr lang="fr-FR" dirty="0" smtClean="0"/>
+              <a:rPr lang="fr-FR" dirty="0"/>
               <a:t>(</a:t>
             </a:r>
             <a:r>
-              <a:rPr lang="fr-FR" dirty="0" err="1" smtClean="0"/>
+              <a:rPr lang="fr-FR" dirty="0" err="1"/>
               <a:t>v,k</a:t>
             </a:r>
             <a:r>
-              <a:rPr lang="fr-FR" dirty="0" smtClean="0"/>
+              <a:rPr lang="fr-FR" dirty="0"/>
               <a:t>) : vecteur v en diagonal décalé de k</a:t>
             </a:r>
           </a:p>
@@ -5680,17 +5514,12 @@
             <a:pPr lvl="1"/>
             <a:r>
               <a:rPr lang="fr-FR" dirty="0" err="1"/>
-              <a:t>r</a:t>
-            </a:r>
-            <a:r>
-              <a:rPr lang="fr-FR" dirty="0" err="1" smtClean="0"/>
-              <a:t>andom.rand</a:t>
-            </a:r>
-            <a:r>
-              <a:rPr lang="fr-FR" dirty="0" smtClean="0"/>
+              <a:t>random.rand</a:t>
+            </a:r>
+            <a:r>
+              <a:rPr lang="fr-FR" dirty="0"/>
               <a:t>(n) : aléatoire</a:t>
             </a:r>
-            <a:endParaRPr lang="fr-FR" dirty="0"/>
           </a:p>
           <a:p>
             <a:pPr lvl="1"/>
@@ -5756,13 +5585,6 @@
   <p:clrMapOvr>
     <a:masterClrMapping/>
   </p:clrMapOvr>
-  <p:timing>
-    <p:tnLst>
-      <p:par>
-        <p:cTn id="1" dur="indefinite" restart="never" nodeType="tmRoot"/>
-      </p:par>
-    </p:tnLst>
-  </p:timing>
 </p:sld>
 </file>
 
@@ -5799,10 +5621,9 @@
           <a:lstStyle/>
           <a:p>
             <a:r>
-              <a:rPr lang="fr-FR" dirty="0" smtClean="0"/>
+              <a:rPr lang="fr-FR" dirty="0"/>
               <a:t>Calcul Matriciel</a:t>
             </a:r>
-            <a:endParaRPr lang="fr-FR" dirty="0"/>
           </a:p>
         </p:txBody>
       </p:sp>
@@ -5822,7 +5643,7 @@
           <a:lstStyle/>
           <a:p>
             <a:r>
-              <a:rPr lang="fr-FR" dirty="0" smtClean="0"/>
+              <a:rPr lang="fr-FR" dirty="0"/>
               <a:t>Les opérateurs standard sont surchargés</a:t>
             </a:r>
           </a:p>
@@ -5830,7 +5651,7 @@
             <a:endParaRPr lang="fr-FR" dirty="0"/>
           </a:p>
           <a:p>
-            <a:endParaRPr lang="fr-FR" dirty="0" smtClean="0"/>
+            <a:endParaRPr lang="fr-FR" dirty="0"/>
           </a:p>
           <a:p>
             <a:endParaRPr lang="fr-FR" dirty="0"/>
@@ -5871,13 +5692,6 @@
   <p:clrMapOvr>
     <a:masterClrMapping/>
   </p:clrMapOvr>
-  <p:timing>
-    <p:tnLst>
-      <p:par>
-        <p:cTn id="1" dur="indefinite" restart="never" nodeType="tmRoot"/>
-      </p:par>
-    </p:tnLst>
-  </p:timing>
 </p:sld>
 </file>
 
@@ -6128,13 +5942,6 @@
   <p:clrMapOvr>
     <a:masterClrMapping/>
   </p:clrMapOvr>
-  <p:timing>
-    <p:tnLst>
-      <p:par>
-        <p:cTn id="1" dur="indefinite" restart="never" nodeType="tmRoot"/>
-      </p:par>
-    </p:tnLst>
-  </p:timing>
 </p:sld>
 </file>
 
@@ -6171,10 +5978,9 @@
           <a:lstStyle/>
           <a:p>
             <a:r>
-              <a:rPr lang="fr-FR" dirty="0" smtClean="0"/>
+              <a:rPr lang="fr-FR" dirty="0"/>
               <a:t>Algèbre linéaire</a:t>
             </a:r>
-            <a:endParaRPr lang="fr-FR" dirty="0"/>
           </a:p>
         </p:txBody>
       </p:sp>
@@ -6194,25 +6000,25 @@
           <a:lstStyle/>
           <a:p>
             <a:r>
-              <a:rPr lang="fr-FR" dirty="0" err="1" smtClean="0"/>
+              <a:rPr lang="fr-FR" dirty="0" err="1"/>
               <a:t>linalg.inv</a:t>
             </a:r>
             <a:r>
-              <a:rPr lang="fr-FR" dirty="0" smtClean="0"/>
+              <a:rPr lang="fr-FR" dirty="0"/>
               <a:t> inverse une matrice</a:t>
             </a:r>
           </a:p>
           <a:p>
             <a:pPr lvl="1"/>
             <a:r>
-              <a:rPr lang="fr-FR" dirty="0" smtClean="0"/>
+              <a:rPr lang="fr-FR" dirty="0"/>
               <a:t>Vérifier d’abord si elle est inversable avec </a:t>
             </a:r>
             <a:r>
-              <a:rPr lang="fr-FR" dirty="0" err="1" smtClean="0"/>
+              <a:rPr lang="fr-FR" dirty="0" err="1"/>
               <a:t>rank</a:t>
             </a:r>
-            <a:endParaRPr lang="fr-FR" dirty="0" smtClean="0"/>
+            <a:endParaRPr lang="fr-FR" dirty="0"/>
           </a:p>
           <a:p>
             <a:pPr lvl="1"/>
@@ -6220,7 +6026,7 @@
           </a:p>
           <a:p>
             <a:pPr lvl="1"/>
-            <a:endParaRPr lang="fr-FR" dirty="0" smtClean="0"/>
+            <a:endParaRPr lang="fr-FR" dirty="0"/>
           </a:p>
           <a:p>
             <a:pPr lvl="1"/>
@@ -6228,26 +6034,22 @@
           </a:p>
           <a:p>
             <a:pPr lvl="1"/>
-            <a:endParaRPr lang="fr-FR" dirty="0" smtClean="0"/>
+            <a:endParaRPr lang="fr-FR" dirty="0"/>
           </a:p>
           <a:p>
             <a:pPr lvl="1"/>
             <a:r>
               <a:rPr lang="fr-FR" dirty="0" err="1"/>
-              <a:t>n</a:t>
-            </a:r>
-            <a:r>
-              <a:rPr lang="fr-FR" dirty="0" err="1" smtClean="0"/>
-              <a:t>p.trace</a:t>
-            </a:r>
-            <a:r>
-              <a:rPr lang="fr-FR" dirty="0" smtClean="0"/>
+              <a:t>np.trace</a:t>
+            </a:r>
+            <a:r>
+              <a:rPr lang="fr-FR" dirty="0"/>
               <a:t> calcul la trace</a:t>
             </a:r>
           </a:p>
           <a:p>
             <a:pPr lvl="1"/>
-            <a:endParaRPr lang="fr-FR" dirty="0" smtClean="0"/>
+            <a:endParaRPr lang="fr-FR" dirty="0"/>
           </a:p>
           <a:p>
             <a:pPr lvl="1"/>
@@ -6289,13 +6091,6 @@
   <p:clrMapOvr>
     <a:masterClrMapping/>
   </p:clrMapOvr>
-  <p:timing>
-    <p:tnLst>
-      <p:par>
-        <p:cTn id="1" dur="indefinite" restart="never" nodeType="tmRoot"/>
-      </p:par>
-    </p:tnLst>
-  </p:timing>
 </p:sld>
 </file>
 
@@ -6332,10 +6127,9 @@
           <a:lstStyle/>
           <a:p>
             <a:r>
-              <a:rPr lang="fr-FR" dirty="0" smtClean="0"/>
+              <a:rPr lang="fr-FR" dirty="0"/>
               <a:t>Transposée</a:t>
             </a:r>
-            <a:endParaRPr lang="fr-FR" dirty="0"/>
           </a:p>
         </p:txBody>
       </p:sp>
@@ -6355,22 +6149,22 @@
           <a:lstStyle/>
           <a:p>
             <a:r>
-              <a:rPr lang="fr-FR" dirty="0" err="1" smtClean="0"/>
+              <a:rPr lang="fr-FR" dirty="0" err="1"/>
               <a:t>x.T</a:t>
             </a:r>
-            <a:endParaRPr lang="fr-FR" dirty="0" smtClean="0"/>
+            <a:endParaRPr lang="fr-FR" dirty="0"/>
           </a:p>
           <a:p>
             <a:pPr lvl="1"/>
             <a:r>
-              <a:rPr lang="fr-FR" dirty="0" smtClean="0"/>
+              <a:rPr lang="fr-FR" dirty="0"/>
               <a:t>Transposition d’une matrice </a:t>
             </a:r>
           </a:p>
           <a:p>
             <a:pPr lvl="1"/>
             <a:r>
-              <a:rPr lang="fr-FR" dirty="0" smtClean="0"/>
+              <a:rPr lang="fr-FR" dirty="0"/>
               <a:t>inversion ligne colonne</a:t>
             </a:r>
           </a:p>
@@ -6386,13 +6180,6 @@
   <p:clrMapOvr>
     <a:masterClrMapping/>
   </p:clrMapOvr>
-  <p:timing>
-    <p:tnLst>
-      <p:par>
-        <p:cTn id="1" dur="indefinite" restart="never" nodeType="tmRoot"/>
-      </p:par>
-    </p:tnLst>
-  </p:timing>
 </p:sld>
 </file>
 
@@ -6429,7 +6216,7 @@
           <a:lstStyle/>
           <a:p>
             <a:r>
-              <a:rPr lang="fr-FR" dirty="0" err="1" smtClean="0"/>
+              <a:rPr lang="fr-FR" dirty="0" err="1"/>
               <a:t>Random</a:t>
             </a:r>
             <a:endParaRPr lang="fr-FR" dirty="0"/>
@@ -6507,22 +6294,21 @@
           <a:lstStyle/>
           <a:p>
             <a:r>
-              <a:rPr lang="fr-FR" sz="2000" dirty="0" smtClean="0"/>
+              <a:rPr lang="fr-FR" sz="2000" dirty="0"/>
               <a:t>0 veut dire par ligne</a:t>
             </a:r>
           </a:p>
           <a:p>
             <a:r>
-              <a:rPr lang="fr-FR" sz="2000" dirty="0" smtClean="0"/>
+              <a:rPr lang="fr-FR" sz="2000" dirty="0"/>
               <a:t>1 veut dire par colonne</a:t>
             </a:r>
           </a:p>
           <a:p>
             <a:r>
-              <a:rPr lang="fr-FR" sz="2000" dirty="0" smtClean="0"/>
+              <a:rPr lang="fr-FR" sz="2000" dirty="0"/>
               <a:t>Absent veut dire somme totale</a:t>
             </a:r>
-            <a:endParaRPr lang="fr-FR" sz="2000" dirty="0"/>
           </a:p>
         </p:txBody>
       </p:sp>
@@ -6536,13 +6322,6 @@
   <p:clrMapOvr>
     <a:masterClrMapping/>
   </p:clrMapOvr>
-  <p:timing>
-    <p:tnLst>
-      <p:par>
-        <p:cTn id="1" dur="indefinite" restart="never" nodeType="tmRoot"/>
-      </p:par>
-    </p:tnLst>
-  </p:timing>
 </p:sld>
 </file>
 

--- a/ppt/PythonMath07-NumpyMatrix.pptx
+++ b/ppt/PythonMath07-NumpyMatrix.pptx
@@ -4443,7 +4443,7 @@
                 <a:latin typeface="Courier New" panose="02070309020205020404" pitchFamily="49" charset="0"/>
                 <a:cs typeface="Courier New" panose="02070309020205020404" pitchFamily="49" charset="0"/>
               </a:rPr>
-              <a:t>a[3:8:2] # indices 3, 5, 7 </a:t>
+              <a:t>a[3:8:2, 1:10:3] # indices 3, 5, 7 </a:t>
             </a:r>
           </a:p>
           <a:p>

--- a/ppt/PythonMath07-NumpyMatrix.pptx
+++ b/ppt/PythonMath07-NumpyMatrix.pptx
@@ -5,10 +5,10 @@
     <p:sldMasterId id="2147483653" r:id="rId1"/>
   </p:sldMasterIdLst>
   <p:notesMasterIdLst>
-    <p:notesMasterId r:id="rId21"/>
+    <p:notesMasterId r:id="rId22"/>
   </p:notesMasterIdLst>
   <p:handoutMasterIdLst>
-    <p:handoutMasterId r:id="rId22"/>
+    <p:handoutMasterId r:id="rId23"/>
   </p:handoutMasterIdLst>
   <p:sldIdLst>
     <p:sldId id="264" r:id="rId2"/>
@@ -28,8 +28,9 @@
     <p:sldId id="299" r:id="rId16"/>
     <p:sldId id="289" r:id="rId17"/>
     <p:sldId id="292" r:id="rId18"/>
-    <p:sldId id="290" r:id="rId19"/>
-    <p:sldId id="295" r:id="rId20"/>
+    <p:sldId id="300" r:id="rId19"/>
+    <p:sldId id="290" r:id="rId20"/>
+    <p:sldId id="295" r:id="rId21"/>
   </p:sldIdLst>
   <p:sldSz cx="9144000" cy="6858000" type="screen4x3"/>
   <p:notesSz cx="6648450" cy="9782175"/>
@@ -4878,7 +4879,13 @@
       </p:grpSpPr>
       <p:sp>
         <p:nvSpPr>
-          <p:cNvPr id="2" name="Titre 1"/>
+          <p:cNvPr id="2" name="Titre 1">
+            <a:extLst>
+              <a:ext uri="{FF2B5EF4-FFF2-40B4-BE49-F238E27FC236}">
+                <a16:creationId xmlns:a16="http://schemas.microsoft.com/office/drawing/2014/main" id="{49842D1C-8AAB-79DB-1792-73B852CEE9E3}"/>
+              </a:ext>
+            </a:extLst>
+          </p:cNvPr>
           <p:cNvSpPr>
             <a:spLocks noGrp="1"/>
           </p:cNvSpPr>
@@ -4893,14 +4900,20 @@
           <a:p>
             <a:r>
               <a:rPr lang="fr-FR" dirty="0"/>
-              <a:t>Matrix</a:t>
-            </a:r>
-          </a:p>
-        </p:txBody>
-      </p:sp>
-      <p:sp>
-        <p:nvSpPr>
-          <p:cNvPr id="3" name="Espace réservé du contenu 2"/>
+              <a:t>Typage</a:t>
+            </a:r>
+          </a:p>
+        </p:txBody>
+      </p:sp>
+      <p:sp>
+        <p:nvSpPr>
+          <p:cNvPr id="3" name="Espace réservé du contenu 2">
+            <a:extLst>
+              <a:ext uri="{FF2B5EF4-FFF2-40B4-BE49-F238E27FC236}">
+                <a16:creationId xmlns:a16="http://schemas.microsoft.com/office/drawing/2014/main" id="{0A172513-7B05-8744-2C7C-AC958E2306F4}"/>
+              </a:ext>
+            </a:extLst>
+          </p:cNvPr>
           <p:cNvSpPr>
             <a:spLocks noGrp="1"/>
           </p:cNvSpPr>
@@ -4914,90 +4927,46 @@
           <a:lstStyle/>
           <a:p>
             <a:r>
-              <a:rPr lang="fr-FR" dirty="0" err="1"/>
-              <a:t>np.matrix</a:t>
-            </a:r>
-            <a:r>
-              <a:rPr lang="fr-FR" dirty="0"/>
-              <a:t> est un </a:t>
-            </a:r>
-            <a:r>
-              <a:rPr lang="fr-FR" dirty="0" err="1"/>
-              <a:t>np.array</a:t>
-            </a:r>
-            <a:r>
-              <a:rPr lang="fr-FR" dirty="0"/>
-              <a:t> de dimension stricte 2</a:t>
-            </a:r>
-          </a:p>
-          <a:p>
-            <a:pPr lvl="1"/>
-            <a:r>
-              <a:rPr lang="fr-FR" dirty="0"/>
-              <a:t>Matrice rectangulaire</a:t>
-            </a:r>
-          </a:p>
-          <a:p>
-            <a:pPr lvl="1"/>
-            <a:r>
-              <a:rPr lang="fr-FR" dirty="0"/>
-              <a:t>Dérive de </a:t>
-            </a:r>
-            <a:r>
-              <a:rPr lang="fr-FR" dirty="0" err="1"/>
-              <a:t>np.ndarray</a:t>
+              <a:rPr lang="en-US" dirty="0"/>
+              <a:t>from </a:t>
+            </a:r>
+            <a:r>
+              <a:rPr lang="en-US" dirty="0" err="1"/>
+              <a:t>numpy.typing</a:t>
+            </a:r>
+            <a:r>
+              <a:rPr lang="en-US" dirty="0"/>
+              <a:t> import </a:t>
+            </a:r>
+            <a:r>
+              <a:rPr lang="en-US" dirty="0" err="1"/>
+              <a:t>NDArray</a:t>
+            </a:r>
+            <a:endParaRPr lang="en-US" dirty="0"/>
+          </a:p>
+          <a:p>
+            <a:r>
+              <a:rPr lang="en-US"/>
+              <a:t>NDArray</a:t>
+            </a:r>
+          </a:p>
+          <a:p>
+            <a:r>
+              <a:rPr lang="en-US" dirty="0" err="1"/>
+              <a:t>NDArray</a:t>
+            </a:r>
+            <a:r>
+              <a:rPr lang="en-US" dirty="0"/>
+              <a:t>[np.float64]</a:t>
             </a:r>
             <a:endParaRPr lang="fr-FR" dirty="0"/>
-          </a:p>
-          <a:p>
-            <a:r>
-              <a:rPr lang="fr-FR" dirty="0"/>
-              <a:t>Possède des opérateurs supplémentaires</a:t>
-            </a:r>
-          </a:p>
-          <a:p>
-            <a:pPr lvl="1"/>
-            <a:r>
-              <a:rPr lang="fr-FR" dirty="0"/>
-              <a:t>@ : </a:t>
-            </a:r>
-            <a:r>
-              <a:rPr lang="fr-FR" dirty="0" err="1"/>
-              <a:t>x@y</a:t>
-            </a:r>
-            <a:r>
-              <a:rPr lang="fr-FR" dirty="0"/>
-              <a:t> est le produit scalaire</a:t>
-            </a:r>
-          </a:p>
-          <a:p>
-            <a:pPr lvl="1"/>
-            <a:r>
-              <a:rPr lang="fr-FR" dirty="0"/>
-              <a:t>.I : </a:t>
-            </a:r>
-            <a:r>
-              <a:rPr lang="fr-FR" dirty="0" err="1"/>
-              <a:t>x.I</a:t>
-            </a:r>
-            <a:r>
-              <a:rPr lang="fr-FR" dirty="0"/>
-              <a:t> est la matrice inverse</a:t>
-            </a:r>
-          </a:p>
-          <a:p>
-            <a:pPr lvl="1"/>
-            <a:r>
-              <a:rPr lang="fr-FR" dirty="0"/>
-              <a:t>** : x**y est la puissance scalaire</a:t>
-            </a:r>
           </a:p>
         </p:txBody>
       </p:sp>
     </p:spTree>
     <p:extLst>
       <p:ext uri="{BB962C8B-B14F-4D97-AF65-F5344CB8AC3E}">
-        <p14:creationId xmlns:p14="http://schemas.microsoft.com/office/powerpoint/2010/main" val="1116329046"/>
+        <p14:creationId xmlns:p14="http://schemas.microsoft.com/office/powerpoint/2010/main" val="1695495202"/>
       </p:ext>
     </p:extLst>
   </p:cSld>
@@ -5041,7 +5010,7 @@
           <a:p>
             <a:r>
               <a:rPr lang="fr-FR" dirty="0"/>
-              <a:t>Calcul de la régression linéaire</a:t>
+              <a:t>Matrix</a:t>
             </a:r>
           </a:p>
         </p:txBody>
@@ -5062,102 +5031,90 @@
           <a:lstStyle/>
           <a:p>
             <a:r>
-              <a:rPr lang="fr-FR" dirty="0"/>
-              <a:t>x = </a:t>
-            </a:r>
-            <a:r>
               <a:rPr lang="fr-FR" dirty="0" err="1"/>
               <a:t>np.matrix</a:t>
             </a:r>
             <a:r>
               <a:rPr lang="fr-FR" dirty="0"/>
-              <a:t>([</a:t>
+              <a:t> est un </a:t>
             </a:r>
             <a:r>
               <a:rPr lang="fr-FR" dirty="0" err="1"/>
-              <a:t>np.ones</a:t>
-            </a:r>
-            <a:r>
-              <a:rPr lang="fr-FR" dirty="0"/>
-              <a:t>(</a:t>
+              <a:t>np.array</a:t>
+            </a:r>
+            <a:r>
+              <a:rPr lang="fr-FR" dirty="0"/>
+              <a:t> de dimension stricte 2</a:t>
+            </a:r>
+          </a:p>
+          <a:p>
+            <a:pPr lvl="1"/>
+            <a:r>
+              <a:rPr lang="fr-FR" dirty="0"/>
+              <a:t>Matrice rectangulaire</a:t>
+            </a:r>
+          </a:p>
+          <a:p>
+            <a:pPr lvl="1"/>
+            <a:r>
+              <a:rPr lang="fr-FR" dirty="0"/>
+              <a:t>Dérive de </a:t>
             </a:r>
             <a:r>
               <a:rPr lang="fr-FR" dirty="0" err="1"/>
-              <a:t>surfaces.shape</a:t>
-            </a:r>
-            <a:r>
-              <a:rPr lang="fr-FR" dirty="0"/>
-              <a:t>[0]), surfaces]).T</a:t>
-            </a:r>
-          </a:p>
-          <a:p>
-            <a:r>
-              <a:rPr lang="fr-FR" dirty="0"/>
-              <a:t>y = </a:t>
+              <a:t>np.ndarray</a:t>
+            </a:r>
+            <a:endParaRPr lang="fr-FR" dirty="0"/>
+          </a:p>
+          <a:p>
+            <a:r>
+              <a:rPr lang="fr-FR" dirty="0"/>
+              <a:t>Possède des opérateurs supplémentaires</a:t>
+            </a:r>
+          </a:p>
+          <a:p>
+            <a:pPr lvl="1"/>
+            <a:r>
+              <a:rPr lang="fr-FR" dirty="0"/>
+              <a:t>@ : </a:t>
             </a:r>
             <a:r>
               <a:rPr lang="fr-FR" dirty="0" err="1"/>
-              <a:t>np.matrix</a:t>
-            </a:r>
-            <a:r>
-              <a:rPr lang="fr-FR" dirty="0"/>
-              <a:t>(loyers).T</a:t>
-            </a:r>
-          </a:p>
-          <a:p>
+              <a:t>x@y</a:t>
+            </a:r>
+            <a:r>
+              <a:rPr lang="fr-FR" dirty="0"/>
+              <a:t> est le produit scalaire</a:t>
+            </a:r>
+          </a:p>
+          <a:p>
+            <a:pPr lvl="1"/>
+            <a:r>
+              <a:rPr lang="fr-FR" dirty="0"/>
+              <a:t>.I : </a:t>
+            </a:r>
             <a:r>
               <a:rPr lang="fr-FR" dirty="0" err="1"/>
-              <a:t>theta</a:t>
-            </a:r>
-            <a:r>
-              <a:rPr lang="fr-FR" dirty="0"/>
-              <a:t> = </a:t>
-            </a:r>
-            <a:r>
-              <a:rPr lang="fr-FR" dirty="0" err="1"/>
-              <a:t>np.linalg.inv</a:t>
-            </a:r>
-            <a:r>
-              <a:rPr lang="fr-FR" dirty="0"/>
-              <a:t>(x.T.dot(x)).dot(</a:t>
-            </a:r>
-            <a:r>
-              <a:rPr lang="fr-FR" dirty="0" err="1"/>
-              <a:t>x.T</a:t>
-            </a:r>
-            <a:r>
-              <a:rPr lang="fr-FR" dirty="0"/>
-              <a:t>).dot(y)</a:t>
-            </a:r>
-          </a:p>
-          <a:p>
-            <a:r>
-              <a:rPr lang="fr-FR" dirty="0"/>
-              <a:t>#</a:t>
-            </a:r>
-            <a:r>
-              <a:rPr lang="fr-FR" dirty="0" err="1"/>
-              <a:t>theta</a:t>
-            </a:r>
-            <a:r>
-              <a:rPr lang="fr-FR" dirty="0"/>
-              <a:t> = (b, a) pour f=</a:t>
-            </a:r>
-            <a:r>
-              <a:rPr lang="fr-FR" dirty="0" err="1"/>
-              <a:t>ax+b</a:t>
-            </a:r>
-            <a:endParaRPr lang="fr-FR" dirty="0"/>
-          </a:p>
-          <a:p>
-            <a:endParaRPr lang="fr-FR" dirty="0"/>
+              <a:t>x.I</a:t>
+            </a:r>
+            <a:r>
+              <a:rPr lang="fr-FR" dirty="0"/>
+              <a:t> est la matrice inverse</a:t>
+            </a:r>
+          </a:p>
+          <a:p>
+            <a:pPr lvl="1"/>
+            <a:r>
+              <a:rPr lang="fr-FR" dirty="0"/>
+              <a:t>** : x**y est la puissance scalaire</a:t>
+            </a:r>
           </a:p>
         </p:txBody>
       </p:sp>
     </p:spTree>
     <p:extLst>
       <p:ext uri="{BB962C8B-B14F-4D97-AF65-F5344CB8AC3E}">
-        <p14:creationId xmlns:p14="http://schemas.microsoft.com/office/powerpoint/2010/main" val="1848658131"/>
+        <p14:creationId xmlns:p14="http://schemas.microsoft.com/office/powerpoint/2010/main" val="1116329046"/>
       </p:ext>
     </p:extLst>
   </p:cSld>
@@ -5251,6 +5208,166 @@
     <p:extLst>
       <p:ext uri="{BB962C8B-B14F-4D97-AF65-F5344CB8AC3E}">
         <p14:creationId xmlns:p14="http://schemas.microsoft.com/office/powerpoint/2010/main" val="2348686705"/>
+      </p:ext>
+    </p:extLst>
+  </p:cSld>
+  <p:clrMapOvr>
+    <a:masterClrMapping/>
+  </p:clrMapOvr>
+</p:sld>
+</file>
+
+<file path=ppt/slides/slide20.xml><?xml version="1.0" encoding="utf-8"?>
+<p:sld xmlns:a="http://schemas.openxmlformats.org/drawingml/2006/main" xmlns:r="http://schemas.openxmlformats.org/officeDocument/2006/relationships" xmlns:p="http://schemas.openxmlformats.org/presentationml/2006/main">
+  <p:cSld>
+    <p:spTree>
+      <p:nvGrpSpPr>
+        <p:cNvPr id="1" name=""/>
+        <p:cNvGrpSpPr/>
+        <p:nvPr/>
+      </p:nvGrpSpPr>
+      <p:grpSpPr>
+        <a:xfrm>
+          <a:off x="0" y="0"/>
+          <a:ext cx="0" cy="0"/>
+          <a:chOff x="0" y="0"/>
+          <a:chExt cx="0" cy="0"/>
+        </a:xfrm>
+      </p:grpSpPr>
+      <p:sp>
+        <p:nvSpPr>
+          <p:cNvPr id="2" name="Titre 1"/>
+          <p:cNvSpPr>
+            <a:spLocks noGrp="1"/>
+          </p:cNvSpPr>
+          <p:nvPr>
+            <p:ph type="title"/>
+          </p:nvPr>
+        </p:nvSpPr>
+        <p:spPr/>
+        <p:txBody>
+          <a:bodyPr/>
+          <a:lstStyle/>
+          <a:p>
+            <a:r>
+              <a:rPr lang="fr-FR" dirty="0"/>
+              <a:t>Calcul de la régression linéaire</a:t>
+            </a:r>
+          </a:p>
+        </p:txBody>
+      </p:sp>
+      <p:sp>
+        <p:nvSpPr>
+          <p:cNvPr id="3" name="Espace réservé du contenu 2"/>
+          <p:cNvSpPr>
+            <a:spLocks noGrp="1"/>
+          </p:cNvSpPr>
+          <p:nvPr>
+            <p:ph idx="1"/>
+          </p:nvPr>
+        </p:nvSpPr>
+        <p:spPr/>
+        <p:txBody>
+          <a:bodyPr/>
+          <a:lstStyle/>
+          <a:p>
+            <a:r>
+              <a:rPr lang="fr-FR" dirty="0"/>
+              <a:t>x = </a:t>
+            </a:r>
+            <a:r>
+              <a:rPr lang="fr-FR" dirty="0" err="1"/>
+              <a:t>np.matrix</a:t>
+            </a:r>
+            <a:r>
+              <a:rPr lang="fr-FR" dirty="0"/>
+              <a:t>([</a:t>
+            </a:r>
+            <a:r>
+              <a:rPr lang="fr-FR" dirty="0" err="1"/>
+              <a:t>np.ones</a:t>
+            </a:r>
+            <a:r>
+              <a:rPr lang="fr-FR" dirty="0"/>
+              <a:t>(</a:t>
+            </a:r>
+            <a:r>
+              <a:rPr lang="fr-FR" dirty="0" err="1"/>
+              <a:t>surfaces.shape</a:t>
+            </a:r>
+            <a:r>
+              <a:rPr lang="fr-FR" dirty="0"/>
+              <a:t>[0]), surfaces]).T</a:t>
+            </a:r>
+          </a:p>
+          <a:p>
+            <a:r>
+              <a:rPr lang="fr-FR" dirty="0"/>
+              <a:t>y = </a:t>
+            </a:r>
+            <a:r>
+              <a:rPr lang="fr-FR" dirty="0" err="1"/>
+              <a:t>np.matrix</a:t>
+            </a:r>
+            <a:r>
+              <a:rPr lang="fr-FR" dirty="0"/>
+              <a:t>(loyers).T</a:t>
+            </a:r>
+          </a:p>
+          <a:p>
+            <a:r>
+              <a:rPr lang="fr-FR" dirty="0" err="1"/>
+              <a:t>theta</a:t>
+            </a:r>
+            <a:r>
+              <a:rPr lang="fr-FR" dirty="0"/>
+              <a:t> = </a:t>
+            </a:r>
+            <a:r>
+              <a:rPr lang="fr-FR" dirty="0" err="1"/>
+              <a:t>np.linalg.inv</a:t>
+            </a:r>
+            <a:r>
+              <a:rPr lang="fr-FR" dirty="0"/>
+              <a:t>(x.T.dot(x)).dot(</a:t>
+            </a:r>
+            <a:r>
+              <a:rPr lang="fr-FR" dirty="0" err="1"/>
+              <a:t>x.T</a:t>
+            </a:r>
+            <a:r>
+              <a:rPr lang="fr-FR" dirty="0"/>
+              <a:t>).dot(y)</a:t>
+            </a:r>
+          </a:p>
+          <a:p>
+            <a:r>
+              <a:rPr lang="fr-FR" dirty="0"/>
+              <a:t>#</a:t>
+            </a:r>
+            <a:r>
+              <a:rPr lang="fr-FR" dirty="0" err="1"/>
+              <a:t>theta</a:t>
+            </a:r>
+            <a:r>
+              <a:rPr lang="fr-FR" dirty="0"/>
+              <a:t> = (b, a) pour f=</a:t>
+            </a:r>
+            <a:r>
+              <a:rPr lang="fr-FR" dirty="0" err="1"/>
+              <a:t>ax+b</a:t>
+            </a:r>
+            <a:endParaRPr lang="fr-FR" dirty="0"/>
+          </a:p>
+          <a:p>
+            <a:endParaRPr lang="fr-FR" dirty="0"/>
+          </a:p>
+        </p:txBody>
+      </p:sp>
+    </p:spTree>
+    <p:extLst>
+      <p:ext uri="{BB962C8B-B14F-4D97-AF65-F5344CB8AC3E}">
+        <p14:creationId xmlns:p14="http://schemas.microsoft.com/office/powerpoint/2010/main" val="1848658131"/>
       </p:ext>
     </p:extLst>
   </p:cSld>

--- a/ppt/PythonMath07-NumpyMatrix.pptx
+++ b/ppt/PythonMath07-NumpyMatrix.pptx
@@ -5,10 +5,10 @@
     <p:sldMasterId id="2147483653" r:id="rId1"/>
   </p:sldMasterIdLst>
   <p:notesMasterIdLst>
-    <p:notesMasterId r:id="rId22"/>
+    <p:notesMasterId r:id="rId23"/>
   </p:notesMasterIdLst>
   <p:handoutMasterIdLst>
-    <p:handoutMasterId r:id="rId23"/>
+    <p:handoutMasterId r:id="rId24"/>
   </p:handoutMasterIdLst>
   <p:sldIdLst>
     <p:sldId id="264" r:id="rId2"/>
@@ -28,9 +28,10 @@
     <p:sldId id="299" r:id="rId16"/>
     <p:sldId id="289" r:id="rId17"/>
     <p:sldId id="292" r:id="rId18"/>
-    <p:sldId id="300" r:id="rId19"/>
-    <p:sldId id="290" r:id="rId20"/>
-    <p:sldId id="295" r:id="rId21"/>
+    <p:sldId id="301" r:id="rId19"/>
+    <p:sldId id="300" r:id="rId20"/>
+    <p:sldId id="290" r:id="rId21"/>
+    <p:sldId id="295" r:id="rId22"/>
   </p:sldIdLst>
   <p:sldSz cx="9144000" cy="6858000" type="screen4x3"/>
   <p:notesSz cx="6648450" cy="9782175"/>
@@ -3874,6 +3875,13 @@
   <p:clrMapOvr>
     <a:masterClrMapping/>
   </p:clrMapOvr>
+  <p:timing>
+    <p:tnLst>
+      <p:par>
+        <p:cTn id="1" dur="indefinite" restart="never" nodeType="tmRoot"/>
+      </p:par>
+    </p:tnLst>
+  </p:timing>
 </p:sld>
 </file>
 
@@ -3963,6 +3971,13 @@
   <p:clrMapOvr>
     <a:masterClrMapping/>
   </p:clrMapOvr>
+  <p:timing>
+    <p:tnLst>
+      <p:par>
+        <p:cTn id="1" dur="indefinite" restart="never" nodeType="tmRoot"/>
+      </p:par>
+    </p:tnLst>
+  </p:timing>
 </p:sld>
 </file>
 
@@ -4127,6 +4142,13 @@
   <p:clrMapOvr>
     <a:masterClrMapping/>
   </p:clrMapOvr>
+  <p:timing>
+    <p:tnLst>
+      <p:par>
+        <p:cTn id="1" dur="indefinite" restart="never" nodeType="tmRoot"/>
+      </p:par>
+    </p:tnLst>
+  </p:timing>
 </p:sld>
 </file>
 
@@ -4312,6 +4334,13 @@
   <p:clrMapOvr>
     <a:masterClrMapping/>
   </p:clrMapOvr>
+  <p:timing>
+    <p:tnLst>
+      <p:par>
+        <p:cTn id="1" dur="indefinite" restart="never" nodeType="tmRoot"/>
+      </p:par>
+    </p:tnLst>
+  </p:timing>
 </p:sld>
 </file>
 
@@ -4502,6 +4531,13 @@
   <p:clrMapOvr>
     <a:masterClrMapping/>
   </p:clrMapOvr>
+  <p:timing>
+    <p:tnLst>
+      <p:par>
+        <p:cTn id="1" dur="indefinite" restart="never" nodeType="tmRoot"/>
+      </p:par>
+    </p:tnLst>
+  </p:timing>
 </p:sld>
 </file>
 
@@ -4627,6 +4663,13 @@
   <p:clrMapOvr>
     <a:masterClrMapping/>
   </p:clrMapOvr>
+  <p:timing>
+    <p:tnLst>
+      <p:par>
+        <p:cTn id="1" dur="indefinite" restart="never" nodeType="tmRoot"/>
+      </p:par>
+    </p:tnLst>
+  </p:timing>
 </p:sld>
 </file>
 
@@ -4761,6 +4804,13 @@
   <p:clrMapOvr>
     <a:masterClrMapping/>
   </p:clrMapOvr>
+  <p:timing>
+    <p:tnLst>
+      <p:par>
+        <p:cTn id="1" dur="indefinite" restart="never" nodeType="tmRoot"/>
+      </p:par>
+    </p:tnLst>
+  </p:timing>
 </p:sld>
 </file>
 
@@ -4857,6 +4907,13 @@
   <p:clrMapOvr>
     <a:masterClrMapping/>
   </p:clrMapOvr>
+  <p:timing>
+    <p:tnLst>
+      <p:par>
+        <p:cTn id="1" dur="indefinite" restart="never" nodeType="tmRoot"/>
+      </p:par>
+    </p:tnLst>
+  </p:timing>
 </p:sld>
 </file>
 
@@ -4879,13 +4936,7 @@
       </p:grpSpPr>
       <p:sp>
         <p:nvSpPr>
-          <p:cNvPr id="2" name="Titre 1">
-            <a:extLst>
-              <a:ext uri="{FF2B5EF4-FFF2-40B4-BE49-F238E27FC236}">
-                <a16:creationId xmlns:a16="http://schemas.microsoft.com/office/drawing/2014/main" id="{49842D1C-8AAB-79DB-1792-73B852CEE9E3}"/>
-              </a:ext>
-            </a:extLst>
-          </p:cNvPr>
+          <p:cNvPr id="2" name="Titre 1"/>
           <p:cNvSpPr>
             <a:spLocks noGrp="1"/>
           </p:cNvSpPr>
@@ -4899,21 +4950,20 @@
           <a:lstStyle/>
           <a:p>
             <a:r>
-              <a:rPr lang="fr-FR" dirty="0"/>
-              <a:t>Typage</a:t>
-            </a:r>
-          </a:p>
-        </p:txBody>
-      </p:sp>
-      <p:sp>
-        <p:nvSpPr>
-          <p:cNvPr id="3" name="Espace réservé du contenu 2">
-            <a:extLst>
-              <a:ext uri="{FF2B5EF4-FFF2-40B4-BE49-F238E27FC236}">
-                <a16:creationId xmlns:a16="http://schemas.microsoft.com/office/drawing/2014/main" id="{0A172513-7B05-8744-2C7C-AC958E2306F4}"/>
-              </a:ext>
-            </a:extLst>
-          </p:cNvPr>
+              <a:rPr lang="fr-FR" dirty="0" smtClean="0"/>
+              <a:t>Les </a:t>
+            </a:r>
+            <a:r>
+              <a:rPr lang="fr-FR" dirty="0" err="1" smtClean="0"/>
+              <a:t>lambdas</a:t>
+            </a:r>
+            <a:endParaRPr lang="fr-FR" dirty="0"/>
+          </a:p>
+        </p:txBody>
+      </p:sp>
+      <p:sp>
+        <p:nvSpPr>
+          <p:cNvPr id="3" name="Espace réservé du contenu 2"/>
           <p:cNvSpPr>
             <a:spLocks noGrp="1"/>
           </p:cNvSpPr>
@@ -4927,37 +4977,12 @@
           <a:lstStyle/>
           <a:p>
             <a:r>
-              <a:rPr lang="en-US" dirty="0"/>
-              <a:t>from </a:t>
-            </a:r>
-            <a:r>
-              <a:rPr lang="en-US" dirty="0" err="1"/>
-              <a:t>numpy.typing</a:t>
-            </a:r>
-            <a:r>
-              <a:rPr lang="en-US" dirty="0"/>
-              <a:t> import </a:t>
-            </a:r>
-            <a:r>
-              <a:rPr lang="en-US" dirty="0" err="1"/>
-              <a:t>NDArray</a:t>
-            </a:r>
-            <a:endParaRPr lang="en-US" dirty="0"/>
-          </a:p>
-          <a:p>
-            <a:r>
-              <a:rPr lang="en-US"/>
-              <a:t>NDArray</a:t>
-            </a:r>
-          </a:p>
-          <a:p>
-            <a:r>
-              <a:rPr lang="en-US" dirty="0" err="1"/>
-              <a:t>NDArray</a:t>
-            </a:r>
-            <a:r>
-              <a:rPr lang="en-US" dirty="0"/>
-              <a:t>[np.float64]</a:t>
+              <a:rPr lang="fr-FR" dirty="0" err="1" smtClean="0"/>
+              <a:t>Numpy</a:t>
+            </a:r>
+            <a:r>
+              <a:rPr lang="fr-FR" dirty="0" smtClean="0"/>
+              <a:t> est compatible lambda</a:t>
             </a:r>
             <a:endParaRPr lang="fr-FR" dirty="0"/>
           </a:p>
@@ -4966,13 +4991,20 @@
     </p:spTree>
     <p:extLst>
       <p:ext uri="{BB962C8B-B14F-4D97-AF65-F5344CB8AC3E}">
-        <p14:creationId xmlns:p14="http://schemas.microsoft.com/office/powerpoint/2010/main" val="1695495202"/>
+        <p14:creationId xmlns:p14="http://schemas.microsoft.com/office/powerpoint/2010/main" val="2300467380"/>
       </p:ext>
     </p:extLst>
   </p:cSld>
   <p:clrMapOvr>
     <a:masterClrMapping/>
   </p:clrMapOvr>
+  <p:timing>
+    <p:tnLst>
+      <p:par>
+        <p:cTn id="1" dur="indefinite" restart="never" nodeType="tmRoot"/>
+      </p:par>
+    </p:tnLst>
+  </p:timing>
 </p:sld>
 </file>
 
@@ -4995,7 +5027,13 @@
       </p:grpSpPr>
       <p:sp>
         <p:nvSpPr>
-          <p:cNvPr id="2" name="Titre 1"/>
+          <p:cNvPr id="2" name="Titre 1">
+            <a:extLst>
+              <a:ext uri="{FF2B5EF4-FFF2-40B4-BE49-F238E27FC236}">
+                <a16:creationId xmlns:a16="http://schemas.microsoft.com/office/drawing/2014/main" id="{49842D1C-8AAB-79DB-1792-73B852CEE9E3}"/>
+              </a:ext>
+            </a:extLst>
+          </p:cNvPr>
           <p:cNvSpPr>
             <a:spLocks noGrp="1"/>
           </p:cNvSpPr>
@@ -5010,14 +5048,20 @@
           <a:p>
             <a:r>
               <a:rPr lang="fr-FR" dirty="0"/>
-              <a:t>Matrix</a:t>
-            </a:r>
-          </a:p>
-        </p:txBody>
-      </p:sp>
-      <p:sp>
-        <p:nvSpPr>
-          <p:cNvPr id="3" name="Espace réservé du contenu 2"/>
+              <a:t>Typage</a:t>
+            </a:r>
+          </a:p>
+        </p:txBody>
+      </p:sp>
+      <p:sp>
+        <p:nvSpPr>
+          <p:cNvPr id="3" name="Espace réservé du contenu 2">
+            <a:extLst>
+              <a:ext uri="{FF2B5EF4-FFF2-40B4-BE49-F238E27FC236}">
+                <a16:creationId xmlns:a16="http://schemas.microsoft.com/office/drawing/2014/main" id="{0A172513-7B05-8744-2C7C-AC958E2306F4}"/>
+              </a:ext>
+            </a:extLst>
+          </p:cNvPr>
           <p:cNvSpPr>
             <a:spLocks noGrp="1"/>
           </p:cNvSpPr>
@@ -5031,96 +5075,59 @@
           <a:lstStyle/>
           <a:p>
             <a:r>
-              <a:rPr lang="fr-FR" dirty="0" err="1"/>
-              <a:t>np.matrix</a:t>
-            </a:r>
-            <a:r>
-              <a:rPr lang="fr-FR" dirty="0"/>
-              <a:t> est un </a:t>
-            </a:r>
-            <a:r>
-              <a:rPr lang="fr-FR" dirty="0" err="1"/>
-              <a:t>np.array</a:t>
-            </a:r>
-            <a:r>
-              <a:rPr lang="fr-FR" dirty="0"/>
-              <a:t> de dimension stricte 2</a:t>
-            </a:r>
-          </a:p>
-          <a:p>
-            <a:pPr lvl="1"/>
-            <a:r>
-              <a:rPr lang="fr-FR" dirty="0"/>
-              <a:t>Matrice rectangulaire</a:t>
-            </a:r>
-          </a:p>
-          <a:p>
-            <a:pPr lvl="1"/>
-            <a:r>
-              <a:rPr lang="fr-FR" dirty="0"/>
-              <a:t>Dérive de </a:t>
-            </a:r>
-            <a:r>
-              <a:rPr lang="fr-FR" dirty="0" err="1"/>
-              <a:t>np.ndarray</a:t>
+              <a:rPr lang="en-US" dirty="0"/>
+              <a:t>from </a:t>
+            </a:r>
+            <a:r>
+              <a:rPr lang="en-US" dirty="0" err="1"/>
+              <a:t>numpy.typing</a:t>
+            </a:r>
+            <a:r>
+              <a:rPr lang="en-US" dirty="0"/>
+              <a:t> import </a:t>
+            </a:r>
+            <a:r>
+              <a:rPr lang="en-US" dirty="0" err="1"/>
+              <a:t>NDArray</a:t>
+            </a:r>
+            <a:endParaRPr lang="en-US" dirty="0"/>
+          </a:p>
+          <a:p>
+            <a:r>
+              <a:rPr lang="en-US"/>
+              <a:t>NDArray</a:t>
+            </a:r>
+          </a:p>
+          <a:p>
+            <a:r>
+              <a:rPr lang="en-US" dirty="0" err="1"/>
+              <a:t>NDArray</a:t>
+            </a:r>
+            <a:r>
+              <a:rPr lang="en-US" dirty="0"/>
+              <a:t>[np.float64]</a:t>
             </a:r>
             <a:endParaRPr lang="fr-FR" dirty="0"/>
-          </a:p>
-          <a:p>
-            <a:r>
-              <a:rPr lang="fr-FR" dirty="0"/>
-              <a:t>Possède des opérateurs supplémentaires</a:t>
-            </a:r>
-          </a:p>
-          <a:p>
-            <a:pPr lvl="1"/>
-            <a:r>
-              <a:rPr lang="fr-FR" dirty="0"/>
-              <a:t>@ : </a:t>
-            </a:r>
-            <a:r>
-              <a:rPr lang="fr-FR" dirty="0" err="1"/>
-              <a:t>x@y</a:t>
-            </a:r>
-            <a:r>
-              <a:rPr lang="fr-FR" dirty="0"/>
-              <a:t> est le produit scalaire</a:t>
-            </a:r>
-          </a:p>
-          <a:p>
-            <a:pPr lvl="1"/>
-            <a:r>
-              <a:rPr lang="fr-FR" dirty="0"/>
-              <a:t>.I : </a:t>
-            </a:r>
-            <a:r>
-              <a:rPr lang="fr-FR" dirty="0" err="1"/>
-              <a:t>x.I</a:t>
-            </a:r>
-            <a:r>
-              <a:rPr lang="fr-FR" dirty="0"/>
-              <a:t> est la matrice inverse</a:t>
-            </a:r>
-          </a:p>
-          <a:p>
-            <a:pPr lvl="1"/>
-            <a:r>
-              <a:rPr lang="fr-FR" dirty="0"/>
-              <a:t>** : x**y est la puissance scalaire</a:t>
-            </a:r>
           </a:p>
         </p:txBody>
       </p:sp>
     </p:spTree>
     <p:extLst>
       <p:ext uri="{BB962C8B-B14F-4D97-AF65-F5344CB8AC3E}">
-        <p14:creationId xmlns:p14="http://schemas.microsoft.com/office/powerpoint/2010/main" val="1116329046"/>
+        <p14:creationId xmlns:p14="http://schemas.microsoft.com/office/powerpoint/2010/main" val="1695495202"/>
       </p:ext>
     </p:extLst>
   </p:cSld>
   <p:clrMapOvr>
     <a:masterClrMapping/>
   </p:clrMapOvr>
+  <p:timing>
+    <p:tnLst>
+      <p:par>
+        <p:cTn id="1" dur="indefinite" restart="never" nodeType="tmRoot"/>
+      </p:par>
+    </p:tnLst>
+  </p:timing>
 </p:sld>
 </file>
 
@@ -5251,6 +5258,161 @@
           <a:p>
             <a:r>
               <a:rPr lang="fr-FR" dirty="0"/>
+              <a:t>Matrix</a:t>
+            </a:r>
+          </a:p>
+        </p:txBody>
+      </p:sp>
+      <p:sp>
+        <p:nvSpPr>
+          <p:cNvPr id="3" name="Espace réservé du contenu 2"/>
+          <p:cNvSpPr>
+            <a:spLocks noGrp="1"/>
+          </p:cNvSpPr>
+          <p:nvPr>
+            <p:ph idx="1"/>
+          </p:nvPr>
+        </p:nvSpPr>
+        <p:spPr/>
+        <p:txBody>
+          <a:bodyPr/>
+          <a:lstStyle/>
+          <a:p>
+            <a:r>
+              <a:rPr lang="fr-FR" dirty="0" err="1"/>
+              <a:t>np.matrix</a:t>
+            </a:r>
+            <a:r>
+              <a:rPr lang="fr-FR" dirty="0"/>
+              <a:t> est un </a:t>
+            </a:r>
+            <a:r>
+              <a:rPr lang="fr-FR" dirty="0" err="1"/>
+              <a:t>np.array</a:t>
+            </a:r>
+            <a:r>
+              <a:rPr lang="fr-FR" dirty="0"/>
+              <a:t> de dimension stricte 2</a:t>
+            </a:r>
+          </a:p>
+          <a:p>
+            <a:pPr lvl="1"/>
+            <a:r>
+              <a:rPr lang="fr-FR" dirty="0"/>
+              <a:t>Matrice rectangulaire</a:t>
+            </a:r>
+          </a:p>
+          <a:p>
+            <a:pPr lvl="1"/>
+            <a:r>
+              <a:rPr lang="fr-FR" dirty="0"/>
+              <a:t>Dérive de </a:t>
+            </a:r>
+            <a:r>
+              <a:rPr lang="fr-FR" dirty="0" err="1"/>
+              <a:t>np.ndarray</a:t>
+            </a:r>
+            <a:endParaRPr lang="fr-FR" dirty="0"/>
+          </a:p>
+          <a:p>
+            <a:r>
+              <a:rPr lang="fr-FR" dirty="0"/>
+              <a:t>Possède des opérateurs supplémentaires</a:t>
+            </a:r>
+          </a:p>
+          <a:p>
+            <a:pPr lvl="1"/>
+            <a:r>
+              <a:rPr lang="fr-FR" dirty="0"/>
+              <a:t>@ : </a:t>
+            </a:r>
+            <a:r>
+              <a:rPr lang="fr-FR" dirty="0" err="1"/>
+              <a:t>x@y</a:t>
+            </a:r>
+            <a:r>
+              <a:rPr lang="fr-FR" dirty="0"/>
+              <a:t> est le produit scalaire</a:t>
+            </a:r>
+          </a:p>
+          <a:p>
+            <a:pPr lvl="1"/>
+            <a:r>
+              <a:rPr lang="fr-FR" dirty="0"/>
+              <a:t>.I : </a:t>
+            </a:r>
+            <a:r>
+              <a:rPr lang="fr-FR" dirty="0" err="1"/>
+              <a:t>x.I</a:t>
+            </a:r>
+            <a:r>
+              <a:rPr lang="fr-FR" dirty="0"/>
+              <a:t> est la matrice inverse</a:t>
+            </a:r>
+          </a:p>
+          <a:p>
+            <a:pPr lvl="1"/>
+            <a:r>
+              <a:rPr lang="fr-FR" dirty="0"/>
+              <a:t>** : x**y est la puissance scalaire</a:t>
+            </a:r>
+          </a:p>
+        </p:txBody>
+      </p:sp>
+    </p:spTree>
+    <p:extLst>
+      <p:ext uri="{BB962C8B-B14F-4D97-AF65-F5344CB8AC3E}">
+        <p14:creationId xmlns:p14="http://schemas.microsoft.com/office/powerpoint/2010/main" val="1116329046"/>
+      </p:ext>
+    </p:extLst>
+  </p:cSld>
+  <p:clrMapOvr>
+    <a:masterClrMapping/>
+  </p:clrMapOvr>
+  <p:timing>
+    <p:tnLst>
+      <p:par>
+        <p:cTn id="1" dur="indefinite" restart="never" nodeType="tmRoot"/>
+      </p:par>
+    </p:tnLst>
+  </p:timing>
+</p:sld>
+</file>
+
+<file path=ppt/slides/slide21.xml><?xml version="1.0" encoding="utf-8"?>
+<p:sld xmlns:a="http://schemas.openxmlformats.org/drawingml/2006/main" xmlns:r="http://schemas.openxmlformats.org/officeDocument/2006/relationships" xmlns:p="http://schemas.openxmlformats.org/presentationml/2006/main">
+  <p:cSld>
+    <p:spTree>
+      <p:nvGrpSpPr>
+        <p:cNvPr id="1" name=""/>
+        <p:cNvGrpSpPr/>
+        <p:nvPr/>
+      </p:nvGrpSpPr>
+      <p:grpSpPr>
+        <a:xfrm>
+          <a:off x="0" y="0"/>
+          <a:ext cx="0" cy="0"/>
+          <a:chOff x="0" y="0"/>
+          <a:chExt cx="0" cy="0"/>
+        </a:xfrm>
+      </p:grpSpPr>
+      <p:sp>
+        <p:nvSpPr>
+          <p:cNvPr id="2" name="Titre 1"/>
+          <p:cNvSpPr>
+            <a:spLocks noGrp="1"/>
+          </p:cNvSpPr>
+          <p:nvPr>
+            <p:ph type="title"/>
+          </p:nvPr>
+        </p:nvSpPr>
+        <p:spPr/>
+        <p:txBody>
+          <a:bodyPr/>
+          <a:lstStyle/>
+          <a:p>
+            <a:r>
+              <a:rPr lang="fr-FR" dirty="0"/>
               <a:t>Calcul de la régression linéaire</a:t>
             </a:r>
           </a:p>
@@ -5374,6 +5536,13 @@
   <p:clrMapOvr>
     <a:masterClrMapping/>
   </p:clrMapOvr>
+  <p:timing>
+    <p:tnLst>
+      <p:par>
+        <p:cTn id="1" dur="indefinite" restart="never" nodeType="tmRoot"/>
+      </p:par>
+    </p:tnLst>
+  </p:timing>
 </p:sld>
 </file>
 

--- a/ppt/PythonMath07-NumpyMatrix.pptx
+++ b/ppt/PythonMath07-NumpyMatrix.pptx
@@ -3773,6 +3773,13 @@
   <p:clrMapOvr>
     <a:masterClrMapping/>
   </p:clrMapOvr>
+  <p:timing>
+    <p:tnLst>
+      <p:par>
+        <p:cTn id="1" dur="indefinite" restart="never" nodeType="tmRoot"/>
+      </p:par>
+    </p:tnLst>
+  </p:timing>
 </p:sld>
 </file>
 
@@ -5221,6 +5228,13 @@
   <p:clrMapOvr>
     <a:masterClrMapping/>
   </p:clrMapOvr>
+  <p:timing>
+    <p:tnLst>
+      <p:par>
+        <p:cTn id="1" dur="indefinite" restart="never" nodeType="tmRoot"/>
+      </p:par>
+    </p:tnLst>
+  </p:timing>
 </p:sld>
 </file>
 
@@ -5671,6 +5685,13 @@
   <p:clrMapOvr>
     <a:masterClrMapping/>
   </p:clrMapOvr>
+  <p:timing>
+    <p:tnLst>
+      <p:par>
+        <p:cTn id="1" dur="indefinite" restart="never" nodeType="tmRoot"/>
+      </p:par>
+    </p:tnLst>
+  </p:timing>
 </p:sld>
 </file>
 
@@ -5871,6 +5892,13 @@
   <p:clrMapOvr>
     <a:masterClrMapping/>
   </p:clrMapOvr>
+  <p:timing>
+    <p:tnLst>
+      <p:par>
+        <p:cTn id="1" dur="indefinite" restart="never" nodeType="tmRoot"/>
+      </p:par>
+    </p:tnLst>
+  </p:timing>
 </p:sld>
 </file>
 
@@ -5978,6 +6006,13 @@
   <p:clrMapOvr>
     <a:masterClrMapping/>
   </p:clrMapOvr>
+  <p:timing>
+    <p:tnLst>
+      <p:par>
+        <p:cTn id="1" dur="indefinite" restart="never" nodeType="tmRoot"/>
+      </p:par>
+    </p:tnLst>
+  </p:timing>
 </p:sld>
 </file>
 
@@ -6126,64 +6161,19 @@
                 <a:latin typeface="Courier New" panose="02070309020205020404" pitchFamily="49" charset="0"/>
                 <a:cs typeface="Courier New" panose="02070309020205020404" pitchFamily="49" charset="0"/>
               </a:rPr>
-              <a:t>(2,-1)</a:t>
-            </a:r>
-          </a:p>
-          <a:p>
-            <a:pPr marL="0" indent="0">
-              <a:buNone/>
-            </a:pPr>
-            <a:r>
-              <a:rPr lang="en-US" dirty="0">
+              <a:t>(2,-1</a:t>
+            </a:r>
+            <a:r>
+              <a:rPr lang="en-US" dirty="0" smtClean="0">
                 <a:latin typeface="Courier New" panose="02070309020205020404" pitchFamily="49" charset="0"/>
                 <a:cs typeface="Courier New" panose="02070309020205020404" pitchFamily="49" charset="0"/>
               </a:rPr>
-              <a:t>a = </a:t>
-            </a:r>
-            <a:r>
-              <a:rPr lang="en-US" dirty="0" err="1">
-                <a:latin typeface="Courier New" panose="02070309020205020404" pitchFamily="49" charset="0"/>
-                <a:cs typeface="Courier New" panose="02070309020205020404" pitchFamily="49" charset="0"/>
-              </a:rPr>
-              <a:t>a.ravel</a:t>
-            </a:r>
-            <a:r>
-              <a:rPr lang="en-US" dirty="0">
-                <a:latin typeface="Courier New" panose="02070309020205020404" pitchFamily="49" charset="0"/>
-                <a:cs typeface="Courier New" panose="02070309020205020404" pitchFamily="49" charset="0"/>
-              </a:rPr>
-              <a:t>()</a:t>
-            </a:r>
-          </a:p>
-          <a:p>
-            <a:pPr marL="385763" indent="-385763">
-              <a:buFont typeface="+mj-lt"/>
-              <a:buAutoNum type="arabicPeriod"/>
-            </a:pPr>
-            <a:r>
-              <a:rPr lang="en-US" dirty="0"/>
-              <a:t>Total number of elements cannot change.</a:t>
-            </a:r>
-          </a:p>
-          <a:p>
-            <a:pPr marL="385763" indent="-385763">
-              <a:buFont typeface="+mj-lt"/>
-              <a:buAutoNum type="arabicPeriod"/>
-            </a:pPr>
-            <a:r>
-              <a:rPr lang="en-US" dirty="0"/>
-              <a:t>Use -1 to infer axis shape</a:t>
-            </a:r>
-          </a:p>
-          <a:p>
-            <a:pPr marL="385763" indent="-385763">
-              <a:buFont typeface="+mj-lt"/>
-              <a:buAutoNum type="arabicPeriod"/>
-            </a:pPr>
-            <a:r>
-              <a:rPr lang="en-US" dirty="0"/>
-              <a:t>Row-major by default (MATLAB is column-major)</a:t>
-            </a:r>
+              <a:t>)</a:t>
+            </a:r>
+            <a:endParaRPr lang="en-US" dirty="0">
+              <a:latin typeface="Courier New" panose="02070309020205020404" pitchFamily="49" charset="0"/>
+              <a:cs typeface="Courier New" panose="02070309020205020404" pitchFamily="49" charset="0"/>
+            </a:endParaRPr>
           </a:p>
         </p:txBody>
       </p:sp>
@@ -6228,6 +6218,13 @@
   <p:clrMapOvr>
     <a:masterClrMapping/>
   </p:clrMapOvr>
+  <p:timing>
+    <p:tnLst>
+      <p:par>
+        <p:cTn id="1" dur="indefinite" restart="never" nodeType="tmRoot"/>
+      </p:par>
+    </p:tnLst>
+  </p:timing>
 </p:sld>
 </file>
 
@@ -6377,6 +6374,13 @@
   <p:clrMapOvr>
     <a:masterClrMapping/>
   </p:clrMapOvr>
+  <p:timing>
+    <p:tnLst>
+      <p:par>
+        <p:cTn id="1" dur="indefinite" restart="never" nodeType="tmRoot"/>
+      </p:par>
+    </p:tnLst>
+  </p:timing>
 </p:sld>
 </file>
 
@@ -6466,6 +6470,13 @@
   <p:clrMapOvr>
     <a:masterClrMapping/>
   </p:clrMapOvr>
+  <p:timing>
+    <p:tnLst>
+      <p:par>
+        <p:cTn id="1" dur="indefinite" restart="never" nodeType="tmRoot"/>
+      </p:par>
+    </p:tnLst>
+  </p:timing>
 </p:sld>
 </file>
 
